--- a/info523/slides/stixd_demo.pptx
+++ b/info523/slides/stixd_demo.pptx
@@ -5,7 +5,7 @@
     <p:sldMasterId id="2147483648" r:id="rId1"/>
   </p:sldMasterIdLst>
   <p:notesMasterIdLst>
-    <p:notesMasterId r:id="rId26"/>
+    <p:notesMasterId r:id="rId32"/>
   </p:notesMasterIdLst>
   <p:sldIdLst>
     <p:sldId id="267" r:id="rId2"/>
@@ -16,22 +16,28 @@
     <p:sldId id="263" r:id="rId7"/>
     <p:sldId id="294" r:id="rId8"/>
     <p:sldId id="281" r:id="rId9"/>
-    <p:sldId id="290" r:id="rId10"/>
-    <p:sldId id="258" r:id="rId11"/>
-    <p:sldId id="296" r:id="rId12"/>
-    <p:sldId id="275" r:id="rId13"/>
-    <p:sldId id="292" r:id="rId14"/>
-    <p:sldId id="277" r:id="rId15"/>
-    <p:sldId id="276" r:id="rId16"/>
-    <p:sldId id="287" r:id="rId17"/>
-    <p:sldId id="274" r:id="rId18"/>
-    <p:sldId id="259" r:id="rId19"/>
-    <p:sldId id="260" r:id="rId20"/>
-    <p:sldId id="261" r:id="rId21"/>
-    <p:sldId id="273" r:id="rId22"/>
-    <p:sldId id="289" r:id="rId23"/>
-    <p:sldId id="279" r:id="rId24"/>
-    <p:sldId id="270" r:id="rId25"/>
+    <p:sldId id="274" r:id="rId10"/>
+    <p:sldId id="290" r:id="rId11"/>
+    <p:sldId id="258" r:id="rId12"/>
+    <p:sldId id="296" r:id="rId13"/>
+    <p:sldId id="275" r:id="rId14"/>
+    <p:sldId id="292" r:id="rId15"/>
+    <p:sldId id="277" r:id="rId16"/>
+    <p:sldId id="276" r:id="rId17"/>
+    <p:sldId id="287" r:id="rId18"/>
+    <p:sldId id="297" r:id="rId19"/>
+    <p:sldId id="304" r:id="rId20"/>
+    <p:sldId id="300" r:id="rId21"/>
+    <p:sldId id="260" r:id="rId22"/>
+    <p:sldId id="301" r:id="rId23"/>
+    <p:sldId id="302" r:id="rId24"/>
+    <p:sldId id="303" r:id="rId25"/>
+    <p:sldId id="261" r:id="rId26"/>
+    <p:sldId id="305" r:id="rId27"/>
+    <p:sldId id="273" r:id="rId28"/>
+    <p:sldId id="289" r:id="rId29"/>
+    <p:sldId id="279" r:id="rId30"/>
+    <p:sldId id="270" r:id="rId31"/>
   </p:sldIdLst>
   <p:sldSz cx="12192000" cy="6858000"/>
   <p:notesSz cx="6858000" cy="9144000"/>
@@ -147,6 +153,7 @@
             <p14:sldId id="263"/>
             <p14:sldId id="294"/>
             <p14:sldId id="281"/>
+            <p14:sldId id="274"/>
           </p14:sldIdLst>
         </p14:section>
         <p14:section name="Relation to i523" id="{D3EFEF89-A4CD-4348-BB3A-460AC9AC402F}">
@@ -163,18 +170,23 @@
             <p14:sldId id="277"/>
             <p14:sldId id="276"/>
             <p14:sldId id="287"/>
-            <p14:sldId id="274"/>
-            <p14:sldId id="259"/>
           </p14:sldIdLst>
         </p14:section>
         <p14:section name="Demo" id="{3D1FBAD7-4313-4D95-B8DB-9AA6D362A2A7}">
           <p14:sldIdLst>
+            <p14:sldId id="297"/>
+            <p14:sldId id="304"/>
+            <p14:sldId id="300"/>
             <p14:sldId id="260"/>
+            <p14:sldId id="301"/>
+            <p14:sldId id="302"/>
+            <p14:sldId id="303"/>
           </p14:sldIdLst>
         </p14:section>
         <p14:section name="Conclusion" id="{3566F92E-3615-4A16-BCC1-46248B0B09C7}">
           <p14:sldIdLst>
             <p14:sldId id="261"/>
+            <p14:sldId id="305"/>
           </p14:sldIdLst>
         </p14:section>
         <p14:section name="Backmatter" id="{50F118C3-584F-4FE8-855E-D67F27C0F56B}">
@@ -192,6 +204,432 @@
     </p:ext>
   </p:extLst>
 </p:presentation>
+</file>
+
+<file path=ppt/changesInfos/changesInfo1.xml><?xml version="1.0" encoding="utf-8"?>
+<pc:chgInfo xmlns:a="http://schemas.openxmlformats.org/drawingml/2006/main" xmlns:r="http://schemas.openxmlformats.org/officeDocument/2006/relationships" xmlns:ac="http://schemas.microsoft.com/office/drawing/2013/main/command" xmlns:pc="http://schemas.microsoft.com/office/powerpoint/2013/main/command">
+  <pc:docChgLst>
+    <pc:chgData name="mike b" userId="41a76ed36495dfc0" providerId="LiveId" clId="{1526470A-66A9-4E36-BC23-79802B2E7D0A}"/>
+    <pc:docChg chg="undo custSel addSld delSld modSld sldOrd modSection">
+      <pc:chgData name="mike b" userId="41a76ed36495dfc0" providerId="LiveId" clId="{1526470A-66A9-4E36-BC23-79802B2E7D0A}" dt="2024-08-12T22:24:30.902" v="782" actId="20577"/>
+      <pc:docMkLst>
+        <pc:docMk/>
+      </pc:docMkLst>
+      <pc:sldChg chg="del">
+        <pc:chgData name="mike b" userId="41a76ed36495dfc0" providerId="LiveId" clId="{1526470A-66A9-4E36-BC23-79802B2E7D0A}" dt="2024-08-12T20:57:09.173" v="64" actId="47"/>
+        <pc:sldMkLst>
+          <pc:docMk/>
+          <pc:sldMk cId="328128720" sldId="259"/>
+        </pc:sldMkLst>
+      </pc:sldChg>
+      <pc:sldChg chg="modSp mod modNotesTx">
+        <pc:chgData name="mike b" userId="41a76ed36495dfc0" providerId="LiveId" clId="{1526470A-66A9-4E36-BC23-79802B2E7D0A}" dt="2024-08-12T22:15:35.352" v="655" actId="20577"/>
+        <pc:sldMkLst>
+          <pc:docMk/>
+          <pc:sldMk cId="4003301164" sldId="260"/>
+        </pc:sldMkLst>
+        <pc:spChg chg="mod">
+          <ac:chgData name="mike b" userId="41a76ed36495dfc0" providerId="LiveId" clId="{1526470A-66A9-4E36-BC23-79802B2E7D0A}" dt="2024-08-12T21:45:39.953" v="77" actId="20577"/>
+          <ac:spMkLst>
+            <pc:docMk/>
+            <pc:sldMk cId="4003301164" sldId="260"/>
+            <ac:spMk id="2" creationId="{87187CCF-3EDE-FE1D-24BE-D982A535B7A9}"/>
+          </ac:spMkLst>
+        </pc:spChg>
+        <pc:spChg chg="mod">
+          <ac:chgData name="mike b" userId="41a76ed36495dfc0" providerId="LiveId" clId="{1526470A-66A9-4E36-BC23-79802B2E7D0A}" dt="2024-08-12T21:46:33.137" v="89" actId="27636"/>
+          <ac:spMkLst>
+            <pc:docMk/>
+            <pc:sldMk cId="4003301164" sldId="260"/>
+            <ac:spMk id="3" creationId="{FB9CF954-5BD6-2425-CF31-0A58430A09BF}"/>
+          </ac:spMkLst>
+        </pc:spChg>
+      </pc:sldChg>
+      <pc:sldChg chg="ord">
+        <pc:chgData name="mike b" userId="41a76ed36495dfc0" providerId="LiveId" clId="{1526470A-66A9-4E36-BC23-79802B2E7D0A}" dt="2024-08-12T20:56:40.224" v="63"/>
+        <pc:sldMkLst>
+          <pc:docMk/>
+          <pc:sldMk cId="2895154069" sldId="274"/>
+        </pc:sldMkLst>
+      </pc:sldChg>
+      <pc:sldChg chg="addSp delSp modSp new mod modClrScheme chgLayout">
+        <pc:chgData name="mike b" userId="41a76ed36495dfc0" providerId="LiveId" clId="{1526470A-66A9-4E36-BC23-79802B2E7D0A}" dt="2024-08-12T20:56:24.021" v="61" actId="20577"/>
+        <pc:sldMkLst>
+          <pc:docMk/>
+          <pc:sldMk cId="3148475091" sldId="297"/>
+        </pc:sldMkLst>
+        <pc:spChg chg="del mod ord">
+          <ac:chgData name="mike b" userId="41a76ed36495dfc0" providerId="LiveId" clId="{1526470A-66A9-4E36-BC23-79802B2E7D0A}" dt="2024-08-12T20:55:57.439" v="1" actId="700"/>
+          <ac:spMkLst>
+            <pc:docMk/>
+            <pc:sldMk cId="3148475091" sldId="297"/>
+            <ac:spMk id="2" creationId="{8955F426-B255-56A2-7A8D-E3C555BA0908}"/>
+          </ac:spMkLst>
+        </pc:spChg>
+        <pc:spChg chg="del mod ord">
+          <ac:chgData name="mike b" userId="41a76ed36495dfc0" providerId="LiveId" clId="{1526470A-66A9-4E36-BC23-79802B2E7D0A}" dt="2024-08-12T20:55:57.439" v="1" actId="700"/>
+          <ac:spMkLst>
+            <pc:docMk/>
+            <pc:sldMk cId="3148475091" sldId="297"/>
+            <ac:spMk id="3" creationId="{37BB824B-C0EF-E55A-5295-4C00E74D5C6D}"/>
+          </ac:spMkLst>
+        </pc:spChg>
+        <pc:spChg chg="mod ord">
+          <ac:chgData name="mike b" userId="41a76ed36495dfc0" providerId="LiveId" clId="{1526470A-66A9-4E36-BC23-79802B2E7D0A}" dt="2024-08-12T20:55:57.439" v="1" actId="700"/>
+          <ac:spMkLst>
+            <pc:docMk/>
+            <pc:sldMk cId="3148475091" sldId="297"/>
+            <ac:spMk id="4" creationId="{1633C47C-CAD2-6CA0-726D-BE250537B5E0}"/>
+          </ac:spMkLst>
+        </pc:spChg>
+        <pc:spChg chg="mod ord">
+          <ac:chgData name="mike b" userId="41a76ed36495dfc0" providerId="LiveId" clId="{1526470A-66A9-4E36-BC23-79802B2E7D0A}" dt="2024-08-12T20:55:57.439" v="1" actId="700"/>
+          <ac:spMkLst>
+            <pc:docMk/>
+            <pc:sldMk cId="3148475091" sldId="297"/>
+            <ac:spMk id="5" creationId="{7B222836-0017-8478-3D2A-3F44CF35B61D}"/>
+          </ac:spMkLst>
+        </pc:spChg>
+        <pc:spChg chg="mod ord">
+          <ac:chgData name="mike b" userId="41a76ed36495dfc0" providerId="LiveId" clId="{1526470A-66A9-4E36-BC23-79802B2E7D0A}" dt="2024-08-12T20:55:57.439" v="1" actId="700"/>
+          <ac:spMkLst>
+            <pc:docMk/>
+            <pc:sldMk cId="3148475091" sldId="297"/>
+            <ac:spMk id="6" creationId="{80ED4607-8F02-7EBE-EF21-5B5944E13594}"/>
+          </ac:spMkLst>
+        </pc:spChg>
+        <pc:spChg chg="add mod ord">
+          <ac:chgData name="mike b" userId="41a76ed36495dfc0" providerId="LiveId" clId="{1526470A-66A9-4E36-BC23-79802B2E7D0A}" dt="2024-08-12T20:56:14.780" v="38" actId="20577"/>
+          <ac:spMkLst>
+            <pc:docMk/>
+            <pc:sldMk cId="3148475091" sldId="297"/>
+            <ac:spMk id="7" creationId="{037524FF-B600-9D8F-3AC2-F6E6F0217DDC}"/>
+          </ac:spMkLst>
+        </pc:spChg>
+        <pc:spChg chg="add mod ord">
+          <ac:chgData name="mike b" userId="41a76ed36495dfc0" providerId="LiveId" clId="{1526470A-66A9-4E36-BC23-79802B2E7D0A}" dt="2024-08-12T20:56:24.021" v="61" actId="20577"/>
+          <ac:spMkLst>
+            <pc:docMk/>
+            <pc:sldMk cId="3148475091" sldId="297"/>
+            <ac:spMk id="8" creationId="{9F58C26A-F387-C48D-B5D2-FD15E171DBD5}"/>
+          </ac:spMkLst>
+        </pc:spChg>
+      </pc:sldChg>
+      <pc:sldChg chg="modSp new del mod">
+        <pc:chgData name="mike b" userId="41a76ed36495dfc0" providerId="LiveId" clId="{1526470A-66A9-4E36-BC23-79802B2E7D0A}" dt="2024-08-12T21:47:51.109" v="94" actId="2696"/>
+        <pc:sldMkLst>
+          <pc:docMk/>
+          <pc:sldMk cId="1586049162" sldId="298"/>
+        </pc:sldMkLst>
+        <pc:spChg chg="mod">
+          <ac:chgData name="mike b" userId="41a76ed36495dfc0" providerId="LiveId" clId="{1526470A-66A9-4E36-BC23-79802B2E7D0A}" dt="2024-08-12T21:45:44.408" v="80" actId="20577"/>
+          <ac:spMkLst>
+            <pc:docMk/>
+            <pc:sldMk cId="1586049162" sldId="298"/>
+            <ac:spMk id="2" creationId="{BD2059F8-44D5-2BE1-905D-E4F4A04ACFDD}"/>
+          </ac:spMkLst>
+        </pc:spChg>
+      </pc:sldChg>
+      <pc:sldChg chg="new del">
+        <pc:chgData name="mike b" userId="41a76ed36495dfc0" providerId="LiveId" clId="{1526470A-66A9-4E36-BC23-79802B2E7D0A}" dt="2024-08-12T21:47:55.414" v="95" actId="2696"/>
+        <pc:sldMkLst>
+          <pc:docMk/>
+          <pc:sldMk cId="2017928792" sldId="299"/>
+        </pc:sldMkLst>
+      </pc:sldChg>
+      <pc:sldChg chg="addSp delSp modSp new mod modClrScheme chgLayout modNotesTx">
+        <pc:chgData name="mike b" userId="41a76ed36495dfc0" providerId="LiveId" clId="{1526470A-66A9-4E36-BC23-79802B2E7D0A}" dt="2024-08-12T22:12:48.262" v="645" actId="20577"/>
+        <pc:sldMkLst>
+          <pc:docMk/>
+          <pc:sldMk cId="3049945882" sldId="300"/>
+        </pc:sldMkLst>
+        <pc:spChg chg="del mod ord">
+          <ac:chgData name="mike b" userId="41a76ed36495dfc0" providerId="LiveId" clId="{1526470A-66A9-4E36-BC23-79802B2E7D0A}" dt="2024-08-12T20:57:55.492" v="68" actId="700"/>
+          <ac:spMkLst>
+            <pc:docMk/>
+            <pc:sldMk cId="3049945882" sldId="300"/>
+            <ac:spMk id="2" creationId="{DAA5B5A4-3474-E22C-DF6E-89AA0FAB9FAD}"/>
+          </ac:spMkLst>
+        </pc:spChg>
+        <pc:spChg chg="del mod ord">
+          <ac:chgData name="mike b" userId="41a76ed36495dfc0" providerId="LiveId" clId="{1526470A-66A9-4E36-BC23-79802B2E7D0A}" dt="2024-08-12T20:57:55.492" v="68" actId="700"/>
+          <ac:spMkLst>
+            <pc:docMk/>
+            <pc:sldMk cId="3049945882" sldId="300"/>
+            <ac:spMk id="3" creationId="{09EED073-4F0E-2E79-6A9C-A67404D16CEF}"/>
+          </ac:spMkLst>
+        </pc:spChg>
+        <pc:spChg chg="mod ord">
+          <ac:chgData name="mike b" userId="41a76ed36495dfc0" providerId="LiveId" clId="{1526470A-66A9-4E36-BC23-79802B2E7D0A}" dt="2024-08-12T20:57:55.492" v="68" actId="700"/>
+          <ac:spMkLst>
+            <pc:docMk/>
+            <pc:sldMk cId="3049945882" sldId="300"/>
+            <ac:spMk id="4" creationId="{F59410E0-E5C4-B4F3-1AD0-F501EDD63A04}"/>
+          </ac:spMkLst>
+        </pc:spChg>
+        <pc:spChg chg="mod ord">
+          <ac:chgData name="mike b" userId="41a76ed36495dfc0" providerId="LiveId" clId="{1526470A-66A9-4E36-BC23-79802B2E7D0A}" dt="2024-08-12T20:57:55.492" v="68" actId="700"/>
+          <ac:spMkLst>
+            <pc:docMk/>
+            <pc:sldMk cId="3049945882" sldId="300"/>
+            <ac:spMk id="5" creationId="{E88CD08E-6D7E-A3FC-8053-316B0B350ED1}"/>
+          </ac:spMkLst>
+        </pc:spChg>
+        <pc:spChg chg="mod ord">
+          <ac:chgData name="mike b" userId="41a76ed36495dfc0" providerId="LiveId" clId="{1526470A-66A9-4E36-BC23-79802B2E7D0A}" dt="2024-08-12T20:57:55.492" v="68" actId="700"/>
+          <ac:spMkLst>
+            <pc:docMk/>
+            <pc:sldMk cId="3049945882" sldId="300"/>
+            <ac:spMk id="6" creationId="{C2352D31-CD28-9BD8-7942-5360704EC0CE}"/>
+          </ac:spMkLst>
+        </pc:spChg>
+        <pc:spChg chg="add mod ord">
+          <ac:chgData name="mike b" userId="41a76ed36495dfc0" providerId="LiveId" clId="{1526470A-66A9-4E36-BC23-79802B2E7D0A}" dt="2024-08-12T21:44:56.679" v="74" actId="20577"/>
+          <ac:spMkLst>
+            <pc:docMk/>
+            <pc:sldMk cId="3049945882" sldId="300"/>
+            <ac:spMk id="7" creationId="{0628AB2D-9912-32D1-1B9B-15141E747272}"/>
+          </ac:spMkLst>
+        </pc:spChg>
+        <pc:spChg chg="add mod ord">
+          <ac:chgData name="mike b" userId="41a76ed36495dfc0" providerId="LiveId" clId="{1526470A-66A9-4E36-BC23-79802B2E7D0A}" dt="2024-08-12T21:46:10.894" v="84" actId="27636"/>
+          <ac:spMkLst>
+            <pc:docMk/>
+            <pc:sldMk cId="3049945882" sldId="300"/>
+            <ac:spMk id="8" creationId="{185B7310-5B97-7EEE-4CC5-2A86AFBB8D9D}"/>
+          </ac:spMkLst>
+        </pc:spChg>
+      </pc:sldChg>
+      <pc:sldChg chg="modSp add mod modNotesTx">
+        <pc:chgData name="mike b" userId="41a76ed36495dfc0" providerId="LiveId" clId="{1526470A-66A9-4E36-BC23-79802B2E7D0A}" dt="2024-08-12T22:16:43.200" v="659" actId="20577"/>
+        <pc:sldMkLst>
+          <pc:docMk/>
+          <pc:sldMk cId="256857067" sldId="301"/>
+        </pc:sldMkLst>
+        <pc:spChg chg="mod">
+          <ac:chgData name="mike b" userId="41a76ed36495dfc0" providerId="LiveId" clId="{1526470A-66A9-4E36-BC23-79802B2E7D0A}" dt="2024-08-12T21:46:53.592" v="91" actId="20577"/>
+          <ac:spMkLst>
+            <pc:docMk/>
+            <pc:sldMk cId="256857067" sldId="301"/>
+            <ac:spMk id="2" creationId="{87187CCF-3EDE-FE1D-24BE-D982A535B7A9}"/>
+          </ac:spMkLst>
+        </pc:spChg>
+        <pc:spChg chg="mod">
+          <ac:chgData name="mike b" userId="41a76ed36495dfc0" providerId="LiveId" clId="{1526470A-66A9-4E36-BC23-79802B2E7D0A}" dt="2024-08-12T21:47:05.179" v="93" actId="27636"/>
+          <ac:spMkLst>
+            <pc:docMk/>
+            <pc:sldMk cId="256857067" sldId="301"/>
+            <ac:spMk id="3" creationId="{FB9CF954-5BD6-2425-CF31-0A58430A09BF}"/>
+          </ac:spMkLst>
+        </pc:spChg>
+      </pc:sldChg>
+      <pc:sldChg chg="modSp add mod modNotesTx">
+        <pc:chgData name="mike b" userId="41a76ed36495dfc0" providerId="LiveId" clId="{1526470A-66A9-4E36-BC23-79802B2E7D0A}" dt="2024-08-12T22:21:17.461" v="703"/>
+        <pc:sldMkLst>
+          <pc:docMk/>
+          <pc:sldMk cId="1457451623" sldId="302"/>
+        </pc:sldMkLst>
+        <pc:spChg chg="mod">
+          <ac:chgData name="mike b" userId="41a76ed36495dfc0" providerId="LiveId" clId="{1526470A-66A9-4E36-BC23-79802B2E7D0A}" dt="2024-08-12T21:48:05.891" v="98" actId="20577"/>
+          <ac:spMkLst>
+            <pc:docMk/>
+            <pc:sldMk cId="1457451623" sldId="302"/>
+            <ac:spMk id="2" creationId="{87187CCF-3EDE-FE1D-24BE-D982A535B7A9}"/>
+          </ac:spMkLst>
+        </pc:spChg>
+        <pc:spChg chg="mod">
+          <ac:chgData name="mike b" userId="41a76ed36495dfc0" providerId="LiveId" clId="{1526470A-66A9-4E36-BC23-79802B2E7D0A}" dt="2024-08-12T22:20:56.197" v="702" actId="27636"/>
+          <ac:spMkLst>
+            <pc:docMk/>
+            <pc:sldMk cId="1457451623" sldId="302"/>
+            <ac:spMk id="3" creationId="{FB9CF954-5BD6-2425-CF31-0A58430A09BF}"/>
+          </ac:spMkLst>
+        </pc:spChg>
+        <pc:spChg chg="mod">
+          <ac:chgData name="mike b" userId="41a76ed36495dfc0" providerId="LiveId" clId="{1526470A-66A9-4E36-BC23-79802B2E7D0A}" dt="2024-08-12T22:21:17.461" v="703"/>
+          <ac:spMkLst>
+            <pc:docMk/>
+            <pc:sldMk cId="1457451623" sldId="302"/>
+            <ac:spMk id="5" creationId="{FC271603-985F-2862-39BD-821322311E77}"/>
+          </ac:spMkLst>
+        </pc:spChg>
+      </pc:sldChg>
+      <pc:sldChg chg="modSp add mod modNotesTx">
+        <pc:chgData name="mike b" userId="41a76ed36495dfc0" providerId="LiveId" clId="{1526470A-66A9-4E36-BC23-79802B2E7D0A}" dt="2024-08-12T22:23:25.030" v="715" actId="6549"/>
+        <pc:sldMkLst>
+          <pc:docMk/>
+          <pc:sldMk cId="5105157" sldId="303"/>
+        </pc:sldMkLst>
+        <pc:spChg chg="mod">
+          <ac:chgData name="mike b" userId="41a76ed36495dfc0" providerId="LiveId" clId="{1526470A-66A9-4E36-BC23-79802B2E7D0A}" dt="2024-08-12T21:48:58.341" v="104" actId="20577"/>
+          <ac:spMkLst>
+            <pc:docMk/>
+            <pc:sldMk cId="5105157" sldId="303"/>
+            <ac:spMk id="2" creationId="{87187CCF-3EDE-FE1D-24BE-D982A535B7A9}"/>
+          </ac:spMkLst>
+        </pc:spChg>
+        <pc:spChg chg="mod">
+          <ac:chgData name="mike b" userId="41a76ed36495dfc0" providerId="LiveId" clId="{1526470A-66A9-4E36-BC23-79802B2E7D0A}" dt="2024-08-12T21:49:08.420" v="105"/>
+          <ac:spMkLst>
+            <pc:docMk/>
+            <pc:sldMk cId="5105157" sldId="303"/>
+            <ac:spMk id="3" creationId="{FB9CF954-5BD6-2425-CF31-0A58430A09BF}"/>
+          </ac:spMkLst>
+        </pc:spChg>
+        <pc:spChg chg="mod">
+          <ac:chgData name="mike b" userId="41a76ed36495dfc0" providerId="LiveId" clId="{1526470A-66A9-4E36-BC23-79802B2E7D0A}" dt="2024-08-12T22:21:26.794" v="704"/>
+          <ac:spMkLst>
+            <pc:docMk/>
+            <pc:sldMk cId="5105157" sldId="303"/>
+            <ac:spMk id="5" creationId="{FC271603-985F-2862-39BD-821322311E77}"/>
+          </ac:spMkLst>
+        </pc:spChg>
+      </pc:sldChg>
+      <pc:sldChg chg="addSp delSp modSp new mod modClrScheme chgLayout modNotesTx">
+        <pc:chgData name="mike b" userId="41a76ed36495dfc0" providerId="LiveId" clId="{1526470A-66A9-4E36-BC23-79802B2E7D0A}" dt="2024-08-12T22:09:42.120" v="642" actId="20577"/>
+        <pc:sldMkLst>
+          <pc:docMk/>
+          <pc:sldMk cId="4185899925" sldId="304"/>
+        </pc:sldMkLst>
+        <pc:spChg chg="del mod ord">
+          <ac:chgData name="mike b" userId="41a76ed36495dfc0" providerId="LiveId" clId="{1526470A-66A9-4E36-BC23-79802B2E7D0A}" dt="2024-08-12T21:51:00.328" v="107" actId="700"/>
+          <ac:spMkLst>
+            <pc:docMk/>
+            <pc:sldMk cId="4185899925" sldId="304"/>
+            <ac:spMk id="2" creationId="{98DFEC60-3A77-5B7E-B684-DE4A20E1BA5B}"/>
+          </ac:spMkLst>
+        </pc:spChg>
+        <pc:spChg chg="del mod ord">
+          <ac:chgData name="mike b" userId="41a76ed36495dfc0" providerId="LiveId" clId="{1526470A-66A9-4E36-BC23-79802B2E7D0A}" dt="2024-08-12T21:51:00.328" v="107" actId="700"/>
+          <ac:spMkLst>
+            <pc:docMk/>
+            <pc:sldMk cId="4185899925" sldId="304"/>
+            <ac:spMk id="3" creationId="{2D9D2E81-016D-E5E9-B260-37D80B253756}"/>
+          </ac:spMkLst>
+        </pc:spChg>
+        <pc:spChg chg="mod ord">
+          <ac:chgData name="mike b" userId="41a76ed36495dfc0" providerId="LiveId" clId="{1526470A-66A9-4E36-BC23-79802B2E7D0A}" dt="2024-08-12T21:55:16.161" v="255" actId="700"/>
+          <ac:spMkLst>
+            <pc:docMk/>
+            <pc:sldMk cId="4185899925" sldId="304"/>
+            <ac:spMk id="4" creationId="{340E02AA-AFC7-37AF-885D-FCF6DBB3BBE7}"/>
+          </ac:spMkLst>
+        </pc:spChg>
+        <pc:spChg chg="mod ord">
+          <ac:chgData name="mike b" userId="41a76ed36495dfc0" providerId="LiveId" clId="{1526470A-66A9-4E36-BC23-79802B2E7D0A}" dt="2024-08-12T21:59:19.656" v="377"/>
+          <ac:spMkLst>
+            <pc:docMk/>
+            <pc:sldMk cId="4185899925" sldId="304"/>
+            <ac:spMk id="5" creationId="{65DFF0D7-2A5D-3F0C-6680-8A6B1443CE91}"/>
+          </ac:spMkLst>
+        </pc:spChg>
+        <pc:spChg chg="mod ord">
+          <ac:chgData name="mike b" userId="41a76ed36495dfc0" providerId="LiveId" clId="{1526470A-66A9-4E36-BC23-79802B2E7D0A}" dt="2024-08-12T21:55:16.161" v="255" actId="700"/>
+          <ac:spMkLst>
+            <pc:docMk/>
+            <pc:sldMk cId="4185899925" sldId="304"/>
+            <ac:spMk id="6" creationId="{641662FC-04BF-CE9E-10AB-88822C57BB54}"/>
+          </ac:spMkLst>
+        </pc:spChg>
+        <pc:spChg chg="add del mod ord">
+          <ac:chgData name="mike b" userId="41a76ed36495dfc0" providerId="LiveId" clId="{1526470A-66A9-4E36-BC23-79802B2E7D0A}" dt="2024-08-12T21:55:16.161" v="255" actId="700"/>
+          <ac:spMkLst>
+            <pc:docMk/>
+            <pc:sldMk cId="4185899925" sldId="304"/>
+            <ac:spMk id="7" creationId="{8E629BBF-62C3-653D-10D3-EB652A5BD717}"/>
+          </ac:spMkLst>
+        </pc:spChg>
+        <pc:spChg chg="add mod ord">
+          <ac:chgData name="mike b" userId="41a76ed36495dfc0" providerId="LiveId" clId="{1526470A-66A9-4E36-BC23-79802B2E7D0A}" dt="2024-08-12T22:05:37.461" v="584" actId="20577"/>
+          <ac:spMkLst>
+            <pc:docMk/>
+            <pc:sldMk cId="4185899925" sldId="304"/>
+            <ac:spMk id="8" creationId="{5A0A5C58-338E-278E-B97B-2E749947C007}"/>
+          </ac:spMkLst>
+        </pc:spChg>
+        <pc:spChg chg="add mod ord">
+          <ac:chgData name="mike b" userId="41a76ed36495dfc0" providerId="LiveId" clId="{1526470A-66A9-4E36-BC23-79802B2E7D0A}" dt="2024-08-12T21:57:39.464" v="353" actId="404"/>
+          <ac:spMkLst>
+            <pc:docMk/>
+            <pc:sldMk cId="4185899925" sldId="304"/>
+            <ac:spMk id="9" creationId="{1479D18B-152C-92EE-8AC3-363D98441901}"/>
+          </ac:spMkLst>
+        </pc:spChg>
+        <pc:spChg chg="add mod ord">
+          <ac:chgData name="mike b" userId="41a76ed36495dfc0" providerId="LiveId" clId="{1526470A-66A9-4E36-BC23-79802B2E7D0A}" dt="2024-08-12T22:00:06.522" v="403" actId="20577"/>
+          <ac:spMkLst>
+            <pc:docMk/>
+            <pc:sldMk cId="4185899925" sldId="304"/>
+            <ac:spMk id="10" creationId="{39872ECC-137D-BD97-6152-6E50E327C804}"/>
+          </ac:spMkLst>
+        </pc:spChg>
+      </pc:sldChg>
+      <pc:sldChg chg="addSp delSp modSp new mod modClrScheme chgLayout">
+        <pc:chgData name="mike b" userId="41a76ed36495dfc0" providerId="LiveId" clId="{1526470A-66A9-4E36-BC23-79802B2E7D0A}" dt="2024-08-12T22:24:30.902" v="782" actId="20577"/>
+        <pc:sldMkLst>
+          <pc:docMk/>
+          <pc:sldMk cId="1233399515" sldId="305"/>
+        </pc:sldMkLst>
+        <pc:spChg chg="del mod ord">
+          <ac:chgData name="mike b" userId="41a76ed36495dfc0" providerId="LiveId" clId="{1526470A-66A9-4E36-BC23-79802B2E7D0A}" dt="2024-08-12T22:23:58.540" v="717" actId="700"/>
+          <ac:spMkLst>
+            <pc:docMk/>
+            <pc:sldMk cId="1233399515" sldId="305"/>
+            <ac:spMk id="2" creationId="{2C9C250F-54BC-E9FE-6B02-1F0A42338BE5}"/>
+          </ac:spMkLst>
+        </pc:spChg>
+        <pc:spChg chg="del mod ord">
+          <ac:chgData name="mike b" userId="41a76ed36495dfc0" providerId="LiveId" clId="{1526470A-66A9-4E36-BC23-79802B2E7D0A}" dt="2024-08-12T22:23:58.540" v="717" actId="700"/>
+          <ac:spMkLst>
+            <pc:docMk/>
+            <pc:sldMk cId="1233399515" sldId="305"/>
+            <ac:spMk id="3" creationId="{2551A636-FBBC-169B-1523-005DEB270D4D}"/>
+          </ac:spMkLst>
+        </pc:spChg>
+        <pc:spChg chg="mod ord">
+          <ac:chgData name="mike b" userId="41a76ed36495dfc0" providerId="LiveId" clId="{1526470A-66A9-4E36-BC23-79802B2E7D0A}" dt="2024-08-12T22:23:58.540" v="717" actId="700"/>
+          <ac:spMkLst>
+            <pc:docMk/>
+            <pc:sldMk cId="1233399515" sldId="305"/>
+            <ac:spMk id="4" creationId="{FDD36C5C-456E-A69D-9AF6-30A15A922581}"/>
+          </ac:spMkLst>
+        </pc:spChg>
+        <pc:spChg chg="mod ord">
+          <ac:chgData name="mike b" userId="41a76ed36495dfc0" providerId="LiveId" clId="{1526470A-66A9-4E36-BC23-79802B2E7D0A}" dt="2024-08-12T22:23:58.540" v="717" actId="700"/>
+          <ac:spMkLst>
+            <pc:docMk/>
+            <pc:sldMk cId="1233399515" sldId="305"/>
+            <ac:spMk id="5" creationId="{6BE28A6C-D6CD-0967-7650-11202012022E}"/>
+          </ac:spMkLst>
+        </pc:spChg>
+        <pc:spChg chg="mod ord">
+          <ac:chgData name="mike b" userId="41a76ed36495dfc0" providerId="LiveId" clId="{1526470A-66A9-4E36-BC23-79802B2E7D0A}" dt="2024-08-12T22:23:58.540" v="717" actId="700"/>
+          <ac:spMkLst>
+            <pc:docMk/>
+            <pc:sldMk cId="1233399515" sldId="305"/>
+            <ac:spMk id="6" creationId="{18B93C15-26A3-90EA-9A39-851A823C2C64}"/>
+          </ac:spMkLst>
+        </pc:spChg>
+        <pc:spChg chg="add mod ord">
+          <ac:chgData name="mike b" userId="41a76ed36495dfc0" providerId="LiveId" clId="{1526470A-66A9-4E36-BC23-79802B2E7D0A}" dt="2024-08-12T22:24:05.974" v="744" actId="20577"/>
+          <ac:spMkLst>
+            <pc:docMk/>
+            <pc:sldMk cId="1233399515" sldId="305"/>
+            <ac:spMk id="7" creationId="{5B449516-985D-A2BC-99FF-188F92E2B457}"/>
+          </ac:spMkLst>
+        </pc:spChg>
+        <pc:spChg chg="add mod ord">
+          <ac:chgData name="mike b" userId="41a76ed36495dfc0" providerId="LiveId" clId="{1526470A-66A9-4E36-BC23-79802B2E7D0A}" dt="2024-08-12T22:24:30.902" v="782" actId="20577"/>
+          <ac:spMkLst>
+            <pc:docMk/>
+            <pc:sldMk cId="1233399515" sldId="305"/>
+            <ac:spMk id="8" creationId="{93871D09-94FE-3CA6-5EB3-09214BAE4FC5}"/>
+          </ac:spMkLst>
+        </pc:spChg>
+      </pc:sldChg>
+    </pc:docChg>
+  </pc:docChgLst>
+</pc:chgInfo>
 </file>
 
 <file path=ppt/notesMasters/notesMaster1.xml><?xml version="1.0" encoding="utf-8"?>
@@ -673,23 +1111,7 @@
           <a:p>
             <a:r>
               <a:rPr lang="en-US" dirty="0"/>
-              <a:t>In this slide, we are focusing on </a:t>
-            </a:r>
-            <a:r>
-              <a:rPr lang="en-US" b="1" dirty="0"/>
-              <a:t>Text Classification</a:t>
-            </a:r>
-            <a:r>
-              <a:rPr lang="en-US" dirty="0"/>
-              <a:t>, particularly in the context of </a:t>
-            </a:r>
-            <a:r>
-              <a:rPr lang="en-US" b="1" dirty="0"/>
-              <a:t>Part-of-Speech (POS) tagging</a:t>
-            </a:r>
-            <a:r>
-              <a:rPr lang="en-US" dirty="0"/>
-              <a:t>. POS tagging is a fundamental task in Natural Language Processing (NLP) where each word in a sentence is assigned a part of speech, such as a noun, verb, adjective, etc. This process helps in understanding the grammatical structure of sentences, which is crucial for further linguistic analysis.</a:t>
+              <a:t>This slide provides an overview of how data mining methods are integral to the process of customizing Natural Language Processing (NLP) and Controlled Natural Language (CNL) systems, specifically within the context of the STIX-D project. In our project, we're leveraging a variety of data mining techniques to analyze and structure large amounts of text data, which is crucial for developing an effective CNL.</a:t>
             </a:r>
           </a:p>
           <a:p>
@@ -698,15 +1120,7 @@
           <a:p>
             <a:r>
               <a:rPr lang="en-US" dirty="0"/>
-              <a:t>The task of POS tagging is primarily a </a:t>
-            </a:r>
-            <a:r>
-              <a:rPr lang="en-US" b="1" dirty="0"/>
-              <a:t>disambiguation task</a:t>
-            </a:r>
-            <a:r>
-              <a:rPr lang="en-US" dirty="0"/>
-              <a:t>. Many words in English and other languages can belong to multiple parts of speech depending on the context. For example, the word "book" can be a noun (as in "a book on the table") or a verb (as in "to book a ticket"). The goal of a POS tagger is to assign the correct tag to each word in the given context.</a:t>
+              <a:t>These techniques allow us to classify text, discover hidden patterns, and extract meaningful information from unstructured data, which is essential for creating a precise and unambiguous language model. Whether we're clustering similar text segments, identifying key entities, or summarizing long documents, data mining tools help us transform raw text into structured data that can be processed and interpreted consistently.</a:t>
             </a:r>
           </a:p>
           <a:p>
@@ -715,116 +1129,7 @@
           <a:p>
             <a:r>
               <a:rPr lang="en-US" dirty="0"/>
-              <a:t>Several algorithms are commonly used for POS tagging, including:</a:t>
-            </a:r>
-          </a:p>
-          <a:p>
-            <a:pPr>
-              <a:buFont typeface="Arial" panose="020B0604020202020204" pitchFamily="34" charset="0"/>
-              <a:buChar char="•"/>
-            </a:pPr>
-            <a:r>
-              <a:rPr lang="en-US" b="1" dirty="0"/>
-              <a:t>Hidden Markov Models (</a:t>
-            </a:r>
-            <a:r>
-              <a:rPr lang="en-US" b="1" dirty="0" err="1"/>
-              <a:t>HMMs</a:t>
-            </a:r>
-            <a:r>
-              <a:rPr lang="en-US" b="1" dirty="0"/>
-              <a:t>):</a:t>
-            </a:r>
-            <a:r>
-              <a:rPr lang="en-US" dirty="0"/>
-              <a:t> A probabilistic model that predicts the most likely sequence of tags based on the sequence of words.</a:t>
-            </a:r>
-          </a:p>
-          <a:p>
-            <a:pPr>
-              <a:buFont typeface="Arial" panose="020B0604020202020204" pitchFamily="34" charset="0"/>
-              <a:buChar char="•"/>
-            </a:pPr>
-            <a:r>
-              <a:rPr lang="en-US" b="1" dirty="0"/>
-              <a:t>Conditional Random Fields (</a:t>
-            </a:r>
-            <a:r>
-              <a:rPr lang="en-US" b="1" dirty="0" err="1"/>
-              <a:t>CRFs</a:t>
-            </a:r>
-            <a:r>
-              <a:rPr lang="en-US" b="1" dirty="0"/>
-              <a:t>):</a:t>
-            </a:r>
-            <a:r>
-              <a:rPr lang="en-US" dirty="0"/>
-              <a:t> A discriminative model that considers both the sequence of words and the relationships between the tags.</a:t>
-            </a:r>
-          </a:p>
-          <a:p>
-            <a:pPr>
-              <a:buFont typeface="Arial" panose="020B0604020202020204" pitchFamily="34" charset="0"/>
-              <a:buChar char="•"/>
-            </a:pPr>
-            <a:r>
-              <a:rPr lang="en-US" b="1" dirty="0"/>
-              <a:t>BERT (Bidirectional Encoder Representations from Transformers):</a:t>
-            </a:r>
-            <a:r>
-              <a:rPr lang="en-US" dirty="0"/>
-              <a:t> A deep learning model that uses context from both directions in a sentence to predict the part of speech.</a:t>
-            </a:r>
-          </a:p>
-          <a:p>
-            <a:endParaRPr lang="en-US"/>
-          </a:p>
-          <a:p>
-            <a:r>
-              <a:rPr lang="en-US"/>
-              <a:t>These </a:t>
-            </a:r>
-            <a:r>
-              <a:rPr lang="en-US" dirty="0"/>
-              <a:t>algorithms operate on various </a:t>
-            </a:r>
-            <a:r>
-              <a:rPr lang="en-US" b="1" dirty="0" err="1"/>
-              <a:t>tagsets</a:t>
-            </a:r>
-            <a:r>
-              <a:rPr lang="en-US" dirty="0"/>
-              <a:t> ranging from coarse-grained to fine-grained. The </a:t>
-            </a:r>
-            <a:r>
-              <a:rPr lang="en-US" dirty="0" err="1"/>
-              <a:t>tagset</a:t>
-            </a:r>
-            <a:r>
-              <a:rPr lang="en-US" dirty="0"/>
-              <a:t> shown here is based on the Universal Dependencies (UD) framework, which includes tags for major word classes such as adjectives, adverbs, nouns, and verbs, among others.</a:t>
-            </a:r>
-          </a:p>
-          <a:p>
-            <a:r>
-              <a:rPr lang="en-US" dirty="0"/>
-              <a:t>Accuracy in POS tagging is quite high, generally around </a:t>
-            </a:r>
-            <a:r>
-              <a:rPr lang="en-US" b="1" dirty="0"/>
-              <a:t>97%</a:t>
-            </a:r>
-            <a:r>
-              <a:rPr lang="en-US" dirty="0"/>
-              <a:t> regardless of the algorithm or </a:t>
-            </a:r>
-            <a:r>
-              <a:rPr lang="en-US" dirty="0" err="1"/>
-              <a:t>tagset</a:t>
-            </a:r>
-            <a:r>
-              <a:rPr lang="en-US" dirty="0"/>
-              <a:t> used. This level of accuracy is crucial for applications that require precise linguistic analysis, such as syntactic parsing, information extraction, and machine translation.</a:t>
+              <a:t>By applying these methods, we're not just improving the accuracy and efficiency of our NLP pipeline; we're also ensuring that the resulting CNL is tailored to the specific needs of cybersecurity, allowing for clearer and more reliable threat descriptions in the STIX-D framework.</a:t>
             </a:r>
           </a:p>
           <a:p>
@@ -858,7 +1163,7 @@
     </p:spTree>
     <p:extLst>
       <p:ext uri="{BB962C8B-B14F-4D97-AF65-F5344CB8AC3E}">
-        <p14:creationId xmlns:p14="http://schemas.microsoft.com/office/powerpoint/2010/main" val="1988968788"/>
+        <p14:creationId xmlns:p14="http://schemas.microsoft.com/office/powerpoint/2010/main" val="399882496"/>
       </p:ext>
     </p:extLst>
   </p:cSld>
@@ -912,6 +1217,163 @@
           <a:bodyPr/>
           <a:lstStyle/>
           <a:p>
+            <a:r>
+              <a:rPr lang="en-US" dirty="0"/>
+              <a:t>In this slide, we are focusing on </a:t>
+            </a:r>
+            <a:r>
+              <a:rPr lang="en-US" b="1" dirty="0"/>
+              <a:t>Text Classification</a:t>
+            </a:r>
+            <a:r>
+              <a:rPr lang="en-US" dirty="0"/>
+              <a:t>, particularly in the context of </a:t>
+            </a:r>
+            <a:r>
+              <a:rPr lang="en-US" b="1" dirty="0"/>
+              <a:t>Part-of-Speech (POS) tagging</a:t>
+            </a:r>
+            <a:r>
+              <a:rPr lang="en-US" dirty="0"/>
+              <a:t>. POS tagging is a fundamental task in Natural Language Processing (NLP) where each word in a sentence is assigned a part of speech, such as a noun, verb, adjective, etc. This process helps in understanding the grammatical structure of sentences, which is crucial for further linguistic analysis.</a:t>
+            </a:r>
+          </a:p>
+          <a:p>
+            <a:endParaRPr lang="en-US" dirty="0"/>
+          </a:p>
+          <a:p>
+            <a:r>
+              <a:rPr lang="en-US" dirty="0"/>
+              <a:t>The task of POS tagging is primarily a </a:t>
+            </a:r>
+            <a:r>
+              <a:rPr lang="en-US" b="1" dirty="0"/>
+              <a:t>disambiguation task</a:t>
+            </a:r>
+            <a:r>
+              <a:rPr lang="en-US" dirty="0"/>
+              <a:t>. Many words in English and other languages can belong to multiple parts of speech depending on the context. For example, the word "book" can be a noun (as in "a book on the table") or a verb (as in "to book a ticket"). The goal of a POS tagger is to assign the correct tag to each word in the given context.</a:t>
+            </a:r>
+          </a:p>
+          <a:p>
+            <a:endParaRPr lang="en-US" dirty="0"/>
+          </a:p>
+          <a:p>
+            <a:r>
+              <a:rPr lang="en-US" dirty="0"/>
+              <a:t>Several algorithms are commonly used for POS tagging, including:</a:t>
+            </a:r>
+          </a:p>
+          <a:p>
+            <a:pPr>
+              <a:buFont typeface="Arial" panose="020B0604020202020204" pitchFamily="34" charset="0"/>
+              <a:buChar char="•"/>
+            </a:pPr>
+            <a:r>
+              <a:rPr lang="en-US" b="1" dirty="0"/>
+              <a:t>Hidden Markov Models (</a:t>
+            </a:r>
+            <a:r>
+              <a:rPr lang="en-US" b="1" dirty="0" err="1"/>
+              <a:t>HMMs</a:t>
+            </a:r>
+            <a:r>
+              <a:rPr lang="en-US" b="1" dirty="0"/>
+              <a:t>):</a:t>
+            </a:r>
+            <a:r>
+              <a:rPr lang="en-US" dirty="0"/>
+              <a:t> A probabilistic model that predicts the most likely sequence of tags based on the sequence of words.</a:t>
+            </a:r>
+          </a:p>
+          <a:p>
+            <a:pPr>
+              <a:buFont typeface="Arial" panose="020B0604020202020204" pitchFamily="34" charset="0"/>
+              <a:buChar char="•"/>
+            </a:pPr>
+            <a:r>
+              <a:rPr lang="en-US" b="1" dirty="0"/>
+              <a:t>Conditional Random Fields (</a:t>
+            </a:r>
+            <a:r>
+              <a:rPr lang="en-US" b="1" dirty="0" err="1"/>
+              <a:t>CRFs</a:t>
+            </a:r>
+            <a:r>
+              <a:rPr lang="en-US" b="1" dirty="0"/>
+              <a:t>):</a:t>
+            </a:r>
+            <a:r>
+              <a:rPr lang="en-US" dirty="0"/>
+              <a:t> A discriminative model that considers both the sequence of words and the relationships between the tags.</a:t>
+            </a:r>
+          </a:p>
+          <a:p>
+            <a:pPr>
+              <a:buFont typeface="Arial" panose="020B0604020202020204" pitchFamily="34" charset="0"/>
+              <a:buChar char="•"/>
+            </a:pPr>
+            <a:r>
+              <a:rPr lang="en-US" b="1" dirty="0"/>
+              <a:t>BERT (Bidirectional Encoder Representations from Transformers):</a:t>
+            </a:r>
+            <a:r>
+              <a:rPr lang="en-US" dirty="0"/>
+              <a:t> A deep learning model that uses context from both directions in a sentence to predict the part of speech.</a:t>
+            </a:r>
+          </a:p>
+          <a:p>
+            <a:endParaRPr lang="en-US"/>
+          </a:p>
+          <a:p>
+            <a:r>
+              <a:rPr lang="en-US"/>
+              <a:t>These </a:t>
+            </a:r>
+            <a:r>
+              <a:rPr lang="en-US" dirty="0"/>
+              <a:t>algorithms operate on various </a:t>
+            </a:r>
+            <a:r>
+              <a:rPr lang="en-US" b="1" dirty="0" err="1"/>
+              <a:t>tagsets</a:t>
+            </a:r>
+            <a:r>
+              <a:rPr lang="en-US" dirty="0"/>
+              <a:t> ranging from coarse-grained to fine-grained. The </a:t>
+            </a:r>
+            <a:r>
+              <a:rPr lang="en-US" dirty="0" err="1"/>
+              <a:t>tagset</a:t>
+            </a:r>
+            <a:r>
+              <a:rPr lang="en-US" dirty="0"/>
+              <a:t> shown here is based on the Universal Dependencies (UD) framework, which includes tags for major word classes such as adjectives, adverbs, nouns, and verbs, among others.</a:t>
+            </a:r>
+          </a:p>
+          <a:p>
+            <a:r>
+              <a:rPr lang="en-US" dirty="0"/>
+              <a:t>Accuracy in POS tagging is quite high, generally around </a:t>
+            </a:r>
+            <a:r>
+              <a:rPr lang="en-US" b="1" dirty="0"/>
+              <a:t>97%</a:t>
+            </a:r>
+            <a:r>
+              <a:rPr lang="en-US" dirty="0"/>
+              <a:t> regardless of the algorithm or </a:t>
+            </a:r>
+            <a:r>
+              <a:rPr lang="en-US" dirty="0" err="1"/>
+              <a:t>tagset</a:t>
+            </a:r>
+            <a:r>
+              <a:rPr lang="en-US" dirty="0"/>
+              <a:t> used. This level of accuracy is crucial for applications that require precise linguistic analysis, such as syntactic parsing, information extraction, and machine translation.</a:t>
+            </a:r>
+          </a:p>
+          <a:p>
             <a:endParaRPr lang="en-US" dirty="0"/>
           </a:p>
         </p:txBody>
@@ -942,7 +1404,7 @@
     </p:spTree>
     <p:extLst>
       <p:ext uri="{BB962C8B-B14F-4D97-AF65-F5344CB8AC3E}">
-        <p14:creationId xmlns:p14="http://schemas.microsoft.com/office/powerpoint/2010/main" val="3418084428"/>
+        <p14:creationId xmlns:p14="http://schemas.microsoft.com/office/powerpoint/2010/main" val="1988968788"/>
       </p:ext>
     </p:extLst>
   </p:cSld>
@@ -1017,7 +1479,7 @@
           <a:p>
             <a:fld id="{D27B3C88-B723-4E6F-A988-B61BCF239A4C}" type="slidenum">
               <a:rPr lang="en-US" smtClean="0"/>
-              <a:t>14</a:t>
+              <a:t>13</a:t>
             </a:fld>
             <a:endParaRPr lang="en-US"/>
           </a:p>
@@ -1026,7 +1488,7 @@
     </p:spTree>
     <p:extLst>
       <p:ext uri="{BB962C8B-B14F-4D97-AF65-F5344CB8AC3E}">
-        <p14:creationId xmlns:p14="http://schemas.microsoft.com/office/powerpoint/2010/main" val="1194305384"/>
+        <p14:creationId xmlns:p14="http://schemas.microsoft.com/office/powerpoint/2010/main" val="3418084428"/>
       </p:ext>
     </p:extLst>
   </p:cSld>
@@ -1110,7 +1572,7 @@
     </p:spTree>
     <p:extLst>
       <p:ext uri="{BB962C8B-B14F-4D97-AF65-F5344CB8AC3E}">
-        <p14:creationId xmlns:p14="http://schemas.microsoft.com/office/powerpoint/2010/main" val="2185903763"/>
+        <p14:creationId xmlns:p14="http://schemas.microsoft.com/office/powerpoint/2010/main" val="1194305384"/>
       </p:ext>
     </p:extLst>
   </p:cSld>
@@ -1194,7 +1656,7 @@
     </p:spTree>
     <p:extLst>
       <p:ext uri="{BB962C8B-B14F-4D97-AF65-F5344CB8AC3E}">
-        <p14:creationId xmlns:p14="http://schemas.microsoft.com/office/powerpoint/2010/main" val="4022673699"/>
+        <p14:creationId xmlns:p14="http://schemas.microsoft.com/office/powerpoint/2010/main" val="2185903763"/>
       </p:ext>
     </p:extLst>
   </p:cSld>
@@ -1278,7 +1740,7 @@
     </p:spTree>
     <p:extLst>
       <p:ext uri="{BB962C8B-B14F-4D97-AF65-F5344CB8AC3E}">
-        <p14:creationId xmlns:p14="http://schemas.microsoft.com/office/powerpoint/2010/main" val="1103333988"/>
+        <p14:creationId xmlns:p14="http://schemas.microsoft.com/office/powerpoint/2010/main" val="4022673699"/>
       </p:ext>
     </p:extLst>
   </p:cSld>
@@ -1332,6 +1794,86 @@
           <a:bodyPr/>
           <a:lstStyle/>
           <a:p>
+            <a:r>
+              <a:rPr lang="en-US" dirty="0"/>
+              <a:t>In this slide, I'll walk you through the approach I took using Python to tag words in the example STIX-D project texts.</a:t>
+            </a:r>
+          </a:p>
+          <a:p>
+            <a:endParaRPr lang="en-US" dirty="0"/>
+          </a:p>
+          <a:p>
+            <a:r>
+              <a:rPr lang="en-US" dirty="0"/>
+              <a:t>I started by identifying the purpose: to tag each word in our texts as part of the first step in our NLP pipeline. </a:t>
+            </a:r>
+          </a:p>
+          <a:p>
+            <a:endParaRPr lang="en-US" dirty="0"/>
+          </a:p>
+          <a:p>
+            <a:r>
+              <a:rPr lang="en-US" dirty="0"/>
+              <a:t>For this, I leveraged the powerful third-party package `spacy`, specifically using the `</a:t>
+            </a:r>
+            <a:r>
+              <a:rPr lang="en-US" dirty="0" err="1"/>
+              <a:t>en_core_web_sm</a:t>
+            </a:r>
+            <a:r>
+              <a:rPr lang="en-US" dirty="0"/>
+              <a:t>` model. </a:t>
+            </a:r>
+          </a:p>
+          <a:p>
+            <a:r>
+              <a:rPr lang="en-US" dirty="0"/>
+              <a:t>This model allows me to efficiently assign part-of-speech tags to each word in a sentence, helping to categorize the words according to their grammatical roles.</a:t>
+            </a:r>
+          </a:p>
+          <a:p>
+            <a:endParaRPr lang="en-US" dirty="0"/>
+          </a:p>
+          <a:p>
+            <a:r>
+              <a:rPr lang="en-US" dirty="0"/>
+              <a:t>To the right, you can see the core part of the Python code. Here, it reads each text line by line, process it with the spacy model, and then generate the tagged sentence. </a:t>
+            </a:r>
+          </a:p>
+          <a:p>
+            <a:endParaRPr lang="en-US" dirty="0"/>
+          </a:p>
+          <a:p>
+            <a:r>
+              <a:rPr lang="en-US" dirty="0"/>
+              <a:t>The tagged sentence is printed in a format where each word is followed by its corresponding tag.</a:t>
+            </a:r>
+          </a:p>
+          <a:p>
+            <a:r>
+              <a:rPr lang="en-US" dirty="0"/>
+              <a:t>I then further output the POS tags, providing more detailed information for each word. </a:t>
+            </a:r>
+          </a:p>
+          <a:p>
+            <a:endParaRPr lang="en-US" dirty="0"/>
+          </a:p>
+          <a:p>
+            <a:r>
+              <a:rPr lang="en-US" dirty="0"/>
+              <a:t>This tagging process is critical, as it prepares the text for subsequent stages of our pipeline, like feature extraction and model training.</a:t>
+            </a:r>
+          </a:p>
+          <a:p>
+            <a:endParaRPr lang="en-US" dirty="0"/>
+          </a:p>
+          <a:p>
+            <a:r>
+              <a:rPr lang="en-US" dirty="0"/>
+              <a:t>For those interested, the full code is available on GitHub, and right after this slide, I'll show you an example of the input and output from this script.</a:t>
+            </a:r>
+          </a:p>
+          <a:p>
             <a:endParaRPr lang="en-US" dirty="0"/>
           </a:p>
         </p:txBody>
@@ -1353,7 +1895,7 @@
           <a:p>
             <a:fld id="{D27B3C88-B723-4E6F-A988-B61BCF239A4C}" type="slidenum">
               <a:rPr lang="en-US" smtClean="0"/>
-              <a:t>21</a:t>
+              <a:t>19</a:t>
             </a:fld>
             <a:endParaRPr lang="en-US"/>
           </a:p>
@@ -1362,7 +1904,7 @@
     </p:spTree>
     <p:extLst>
       <p:ext uri="{BB962C8B-B14F-4D97-AF65-F5344CB8AC3E}">
-        <p14:creationId xmlns:p14="http://schemas.microsoft.com/office/powerpoint/2010/main" val="2992214464"/>
+        <p14:creationId xmlns:p14="http://schemas.microsoft.com/office/powerpoint/2010/main" val="206290539"/>
       </p:ext>
     </p:extLst>
   </p:cSld>
@@ -1416,6 +1958,184 @@
           <a:bodyPr/>
           <a:lstStyle/>
           <a:p>
+            <a:r>
+              <a:rPr lang="en-US" b="1" dirty="0"/>
+              <a:t>1. Input (Raw Text):</a:t>
+            </a:r>
+            <a:r>
+              <a:rPr lang="en-US" dirty="0"/>
+              <a:t> The input text we are analyzing is </a:t>
+            </a:r>
+            <a:r>
+              <a:rPr lang="en-US" i="1" dirty="0"/>
+              <a:t>"A variant of the </a:t>
+            </a:r>
+            <a:r>
+              <a:rPr lang="en-US" i="1" dirty="0" err="1"/>
+              <a:t>cryptolocker</a:t>
+            </a:r>
+            <a:r>
+              <a:rPr lang="en-US" i="1" dirty="0"/>
+              <a:t> family."</a:t>
+            </a:r>
+            <a:r>
+              <a:rPr lang="en-US" dirty="0"/>
+              <a:t> This sentence represents a typical description in our dataset related to a threat actor's tool or malware.</a:t>
+            </a:r>
+          </a:p>
+          <a:p>
+            <a:endParaRPr lang="en-US" b="1" dirty="0"/>
+          </a:p>
+          <a:p>
+            <a:r>
+              <a:rPr lang="en-US" b="1" dirty="0"/>
+              <a:t>2. Tagged Text Output:</a:t>
+            </a:r>
+            <a:r>
+              <a:rPr lang="en-US" dirty="0"/>
+              <a:t> Next, we have the tagged text output, which adds part-of-speech (POS) tags to each word in the sentence. Here, for example:</a:t>
+            </a:r>
+          </a:p>
+          <a:p>
+            <a:pPr>
+              <a:buFont typeface="Arial" panose="020B0604020202020204" pitchFamily="34" charset="0"/>
+              <a:buChar char="•"/>
+            </a:pPr>
+            <a:r>
+              <a:rPr lang="en-US" dirty="0"/>
+              <a:t>"A" is tagged as </a:t>
+            </a:r>
+            <a:r>
+              <a:rPr lang="en-US" b="1" dirty="0"/>
+              <a:t>(DT)</a:t>
+            </a:r>
+            <a:r>
+              <a:rPr lang="en-US" dirty="0"/>
+              <a:t>, indicating a determiner.</a:t>
+            </a:r>
+          </a:p>
+          <a:p>
+            <a:pPr>
+              <a:buFont typeface="Arial" panose="020B0604020202020204" pitchFamily="34" charset="0"/>
+              <a:buChar char="•"/>
+            </a:pPr>
+            <a:r>
+              <a:rPr lang="en-US" dirty="0"/>
+              <a:t>"variant" is tagged as </a:t>
+            </a:r>
+            <a:r>
+              <a:rPr lang="en-US" b="1" dirty="0"/>
+              <a:t>(NN)</a:t>
+            </a:r>
+            <a:r>
+              <a:rPr lang="en-US" dirty="0"/>
+              <a:t>, indicating a noun.</a:t>
+            </a:r>
+          </a:p>
+          <a:p>
+            <a:pPr>
+              <a:buFont typeface="Arial" panose="020B0604020202020204" pitchFamily="34" charset="0"/>
+              <a:buChar char="•"/>
+            </a:pPr>
+            <a:r>
+              <a:rPr lang="en-US" dirty="0"/>
+              <a:t>"of" is tagged as </a:t>
+            </a:r>
+            <a:r>
+              <a:rPr lang="en-US" b="1" dirty="0"/>
+              <a:t>(IN)</a:t>
+            </a:r>
+            <a:r>
+              <a:rPr lang="en-US" dirty="0"/>
+              <a:t>, indicating a preposition, and so on.</a:t>
+            </a:r>
+          </a:p>
+          <a:p>
+            <a:r>
+              <a:rPr lang="en-US" dirty="0"/>
+              <a:t>This tagging provides a way to understand the grammatical structure of the sentence, which is essential for further analysis in our pipeline.</a:t>
+            </a:r>
+          </a:p>
+          <a:p>
+            <a:endParaRPr lang="en-US" b="1" dirty="0"/>
+          </a:p>
+          <a:p>
+            <a:r>
+              <a:rPr lang="en-US" b="1" dirty="0"/>
+              <a:t>3. POS Tags and Dependency Tags:</a:t>
+            </a:r>
+            <a:r>
+              <a:rPr lang="en-US" dirty="0"/>
+              <a:t> We then delve deeper by analyzing each word's POS and dependency tags:</a:t>
+            </a:r>
+          </a:p>
+          <a:p>
+            <a:pPr>
+              <a:buFont typeface="Arial" panose="020B0604020202020204" pitchFamily="34" charset="0"/>
+              <a:buChar char="•"/>
+            </a:pPr>
+            <a:r>
+              <a:rPr lang="en-US" dirty="0"/>
+              <a:t>POS tag (</a:t>
+            </a:r>
+            <a:r>
+              <a:rPr lang="en-US" b="1" dirty="0" err="1"/>
+              <a:t>token.pos</a:t>
+            </a:r>
+            <a:r>
+              <a:rPr lang="en-US" b="1" dirty="0"/>
+              <a:t>_</a:t>
+            </a:r>
+            <a:r>
+              <a:rPr lang="en-US" dirty="0"/>
+              <a:t>): This gives us the part of speech for each word, such as "DET" for determiner or "NOUN" for noun.</a:t>
+            </a:r>
+          </a:p>
+          <a:p>
+            <a:pPr>
+              <a:buFont typeface="Arial" panose="020B0604020202020204" pitchFamily="34" charset="0"/>
+              <a:buChar char="•"/>
+            </a:pPr>
+            <a:r>
+              <a:rPr lang="en-US" dirty="0"/>
+              <a:t>Dependency tag (</a:t>
+            </a:r>
+            <a:r>
+              <a:rPr lang="en-US" b="1" dirty="0" err="1"/>
+              <a:t>token.dep</a:t>
+            </a:r>
+            <a:r>
+              <a:rPr lang="en-US" b="1" dirty="0"/>
+              <a:t>_</a:t>
+            </a:r>
+            <a:r>
+              <a:rPr lang="en-US" dirty="0"/>
+              <a:t>): This tells us the syntactic relationship of a word within the sentence. For instance, "variant" is the </a:t>
+            </a:r>
+            <a:r>
+              <a:rPr lang="en-US" b="1" dirty="0"/>
+              <a:t>ROOT</a:t>
+            </a:r>
+            <a:r>
+              <a:rPr lang="en-US" dirty="0"/>
+              <a:t> of the sentence, meaning it's the main word that other words depend on, and "family" is labeled as </a:t>
+            </a:r>
+            <a:r>
+              <a:rPr lang="en-US" b="1" dirty="0"/>
+              <a:t>pobj</a:t>
+            </a:r>
+            <a:r>
+              <a:rPr lang="en-US" dirty="0"/>
+              <a:t>, indicating that it is the object of a preposition.</a:t>
+            </a:r>
+          </a:p>
+          <a:p>
+            <a:r>
+              <a:rPr lang="en-US" dirty="0"/>
+              <a:t>Understanding these tags allows us to build structured data from raw text, which is crucial for accurate information extraction and downstream tasks in the STIX-D project.</a:t>
+            </a:r>
+          </a:p>
+          <a:p>
             <a:endParaRPr lang="en-US" dirty="0"/>
           </a:p>
         </p:txBody>
@@ -1437,7 +2157,7 @@
           <a:p>
             <a:fld id="{D27B3C88-B723-4E6F-A988-B61BCF239A4C}" type="slidenum">
               <a:rPr lang="en-US" smtClean="0"/>
-              <a:t>22</a:t>
+              <a:t>20</a:t>
             </a:fld>
             <a:endParaRPr lang="en-US"/>
           </a:p>
@@ -1446,7 +2166,7 @@
     </p:spTree>
     <p:extLst>
       <p:ext uri="{BB962C8B-B14F-4D97-AF65-F5344CB8AC3E}">
-        <p14:creationId xmlns:p14="http://schemas.microsoft.com/office/powerpoint/2010/main" val="3103157497"/>
+        <p14:creationId xmlns:p14="http://schemas.microsoft.com/office/powerpoint/2010/main" val="4086370014"/>
       </p:ext>
     </p:extLst>
   </p:cSld>
@@ -1500,6 +2220,39 @@
           <a:bodyPr/>
           <a:lstStyle/>
           <a:p>
+            <a:r>
+              <a:rPr lang="en-US" dirty="0"/>
+              <a:t>This example demonstrates how the noun phrase "The Evil Org threat actor group" is processed using the tagging model. </a:t>
+            </a:r>
+          </a:p>
+          <a:p>
+            <a:endParaRPr lang="en-US" dirty="0"/>
+          </a:p>
+          <a:p>
+            <a:r>
+              <a:rPr lang="en-US" dirty="0"/>
+              <a:t>Notice how the root of the sentence is the word "group," which is the main noun. However, before reaching this root, we encounter a series of descriptive elements, each adding specific details about the "group."</a:t>
+            </a:r>
+          </a:p>
+          <a:p>
+            <a:endParaRPr lang="en-US" dirty="0"/>
+          </a:p>
+          <a:p>
+            <a:r>
+              <a:rPr lang="en-US" dirty="0"/>
+              <a:t>The sequence starts with "The" as a determiner, followed by "Evil," which is an adjective, providing a characteristic to "Org." "Org" is tagged as a proper noun, further compounded with "threat," "actor," and finally the main noun "group." This string of compounded adjectives and nouns builds a precise description, which is essential for unambiguous interpretation in controlled natural languages like STIX-D.</a:t>
+            </a:r>
+          </a:p>
+          <a:p>
+            <a:endParaRPr lang="en-US" dirty="0"/>
+          </a:p>
+          <a:p>
+            <a:r>
+              <a:rPr lang="en-US" dirty="0"/>
+              <a:t>Each of these words contributes to a compound structure that modifies and specifies the root "group," showing how complex and descriptive labels can be formed in a controlled language context.</a:t>
+            </a:r>
+          </a:p>
+          <a:p>
             <a:endParaRPr lang="en-US" dirty="0"/>
           </a:p>
         </p:txBody>
@@ -1521,7 +2274,7 @@
           <a:p>
             <a:fld id="{D27B3C88-B723-4E6F-A988-B61BCF239A4C}" type="slidenum">
               <a:rPr lang="en-US" smtClean="0"/>
-              <a:t>23</a:t>
+              <a:t>21</a:t>
             </a:fld>
             <a:endParaRPr lang="en-US"/>
           </a:p>
@@ -1530,7 +2283,7 @@
     </p:spTree>
     <p:extLst>
       <p:ext uri="{BB962C8B-B14F-4D97-AF65-F5344CB8AC3E}">
-        <p14:creationId xmlns:p14="http://schemas.microsoft.com/office/powerpoint/2010/main" val="1263950271"/>
+        <p14:creationId xmlns:p14="http://schemas.microsoft.com/office/powerpoint/2010/main" val="2648560449"/>
       </p:ext>
     </p:extLst>
   </p:cSld>
@@ -1584,6 +2337,229 @@
           <a:bodyPr/>
           <a:lstStyle/>
           <a:p>
+            <a:r>
+              <a:rPr lang="en-US" dirty="0"/>
+              <a:t>Let's analyze </a:t>
+            </a:r>
+            <a:r>
+              <a:rPr lang="en-US" b="1" dirty="0"/>
+              <a:t>STIX Description Example 3</a:t>
+            </a:r>
+            <a:r>
+              <a:rPr lang="en-US" dirty="0"/>
+              <a:t> in this slide. The raw text provided is "This file is part of Poison Ivy." Let's break down the output into the two types of tagged information: </a:t>
+            </a:r>
+            <a:r>
+              <a:rPr lang="en-US" b="1" dirty="0"/>
+              <a:t>POS tags</a:t>
+            </a:r>
+            <a:r>
+              <a:rPr lang="en-US" dirty="0"/>
+              <a:t> (Part-of-Speech) and </a:t>
+            </a:r>
+            <a:r>
+              <a:rPr lang="en-US" b="1" dirty="0"/>
+              <a:t>Dependency Relations</a:t>
+            </a:r>
+            <a:r>
+              <a:rPr lang="en-US" dirty="0"/>
+              <a:t>.</a:t>
+            </a:r>
+          </a:p>
+          <a:p>
+            <a:endParaRPr lang="en-US" b="1" dirty="0"/>
+          </a:p>
+          <a:p>
+            <a:r>
+              <a:rPr lang="en-US" b="1" dirty="0"/>
+              <a:t>Tagged Text 3</a:t>
+            </a:r>
+          </a:p>
+          <a:p>
+            <a:pPr>
+              <a:buFont typeface="Arial" panose="020B0604020202020204" pitchFamily="34" charset="0"/>
+              <a:buChar char="•"/>
+            </a:pPr>
+            <a:r>
+              <a:rPr lang="en-US" dirty="0"/>
+              <a:t>The POS tags in this output give us an understanding of the grammatical role of each word in the sentence. For instance, "This" is tagged as a </a:t>
+            </a:r>
+            <a:r>
+              <a:rPr lang="en-US" b="1" dirty="0"/>
+              <a:t>determiner</a:t>
+            </a:r>
+            <a:r>
+              <a:rPr lang="en-US" dirty="0"/>
+              <a:t> (DET), "file" as a </a:t>
+            </a:r>
+            <a:r>
+              <a:rPr lang="en-US" b="1" dirty="0"/>
+              <a:t>noun</a:t>
+            </a:r>
+            <a:r>
+              <a:rPr lang="en-US" dirty="0"/>
+              <a:t> (NN), and so forth.</a:t>
+            </a:r>
+          </a:p>
+          <a:p>
+            <a:pPr>
+              <a:buFont typeface="Arial" panose="020B0604020202020204" pitchFamily="34" charset="0"/>
+              <a:buChar char="•"/>
+            </a:pPr>
+            <a:r>
+              <a:rPr lang="en-US" dirty="0"/>
+              <a:t>The </a:t>
+            </a:r>
+            <a:r>
+              <a:rPr lang="en-US" b="1" dirty="0"/>
+              <a:t>Dependency Relations</a:t>
+            </a:r>
+            <a:r>
+              <a:rPr lang="en-US" dirty="0"/>
+              <a:t> (like </a:t>
+            </a:r>
+            <a:r>
+              <a:rPr lang="en-US" dirty="0" err="1"/>
+              <a:t>nsubj</a:t>
+            </a:r>
+            <a:r>
+              <a:rPr lang="en-US" dirty="0"/>
+              <a:t>, ROOT, </a:t>
+            </a:r>
+            <a:r>
+              <a:rPr lang="en-US" dirty="0" err="1"/>
+              <a:t>attr</a:t>
+            </a:r>
+            <a:r>
+              <a:rPr lang="en-US" dirty="0"/>
+              <a:t>, etc.) provide insight into how these words relate to each other in terms of sentence structure. Here, "file" is the </a:t>
+            </a:r>
+            <a:r>
+              <a:rPr lang="en-US" b="1" dirty="0"/>
+              <a:t>nominal subject</a:t>
+            </a:r>
+            <a:r>
+              <a:rPr lang="en-US" dirty="0"/>
+              <a:t> (</a:t>
+            </a:r>
+            <a:r>
+              <a:rPr lang="en-US" dirty="0" err="1"/>
+              <a:t>nsubj</a:t>
+            </a:r>
+            <a:r>
+              <a:rPr lang="en-US" dirty="0"/>
+              <a:t>) of the sentence, meaning it's the subject of the verb "is," which is the </a:t>
+            </a:r>
+            <a:r>
+              <a:rPr lang="en-US" b="1" dirty="0"/>
+              <a:t>root</a:t>
+            </a:r>
+            <a:r>
+              <a:rPr lang="en-US" dirty="0"/>
+              <a:t> of the sentence. "Poison Ivy" is recognized as a </a:t>
+            </a:r>
+            <a:r>
+              <a:rPr lang="en-US" b="1" dirty="0"/>
+              <a:t>compound proper noun</a:t>
+            </a:r>
+            <a:r>
+              <a:rPr lang="en-US" dirty="0"/>
+              <a:t>.</a:t>
+            </a:r>
+          </a:p>
+          <a:p>
+            <a:endParaRPr lang="en-US" b="1" dirty="0"/>
+          </a:p>
+          <a:p>
+            <a:r>
+              <a:rPr lang="en-US" b="1" dirty="0"/>
+              <a:t>Key Points:</a:t>
+            </a:r>
+          </a:p>
+          <a:p>
+            <a:pPr>
+              <a:buFont typeface="Arial" panose="020B0604020202020204" pitchFamily="34" charset="0"/>
+              <a:buChar char="•"/>
+            </a:pPr>
+            <a:r>
+              <a:rPr lang="en-US" b="1" dirty="0"/>
+              <a:t>Root Identification</a:t>
+            </a:r>
+            <a:r>
+              <a:rPr lang="en-US" dirty="0"/>
+              <a:t>: The word "is" functions as the main verb, or </a:t>
+            </a:r>
+            <a:r>
+              <a:rPr lang="en-US" b="1" dirty="0"/>
+              <a:t>root</a:t>
+            </a:r>
+            <a:r>
+              <a:rPr lang="en-US" dirty="0"/>
+              <a:t> of the sentence, around which the entire sentence is structured.</a:t>
+            </a:r>
+          </a:p>
+          <a:p>
+            <a:pPr>
+              <a:buFont typeface="Arial" panose="020B0604020202020204" pitchFamily="34" charset="0"/>
+              <a:buChar char="•"/>
+            </a:pPr>
+            <a:r>
+              <a:rPr lang="en-US" b="1" dirty="0"/>
+              <a:t>Compound Proper Nouns</a:t>
+            </a:r>
+            <a:r>
+              <a:rPr lang="en-US" dirty="0"/>
+              <a:t>: "Poison Ivy" is a proper noun phrase, with "Poison" serving as a compound modifier to "Ivy."</a:t>
+            </a:r>
+          </a:p>
+          <a:p>
+            <a:pPr>
+              <a:buFont typeface="Arial" panose="020B0604020202020204" pitchFamily="34" charset="0"/>
+              <a:buChar char="•"/>
+            </a:pPr>
+            <a:r>
+              <a:rPr lang="en-US" b="1" dirty="0"/>
+              <a:t>Nominal Subject</a:t>
+            </a:r>
+            <a:r>
+              <a:rPr lang="en-US" dirty="0"/>
+              <a:t>: The word "file" serves as the nominal subject, which is critical to understanding the sentence's meaning—it's the file that is part of Poison Ivy.</a:t>
+            </a:r>
+          </a:p>
+          <a:p>
+            <a:endParaRPr lang="en-US" dirty="0"/>
+          </a:p>
+          <a:p>
+            <a:r>
+              <a:rPr lang="en-US" dirty="0"/>
+              <a:t>This slide shows how </a:t>
+            </a:r>
+            <a:r>
+              <a:rPr lang="en-US" b="1" dirty="0"/>
+              <a:t>POS tags</a:t>
+            </a:r>
+            <a:r>
+              <a:rPr lang="en-US" dirty="0"/>
+              <a:t> and </a:t>
+            </a:r>
+            <a:r>
+              <a:rPr lang="en-US" b="1" dirty="0"/>
+              <a:t>Dependency Relations</a:t>
+            </a:r>
+            <a:r>
+              <a:rPr lang="en-US" dirty="0"/>
+              <a:t> together help in understanding the structure and meaning of the sentence, which is essential for tasks such as </a:t>
+            </a:r>
+            <a:r>
+              <a:rPr lang="en-US" b="1" dirty="0"/>
+              <a:t>text classification</a:t>
+            </a:r>
+            <a:r>
+              <a:rPr lang="en-US" dirty="0"/>
+              <a:t> in NLP.</a:t>
+            </a:r>
+          </a:p>
+          <a:p>
             <a:endParaRPr lang="en-US" dirty="0"/>
           </a:p>
         </p:txBody>
@@ -1605,7 +2581,7 @@
           <a:p>
             <a:fld id="{D27B3C88-B723-4E6F-A988-B61BCF239A4C}" type="slidenum">
               <a:rPr lang="en-US" smtClean="0"/>
-              <a:t>24</a:t>
+              <a:t>22</a:t>
             </a:fld>
             <a:endParaRPr lang="en-US"/>
           </a:p>
@@ -1614,7 +2590,7 @@
     </p:spTree>
     <p:extLst>
       <p:ext uri="{BB962C8B-B14F-4D97-AF65-F5344CB8AC3E}">
-        <p14:creationId xmlns:p14="http://schemas.microsoft.com/office/powerpoint/2010/main" val="1945603931"/>
+        <p14:creationId xmlns:p14="http://schemas.microsoft.com/office/powerpoint/2010/main" val="390555585"/>
       </p:ext>
     </p:extLst>
   </p:cSld>
@@ -1717,6 +2693,555 @@
     <p:extLst>
       <p:ext uri="{BB962C8B-B14F-4D97-AF65-F5344CB8AC3E}">
         <p14:creationId xmlns:p14="http://schemas.microsoft.com/office/powerpoint/2010/main" val="4203904989"/>
+      </p:ext>
+    </p:extLst>
+  </p:cSld>
+  <p:clrMapOvr>
+    <a:masterClrMapping/>
+  </p:clrMapOvr>
+</p:notes>
+</file>
+
+<file path=ppt/notesSlides/notesSlide20.xml><?xml version="1.0" encoding="utf-8"?>
+<p:notes xmlns:a="http://schemas.openxmlformats.org/drawingml/2006/main" xmlns:r="http://schemas.openxmlformats.org/officeDocument/2006/relationships" xmlns:p="http://schemas.openxmlformats.org/presentationml/2006/main">
+  <p:cSld>
+    <p:spTree>
+      <p:nvGrpSpPr>
+        <p:cNvPr id="1" name=""/>
+        <p:cNvGrpSpPr/>
+        <p:nvPr/>
+      </p:nvGrpSpPr>
+      <p:grpSpPr>
+        <a:xfrm>
+          <a:off x="0" y="0"/>
+          <a:ext cx="0" cy="0"/>
+          <a:chOff x="0" y="0"/>
+          <a:chExt cx="0" cy="0"/>
+        </a:xfrm>
+      </p:grpSpPr>
+      <p:sp>
+        <p:nvSpPr>
+          <p:cNvPr id="2" name="Slide Image Placeholder 1"/>
+          <p:cNvSpPr>
+            <a:spLocks noGrp="1" noRot="1" noChangeAspect="1"/>
+          </p:cNvSpPr>
+          <p:nvPr>
+            <p:ph type="sldImg"/>
+          </p:nvPr>
+        </p:nvSpPr>
+        <p:spPr/>
+      </p:sp>
+      <p:sp>
+        <p:nvSpPr>
+          <p:cNvPr id="3" name="Notes Placeholder 2"/>
+          <p:cNvSpPr>
+            <a:spLocks noGrp="1"/>
+          </p:cNvSpPr>
+          <p:nvPr>
+            <p:ph type="body" idx="1"/>
+          </p:nvPr>
+        </p:nvSpPr>
+        <p:spPr/>
+        <p:txBody>
+          <a:bodyPr/>
+          <a:lstStyle/>
+          <a:p>
+            <a:r>
+              <a:rPr lang="en-US" dirty="0"/>
+              <a:t>This slide illustrates an example of a complex sentence from a STIX description. Here, the tagging process identifies and classifies various parts of speech in a detailed sentence about a phishing attack. This complexity is typical in threat descriptions, and effective tagging ensures accurate interpretation and analysis for cybersecurity applications.</a:t>
+            </a:r>
+          </a:p>
+        </p:txBody>
+      </p:sp>
+      <p:sp>
+        <p:nvSpPr>
+          <p:cNvPr id="4" name="Slide Number Placeholder 3"/>
+          <p:cNvSpPr>
+            <a:spLocks noGrp="1"/>
+          </p:cNvSpPr>
+          <p:nvPr>
+            <p:ph type="sldNum" sz="quarter" idx="5"/>
+          </p:nvPr>
+        </p:nvSpPr>
+        <p:spPr/>
+        <p:txBody>
+          <a:bodyPr/>
+          <a:lstStyle/>
+          <a:p>
+            <a:fld id="{D27B3C88-B723-4E6F-A988-B61BCF239A4C}" type="slidenum">
+              <a:rPr lang="en-US" smtClean="0"/>
+              <a:t>23</a:t>
+            </a:fld>
+            <a:endParaRPr lang="en-US"/>
+          </a:p>
+        </p:txBody>
+      </p:sp>
+    </p:spTree>
+    <p:extLst>
+      <p:ext uri="{BB962C8B-B14F-4D97-AF65-F5344CB8AC3E}">
+        <p14:creationId xmlns:p14="http://schemas.microsoft.com/office/powerpoint/2010/main" val="3343907251"/>
+      </p:ext>
+    </p:extLst>
+  </p:cSld>
+  <p:clrMapOvr>
+    <a:masterClrMapping/>
+  </p:clrMapOvr>
+</p:notes>
+</file>
+
+<file path=ppt/notesSlides/notesSlide21.xml><?xml version="1.0" encoding="utf-8"?>
+<p:notes xmlns:a="http://schemas.openxmlformats.org/drawingml/2006/main" xmlns:r="http://schemas.openxmlformats.org/officeDocument/2006/relationships" xmlns:p="http://schemas.openxmlformats.org/presentationml/2006/main">
+  <p:cSld>
+    <p:spTree>
+      <p:nvGrpSpPr>
+        <p:cNvPr id="1" name=""/>
+        <p:cNvGrpSpPr/>
+        <p:nvPr/>
+      </p:nvGrpSpPr>
+      <p:grpSpPr>
+        <a:xfrm>
+          <a:off x="0" y="0"/>
+          <a:ext cx="0" cy="0"/>
+          <a:chOff x="0" y="0"/>
+          <a:chExt cx="0" cy="0"/>
+        </a:xfrm>
+      </p:grpSpPr>
+      <p:sp>
+        <p:nvSpPr>
+          <p:cNvPr id="2" name="Slide Image Placeholder 1"/>
+          <p:cNvSpPr>
+            <a:spLocks noGrp="1" noRot="1" noChangeAspect="1"/>
+          </p:cNvSpPr>
+          <p:nvPr>
+            <p:ph type="sldImg"/>
+          </p:nvPr>
+        </p:nvSpPr>
+        <p:spPr/>
+      </p:sp>
+      <p:sp>
+        <p:nvSpPr>
+          <p:cNvPr id="3" name="Notes Placeholder 2"/>
+          <p:cNvSpPr>
+            <a:spLocks noGrp="1"/>
+          </p:cNvSpPr>
+          <p:nvPr>
+            <p:ph type="body" idx="1"/>
+          </p:nvPr>
+        </p:nvSpPr>
+        <p:spPr/>
+        <p:txBody>
+          <a:bodyPr/>
+          <a:lstStyle/>
+          <a:p>
+            <a:r>
+              <a:rPr lang="en-US" dirty="0"/>
+              <a:t>This example showcases a more complex STIX description that involves multiple actions and entities. </a:t>
+            </a:r>
+          </a:p>
+          <a:p>
+            <a:endParaRPr lang="en-US" dirty="0"/>
+          </a:p>
+          <a:p>
+            <a:r>
+              <a:rPr lang="en-US" dirty="0"/>
+              <a:t>The sentence structure includes various verbs like 'feature,' 'released,' and 'scaring,' along with their associated noun phrases, adverbs, and adjectives. </a:t>
+            </a:r>
+          </a:p>
+          <a:p>
+            <a:endParaRPr lang="en-US" dirty="0"/>
+          </a:p>
+          <a:p>
+            <a:r>
+              <a:rPr lang="en-US" dirty="0"/>
+              <a:t>Each word is tagged with its corresponding part-of-speech and dependency label, indicating its function in the sentence. For instance, 'Incidents' is a plural noun (NNS) that serves as the subject of the sentence, and 'usually' is an adverb (RB) modifying the verb 'feature.’</a:t>
+            </a:r>
+          </a:p>
+          <a:p>
+            <a:endParaRPr lang="en-US" dirty="0"/>
+          </a:p>
+          <a:p>
+            <a:r>
+              <a:rPr lang="en-US" dirty="0"/>
+              <a:t>This text is particularly useful for demonstrating how complex cybersecurity scenarios are described in STIX-D. </a:t>
+            </a:r>
+          </a:p>
+          <a:p>
+            <a:endParaRPr lang="en-US" dirty="0"/>
+          </a:p>
+          <a:p>
+            <a:r>
+              <a:rPr lang="en-US" dirty="0"/>
+              <a:t>Note that the full tagged output is available at the link provided below.</a:t>
+            </a:r>
+          </a:p>
+          <a:p>
+            <a:endParaRPr lang="en-US" dirty="0"/>
+          </a:p>
+        </p:txBody>
+      </p:sp>
+      <p:sp>
+        <p:nvSpPr>
+          <p:cNvPr id="4" name="Slide Number Placeholder 3"/>
+          <p:cNvSpPr>
+            <a:spLocks noGrp="1"/>
+          </p:cNvSpPr>
+          <p:nvPr>
+            <p:ph type="sldNum" sz="quarter" idx="5"/>
+          </p:nvPr>
+        </p:nvSpPr>
+        <p:spPr/>
+        <p:txBody>
+          <a:bodyPr/>
+          <a:lstStyle/>
+          <a:p>
+            <a:fld id="{D27B3C88-B723-4E6F-A988-B61BCF239A4C}" type="slidenum">
+              <a:rPr lang="en-US" smtClean="0"/>
+              <a:t>24</a:t>
+            </a:fld>
+            <a:endParaRPr lang="en-US"/>
+          </a:p>
+        </p:txBody>
+      </p:sp>
+    </p:spTree>
+    <p:extLst>
+      <p:ext uri="{BB962C8B-B14F-4D97-AF65-F5344CB8AC3E}">
+        <p14:creationId xmlns:p14="http://schemas.microsoft.com/office/powerpoint/2010/main" val="1097906431"/>
+      </p:ext>
+    </p:extLst>
+  </p:cSld>
+  <p:clrMapOvr>
+    <a:masterClrMapping/>
+  </p:clrMapOvr>
+</p:notes>
+</file>
+
+<file path=ppt/notesSlides/notesSlide22.xml><?xml version="1.0" encoding="utf-8"?>
+<p:notes xmlns:a="http://schemas.openxmlformats.org/drawingml/2006/main" xmlns:r="http://schemas.openxmlformats.org/officeDocument/2006/relationships" xmlns:p="http://schemas.openxmlformats.org/presentationml/2006/main">
+  <p:cSld>
+    <p:spTree>
+      <p:nvGrpSpPr>
+        <p:cNvPr id="1" name=""/>
+        <p:cNvGrpSpPr/>
+        <p:nvPr/>
+      </p:nvGrpSpPr>
+      <p:grpSpPr>
+        <a:xfrm>
+          <a:off x="0" y="0"/>
+          <a:ext cx="0" cy="0"/>
+          <a:chOff x="0" y="0"/>
+          <a:chExt cx="0" cy="0"/>
+        </a:xfrm>
+      </p:grpSpPr>
+      <p:sp>
+        <p:nvSpPr>
+          <p:cNvPr id="2" name="Slide Image Placeholder 1"/>
+          <p:cNvSpPr>
+            <a:spLocks noGrp="1" noRot="1" noChangeAspect="1"/>
+          </p:cNvSpPr>
+          <p:nvPr>
+            <p:ph type="sldImg"/>
+          </p:nvPr>
+        </p:nvSpPr>
+        <p:spPr/>
+      </p:sp>
+      <p:sp>
+        <p:nvSpPr>
+          <p:cNvPr id="3" name="Notes Placeholder 2"/>
+          <p:cNvSpPr>
+            <a:spLocks noGrp="1"/>
+          </p:cNvSpPr>
+          <p:nvPr>
+            <p:ph type="body" idx="1"/>
+          </p:nvPr>
+        </p:nvSpPr>
+        <p:spPr/>
+        <p:txBody>
+          <a:bodyPr/>
+          <a:lstStyle/>
+          <a:p>
+            <a:endParaRPr lang="en-US" dirty="0"/>
+          </a:p>
+        </p:txBody>
+      </p:sp>
+      <p:sp>
+        <p:nvSpPr>
+          <p:cNvPr id="4" name="Slide Number Placeholder 3"/>
+          <p:cNvSpPr>
+            <a:spLocks noGrp="1"/>
+          </p:cNvSpPr>
+          <p:nvPr>
+            <p:ph type="sldNum" sz="quarter" idx="5"/>
+          </p:nvPr>
+        </p:nvSpPr>
+        <p:spPr/>
+        <p:txBody>
+          <a:bodyPr/>
+          <a:lstStyle/>
+          <a:p>
+            <a:fld id="{D27B3C88-B723-4E6F-A988-B61BCF239A4C}" type="slidenum">
+              <a:rPr lang="en-US" smtClean="0"/>
+              <a:t>27</a:t>
+            </a:fld>
+            <a:endParaRPr lang="en-US"/>
+          </a:p>
+        </p:txBody>
+      </p:sp>
+    </p:spTree>
+    <p:extLst>
+      <p:ext uri="{BB962C8B-B14F-4D97-AF65-F5344CB8AC3E}">
+        <p14:creationId xmlns:p14="http://schemas.microsoft.com/office/powerpoint/2010/main" val="2992214464"/>
+      </p:ext>
+    </p:extLst>
+  </p:cSld>
+  <p:clrMapOvr>
+    <a:masterClrMapping/>
+  </p:clrMapOvr>
+</p:notes>
+</file>
+
+<file path=ppt/notesSlides/notesSlide23.xml><?xml version="1.0" encoding="utf-8"?>
+<p:notes xmlns:a="http://schemas.openxmlformats.org/drawingml/2006/main" xmlns:r="http://schemas.openxmlformats.org/officeDocument/2006/relationships" xmlns:p="http://schemas.openxmlformats.org/presentationml/2006/main">
+  <p:cSld>
+    <p:spTree>
+      <p:nvGrpSpPr>
+        <p:cNvPr id="1" name=""/>
+        <p:cNvGrpSpPr/>
+        <p:nvPr/>
+      </p:nvGrpSpPr>
+      <p:grpSpPr>
+        <a:xfrm>
+          <a:off x="0" y="0"/>
+          <a:ext cx="0" cy="0"/>
+          <a:chOff x="0" y="0"/>
+          <a:chExt cx="0" cy="0"/>
+        </a:xfrm>
+      </p:grpSpPr>
+      <p:sp>
+        <p:nvSpPr>
+          <p:cNvPr id="2" name="Slide Image Placeholder 1"/>
+          <p:cNvSpPr>
+            <a:spLocks noGrp="1" noRot="1" noChangeAspect="1"/>
+          </p:cNvSpPr>
+          <p:nvPr>
+            <p:ph type="sldImg"/>
+          </p:nvPr>
+        </p:nvSpPr>
+        <p:spPr/>
+      </p:sp>
+      <p:sp>
+        <p:nvSpPr>
+          <p:cNvPr id="3" name="Notes Placeholder 2"/>
+          <p:cNvSpPr>
+            <a:spLocks noGrp="1"/>
+          </p:cNvSpPr>
+          <p:nvPr>
+            <p:ph type="body" idx="1"/>
+          </p:nvPr>
+        </p:nvSpPr>
+        <p:spPr/>
+        <p:txBody>
+          <a:bodyPr/>
+          <a:lstStyle/>
+          <a:p>
+            <a:endParaRPr lang="en-US" dirty="0"/>
+          </a:p>
+        </p:txBody>
+      </p:sp>
+      <p:sp>
+        <p:nvSpPr>
+          <p:cNvPr id="4" name="Slide Number Placeholder 3"/>
+          <p:cNvSpPr>
+            <a:spLocks noGrp="1"/>
+          </p:cNvSpPr>
+          <p:nvPr>
+            <p:ph type="sldNum" sz="quarter" idx="5"/>
+          </p:nvPr>
+        </p:nvSpPr>
+        <p:spPr/>
+        <p:txBody>
+          <a:bodyPr/>
+          <a:lstStyle/>
+          <a:p>
+            <a:fld id="{D27B3C88-B723-4E6F-A988-B61BCF239A4C}" type="slidenum">
+              <a:rPr lang="en-US" smtClean="0"/>
+              <a:t>28</a:t>
+            </a:fld>
+            <a:endParaRPr lang="en-US"/>
+          </a:p>
+        </p:txBody>
+      </p:sp>
+    </p:spTree>
+    <p:extLst>
+      <p:ext uri="{BB962C8B-B14F-4D97-AF65-F5344CB8AC3E}">
+        <p14:creationId xmlns:p14="http://schemas.microsoft.com/office/powerpoint/2010/main" val="3103157497"/>
+      </p:ext>
+    </p:extLst>
+  </p:cSld>
+  <p:clrMapOvr>
+    <a:masterClrMapping/>
+  </p:clrMapOvr>
+</p:notes>
+</file>
+
+<file path=ppt/notesSlides/notesSlide24.xml><?xml version="1.0" encoding="utf-8"?>
+<p:notes xmlns:a="http://schemas.openxmlformats.org/drawingml/2006/main" xmlns:r="http://schemas.openxmlformats.org/officeDocument/2006/relationships" xmlns:p="http://schemas.openxmlformats.org/presentationml/2006/main">
+  <p:cSld>
+    <p:spTree>
+      <p:nvGrpSpPr>
+        <p:cNvPr id="1" name=""/>
+        <p:cNvGrpSpPr/>
+        <p:nvPr/>
+      </p:nvGrpSpPr>
+      <p:grpSpPr>
+        <a:xfrm>
+          <a:off x="0" y="0"/>
+          <a:ext cx="0" cy="0"/>
+          <a:chOff x="0" y="0"/>
+          <a:chExt cx="0" cy="0"/>
+        </a:xfrm>
+      </p:grpSpPr>
+      <p:sp>
+        <p:nvSpPr>
+          <p:cNvPr id="2" name="Slide Image Placeholder 1"/>
+          <p:cNvSpPr>
+            <a:spLocks noGrp="1" noRot="1" noChangeAspect="1"/>
+          </p:cNvSpPr>
+          <p:nvPr>
+            <p:ph type="sldImg"/>
+          </p:nvPr>
+        </p:nvSpPr>
+        <p:spPr/>
+      </p:sp>
+      <p:sp>
+        <p:nvSpPr>
+          <p:cNvPr id="3" name="Notes Placeholder 2"/>
+          <p:cNvSpPr>
+            <a:spLocks noGrp="1"/>
+          </p:cNvSpPr>
+          <p:nvPr>
+            <p:ph type="body" idx="1"/>
+          </p:nvPr>
+        </p:nvSpPr>
+        <p:spPr/>
+        <p:txBody>
+          <a:bodyPr/>
+          <a:lstStyle/>
+          <a:p>
+            <a:endParaRPr lang="en-US" dirty="0"/>
+          </a:p>
+        </p:txBody>
+      </p:sp>
+      <p:sp>
+        <p:nvSpPr>
+          <p:cNvPr id="4" name="Slide Number Placeholder 3"/>
+          <p:cNvSpPr>
+            <a:spLocks noGrp="1"/>
+          </p:cNvSpPr>
+          <p:nvPr>
+            <p:ph type="sldNum" sz="quarter" idx="5"/>
+          </p:nvPr>
+        </p:nvSpPr>
+        <p:spPr/>
+        <p:txBody>
+          <a:bodyPr/>
+          <a:lstStyle/>
+          <a:p>
+            <a:fld id="{D27B3C88-B723-4E6F-A988-B61BCF239A4C}" type="slidenum">
+              <a:rPr lang="en-US" smtClean="0"/>
+              <a:t>29</a:t>
+            </a:fld>
+            <a:endParaRPr lang="en-US"/>
+          </a:p>
+        </p:txBody>
+      </p:sp>
+    </p:spTree>
+    <p:extLst>
+      <p:ext uri="{BB962C8B-B14F-4D97-AF65-F5344CB8AC3E}">
+        <p14:creationId xmlns:p14="http://schemas.microsoft.com/office/powerpoint/2010/main" val="1263950271"/>
+      </p:ext>
+    </p:extLst>
+  </p:cSld>
+  <p:clrMapOvr>
+    <a:masterClrMapping/>
+  </p:clrMapOvr>
+</p:notes>
+</file>
+
+<file path=ppt/notesSlides/notesSlide25.xml><?xml version="1.0" encoding="utf-8"?>
+<p:notes xmlns:a="http://schemas.openxmlformats.org/drawingml/2006/main" xmlns:r="http://schemas.openxmlformats.org/officeDocument/2006/relationships" xmlns:p="http://schemas.openxmlformats.org/presentationml/2006/main">
+  <p:cSld>
+    <p:spTree>
+      <p:nvGrpSpPr>
+        <p:cNvPr id="1" name=""/>
+        <p:cNvGrpSpPr/>
+        <p:nvPr/>
+      </p:nvGrpSpPr>
+      <p:grpSpPr>
+        <a:xfrm>
+          <a:off x="0" y="0"/>
+          <a:ext cx="0" cy="0"/>
+          <a:chOff x="0" y="0"/>
+          <a:chExt cx="0" cy="0"/>
+        </a:xfrm>
+      </p:grpSpPr>
+      <p:sp>
+        <p:nvSpPr>
+          <p:cNvPr id="2" name="Slide Image Placeholder 1"/>
+          <p:cNvSpPr>
+            <a:spLocks noGrp="1" noRot="1" noChangeAspect="1"/>
+          </p:cNvSpPr>
+          <p:nvPr>
+            <p:ph type="sldImg"/>
+          </p:nvPr>
+        </p:nvSpPr>
+        <p:spPr/>
+      </p:sp>
+      <p:sp>
+        <p:nvSpPr>
+          <p:cNvPr id="3" name="Notes Placeholder 2"/>
+          <p:cNvSpPr>
+            <a:spLocks noGrp="1"/>
+          </p:cNvSpPr>
+          <p:nvPr>
+            <p:ph type="body" idx="1"/>
+          </p:nvPr>
+        </p:nvSpPr>
+        <p:spPr/>
+        <p:txBody>
+          <a:bodyPr/>
+          <a:lstStyle/>
+          <a:p>
+            <a:endParaRPr lang="en-US" dirty="0"/>
+          </a:p>
+        </p:txBody>
+      </p:sp>
+      <p:sp>
+        <p:nvSpPr>
+          <p:cNvPr id="4" name="Slide Number Placeholder 3"/>
+          <p:cNvSpPr>
+            <a:spLocks noGrp="1"/>
+          </p:cNvSpPr>
+          <p:nvPr>
+            <p:ph type="sldNum" sz="quarter" idx="5"/>
+          </p:nvPr>
+        </p:nvSpPr>
+        <p:spPr/>
+        <p:txBody>
+          <a:bodyPr/>
+          <a:lstStyle/>
+          <a:p>
+            <a:fld id="{D27B3C88-B723-4E6F-A988-B61BCF239A4C}" type="slidenum">
+              <a:rPr lang="en-US" smtClean="0"/>
+              <a:t>30</a:t>
+            </a:fld>
+            <a:endParaRPr lang="en-US"/>
+          </a:p>
+        </p:txBody>
+      </p:sp>
+    </p:spTree>
+    <p:extLst>
+      <p:ext uri="{BB962C8B-B14F-4D97-AF65-F5344CB8AC3E}">
+        <p14:creationId xmlns:p14="http://schemas.microsoft.com/office/powerpoint/2010/main" val="1945603931"/>
       </p:ext>
     </p:extLst>
   </p:cSld>
@@ -2620,30 +4145,6 @@
           <a:bodyPr/>
           <a:lstStyle/>
           <a:p>
-            <a:r>
-              <a:rPr lang="en-US" dirty="0"/>
-              <a:t>This slide provides an overview of how data mining methods are integral to the process of customizing Natural Language Processing (NLP) and Controlled Natural Language (CNL) systems, specifically within the context of the STIX-D project. In our project, we're leveraging a variety of data mining techniques to analyze and structure large amounts of text data, which is crucial for developing an effective CNL.</a:t>
-            </a:r>
-          </a:p>
-          <a:p>
-            <a:endParaRPr lang="en-US" dirty="0"/>
-          </a:p>
-          <a:p>
-            <a:r>
-              <a:rPr lang="en-US" dirty="0"/>
-              <a:t>These techniques allow us to classify text, discover hidden patterns, and extract meaningful information from unstructured data, which is essential for creating a precise and unambiguous language model. Whether we're clustering similar text segments, identifying key entities, or summarizing long documents, data mining tools help us transform raw text into structured data that can be processed and interpreted consistently.</a:t>
-            </a:r>
-          </a:p>
-          <a:p>
-            <a:endParaRPr lang="en-US" dirty="0"/>
-          </a:p>
-          <a:p>
-            <a:r>
-              <a:rPr lang="en-US" dirty="0"/>
-              <a:t>By applying these methods, we're not just improving the accuracy and efficiency of our NLP pipeline; we're also ensuring that the resulting CNL is tailored to the specific needs of cybersecurity, allowing for clearer and more reliable threat descriptions in the STIX-D framework.</a:t>
-            </a:r>
-          </a:p>
-          <a:p>
             <a:endParaRPr lang="en-US" dirty="0"/>
           </a:p>
         </p:txBody>
@@ -2665,7 +4166,7 @@
           <a:p>
             <a:fld id="{D27B3C88-B723-4E6F-A988-B61BCF239A4C}" type="slidenum">
               <a:rPr lang="en-US" smtClean="0"/>
-              <a:t>10</a:t>
+              <a:t>9</a:t>
             </a:fld>
             <a:endParaRPr lang="en-US"/>
           </a:p>
@@ -2674,7 +4175,7 @@
     </p:spTree>
     <p:extLst>
       <p:ext uri="{BB962C8B-B14F-4D97-AF65-F5344CB8AC3E}">
-        <p14:creationId xmlns:p14="http://schemas.microsoft.com/office/powerpoint/2010/main" val="399882496"/>
+        <p14:creationId xmlns:p14="http://schemas.microsoft.com/office/powerpoint/2010/main" val="1103333988"/>
       </p:ext>
     </p:extLst>
   </p:cSld>
@@ -6148,7 +7649,7 @@
           <p:cNvPr id="4" name="Title 3">
             <a:extLst>
               <a:ext uri="{FF2B5EF4-FFF2-40B4-BE49-F238E27FC236}">
-                <a16:creationId xmlns:a16="http://schemas.microsoft.com/office/drawing/2014/main" id="{0A817E95-3774-AAEB-289C-F1EFD4378287}"/>
+                <a16:creationId xmlns:a16="http://schemas.microsoft.com/office/drawing/2014/main" id="{AEF577CA-86F4-6A6C-106D-E3C80E92B7B4}"/>
               </a:ext>
             </a:extLst>
           </p:cNvPr>
@@ -6166,256 +7667,45 @@
           <a:p>
             <a:r>
               <a:rPr lang="en-US" dirty="0"/>
-              <a:t>Data Mining in NLP/CNL Customization</a:t>
-            </a:r>
-          </a:p>
-        </p:txBody>
-      </p:sp>
-      <p:sp>
-        <p:nvSpPr>
-          <p:cNvPr id="5" name="Content Placeholder 4">
-            <a:extLst>
-              <a:ext uri="{FF2B5EF4-FFF2-40B4-BE49-F238E27FC236}">
-                <a16:creationId xmlns:a16="http://schemas.microsoft.com/office/drawing/2014/main" id="{7DE37BAA-8E96-9150-595C-A734CD809C9E}"/>
-              </a:ext>
-            </a:extLst>
-          </p:cNvPr>
-          <p:cNvSpPr>
-            <a:spLocks noGrp="1"/>
-          </p:cNvSpPr>
-          <p:nvPr>
-            <p:ph sz="half" idx="1"/>
-          </p:nvPr>
-        </p:nvSpPr>
-        <p:spPr/>
-        <p:txBody>
-          <a:bodyPr>
-            <a:normAutofit lnSpcReduction="10000"/>
-          </a:bodyPr>
-          <a:lstStyle/>
-          <a:p>
-            <a:r>
-              <a:rPr lang="en-US" dirty="0"/>
-              <a:t>Text Classification</a:t>
-            </a:r>
-          </a:p>
-          <a:p>
-            <a:pPr lvl="1"/>
-            <a:r>
-              <a:rPr lang="en-US" dirty="0"/>
-              <a:t>HMM, </a:t>
-            </a:r>
-            <a:r>
-              <a:rPr lang="en-US" dirty="0" err="1"/>
-              <a:t>CRF</a:t>
-            </a:r>
-            <a:r>
-              <a:rPr lang="en-US" dirty="0"/>
-              <a:t>, BERT</a:t>
-            </a:r>
-          </a:p>
-          <a:p>
-            <a:r>
-              <a:rPr lang="en-US" dirty="0"/>
-              <a:t>Clustering</a:t>
-            </a:r>
-          </a:p>
-          <a:p>
-            <a:pPr lvl="1"/>
-            <a:r>
-              <a:rPr lang="en-US" dirty="0"/>
-              <a:t>K-means, Hierarchical, </a:t>
-            </a:r>
-            <a:r>
-              <a:rPr lang="en-US" dirty="0" err="1"/>
-              <a:t>DBSCAN</a:t>
-            </a:r>
-            <a:endParaRPr lang="en-US" dirty="0"/>
-          </a:p>
-          <a:p>
-            <a:r>
-              <a:rPr lang="en-US" dirty="0"/>
-              <a:t>Topic Modeling</a:t>
-            </a:r>
-          </a:p>
-          <a:p>
-            <a:pPr lvl="1"/>
-            <a:r>
-              <a:rPr lang="en-US" dirty="0" err="1"/>
-              <a:t>LDA</a:t>
-            </a:r>
-            <a:r>
-              <a:rPr lang="en-US" dirty="0"/>
-              <a:t>, LSA</a:t>
-            </a:r>
-          </a:p>
-          <a:p>
-            <a:r>
-              <a:rPr lang="en-US" dirty="0"/>
-              <a:t>Named-Entity Recognition</a:t>
-            </a:r>
-          </a:p>
-          <a:p>
-            <a:pPr lvl="1"/>
-            <a:r>
-              <a:rPr lang="en-US" dirty="0" err="1"/>
-              <a:t>CRF</a:t>
-            </a:r>
-            <a:r>
-              <a:rPr lang="en-US" dirty="0"/>
-              <a:t>, HMM</a:t>
-            </a:r>
-          </a:p>
-          <a:p>
-            <a:r>
-              <a:rPr lang="en-US" dirty="0"/>
-              <a:t>Sentiment Analyses</a:t>
-            </a:r>
-          </a:p>
-          <a:p>
-            <a:pPr lvl="1"/>
-            <a:r>
-              <a:rPr lang="en-US" dirty="0"/>
-              <a:t>Logistic Regression, BERT</a:t>
-            </a:r>
-          </a:p>
-          <a:p>
-            <a:endParaRPr lang="en-US" dirty="0"/>
-          </a:p>
-        </p:txBody>
-      </p:sp>
-      <p:sp>
-        <p:nvSpPr>
-          <p:cNvPr id="6" name="Content Placeholder 5">
-            <a:extLst>
-              <a:ext uri="{FF2B5EF4-FFF2-40B4-BE49-F238E27FC236}">
-                <a16:creationId xmlns:a16="http://schemas.microsoft.com/office/drawing/2014/main" id="{A9DB159C-5DAF-A408-A98D-9DA451D9E749}"/>
-              </a:ext>
-            </a:extLst>
-          </p:cNvPr>
-          <p:cNvSpPr>
-            <a:spLocks noGrp="1"/>
-          </p:cNvSpPr>
-          <p:nvPr>
-            <p:ph sz="half" idx="2"/>
-          </p:nvPr>
-        </p:nvSpPr>
-        <p:spPr/>
-        <p:txBody>
-          <a:bodyPr>
-            <a:normAutofit lnSpcReduction="10000"/>
-          </a:bodyPr>
-          <a:lstStyle/>
-          <a:p>
-            <a:r>
-              <a:rPr lang="en-US" dirty="0"/>
-              <a:t>Association Rule Mining</a:t>
-            </a:r>
-          </a:p>
-          <a:p>
-            <a:pPr lvl="1"/>
-            <a:r>
-              <a:rPr lang="en-US" dirty="0" err="1"/>
-              <a:t>Apriori</a:t>
-            </a:r>
-            <a:r>
-              <a:rPr lang="en-US" dirty="0"/>
-              <a:t> algorithm, FP-Growth</a:t>
-            </a:r>
-          </a:p>
-          <a:p>
-            <a:r>
-              <a:rPr lang="en-US" dirty="0"/>
-              <a:t>Text Summarization</a:t>
-            </a:r>
-          </a:p>
-          <a:p>
-            <a:pPr lvl="1"/>
-            <a:r>
-              <a:rPr lang="en-US" dirty="0" err="1"/>
-              <a:t>TextRank</a:t>
-            </a:r>
-            <a:r>
-              <a:rPr lang="en-US" dirty="0"/>
-              <a:t>, PageRank</a:t>
-            </a:r>
-          </a:p>
-          <a:p>
-            <a:r>
-              <a:rPr lang="en-US" dirty="0"/>
-              <a:t>Dimensionality Reduction</a:t>
-            </a:r>
-          </a:p>
-          <a:p>
-            <a:pPr lvl="1"/>
-            <a:r>
-              <a:rPr lang="en-US" dirty="0" err="1"/>
-              <a:t>PCA</a:t>
-            </a:r>
-            <a:r>
-              <a:rPr lang="en-US" dirty="0"/>
-              <a:t>, t-</a:t>
-            </a:r>
-            <a:r>
-              <a:rPr lang="en-US" dirty="0" err="1"/>
-              <a:t>SNE</a:t>
-            </a:r>
-            <a:r>
-              <a:rPr lang="en-US" dirty="0"/>
-              <a:t>, Word2Vec, </a:t>
-            </a:r>
-            <a:r>
-              <a:rPr lang="en-US" dirty="0" err="1"/>
-              <a:t>GloVe</a:t>
-            </a:r>
-            <a:endParaRPr lang="en-US" dirty="0"/>
-          </a:p>
-          <a:p>
-            <a:r>
-              <a:rPr lang="en-US" dirty="0"/>
-              <a:t>Information Retrieval</a:t>
-            </a:r>
-          </a:p>
-          <a:p>
-            <a:pPr lvl="1"/>
-            <a:r>
-              <a:rPr lang="en-US" dirty="0" err="1"/>
-              <a:t>VSM</a:t>
-            </a:r>
-            <a:r>
-              <a:rPr lang="en-US" dirty="0"/>
-              <a:t>, BM25,</a:t>
-            </a:r>
-          </a:p>
-          <a:p>
-            <a:r>
-              <a:rPr lang="en-US" dirty="0"/>
-              <a:t>Anomaly Detection</a:t>
-            </a:r>
-          </a:p>
-          <a:p>
-            <a:pPr lvl="1"/>
-            <a:r>
-              <a:rPr lang="en-US" dirty="0"/>
-              <a:t>One-class </a:t>
-            </a:r>
-            <a:r>
-              <a:rPr lang="en-US" dirty="0" err="1"/>
-              <a:t>SVM</a:t>
-            </a:r>
-            <a:r>
-              <a:rPr lang="en-US" dirty="0"/>
-              <a:t>, Isolation Forest</a:t>
-            </a:r>
-          </a:p>
-        </p:txBody>
-      </p:sp>
-      <p:sp>
-        <p:nvSpPr>
-          <p:cNvPr id="7" name="Date Placeholder 4">
-            <a:extLst>
-              <a:ext uri="{FF2B5EF4-FFF2-40B4-BE49-F238E27FC236}">
-                <a16:creationId xmlns:a16="http://schemas.microsoft.com/office/drawing/2014/main" id="{E728AA4A-285A-EF06-7870-99389A565ACD}"/>
+              <a:t>Data Mining in NLP</a:t>
+            </a:r>
+          </a:p>
+        </p:txBody>
+      </p:sp>
+      <p:sp>
+        <p:nvSpPr>
+          <p:cNvPr id="5" name="Text Placeholder 4">
+            <a:extLst>
+              <a:ext uri="{FF2B5EF4-FFF2-40B4-BE49-F238E27FC236}">
+                <a16:creationId xmlns:a16="http://schemas.microsoft.com/office/drawing/2014/main" id="{246F63FD-015C-E8F2-461F-E69542C3C805}"/>
+              </a:ext>
+            </a:extLst>
+          </p:cNvPr>
+          <p:cNvSpPr>
+            <a:spLocks noGrp="1"/>
+          </p:cNvSpPr>
+          <p:nvPr>
+            <p:ph type="body" idx="1"/>
+          </p:nvPr>
+        </p:nvSpPr>
+        <p:spPr/>
+        <p:txBody>
+          <a:bodyPr/>
+          <a:lstStyle/>
+          <a:p>
+            <a:r>
+              <a:rPr lang="en-US" dirty="0"/>
+              <a:t>Relating NLP to INFO 523</a:t>
+            </a:r>
+          </a:p>
+        </p:txBody>
+      </p:sp>
+      <p:sp>
+        <p:nvSpPr>
+          <p:cNvPr id="6" name="Date Placeholder 5">
+            <a:extLst>
+              <a:ext uri="{FF2B5EF4-FFF2-40B4-BE49-F238E27FC236}">
+                <a16:creationId xmlns:a16="http://schemas.microsoft.com/office/drawing/2014/main" id="{4008FFF6-6519-CE53-9095-74BAADB6A7DC}"/>
               </a:ext>
             </a:extLst>
           </p:cNvPr>
@@ -6426,12 +7716,7 @@
             <p:ph type="dt" sz="half" idx="10"/>
           </p:nvPr>
         </p:nvSpPr>
-        <p:spPr>
-          <a:xfrm>
-            <a:off x="838200" y="6356350"/>
-            <a:ext cx="1371600" cy="365125"/>
-          </a:xfrm>
-        </p:spPr>
+        <p:spPr/>
         <p:txBody>
           <a:bodyPr/>
           <a:lstStyle/>
@@ -6440,16 +7725,15 @@
               <a:rPr lang="en-US"/>
               <a:t>8/12/2024</a:t>
             </a:r>
-            <a:endParaRPr lang="en-US" dirty="0"/>
-          </a:p>
-        </p:txBody>
-      </p:sp>
-      <p:sp>
-        <p:nvSpPr>
-          <p:cNvPr id="8" name="Footer Placeholder 3">
-            <a:extLst>
-              <a:ext uri="{FF2B5EF4-FFF2-40B4-BE49-F238E27FC236}">
-                <a16:creationId xmlns:a16="http://schemas.microsoft.com/office/drawing/2014/main" id="{40E59199-8E82-924B-26D0-5B65ADBE2D32}"/>
+          </a:p>
+        </p:txBody>
+      </p:sp>
+      <p:sp>
+        <p:nvSpPr>
+          <p:cNvPr id="7" name="Footer Placeholder 6">
+            <a:extLst>
+              <a:ext uri="{FF2B5EF4-FFF2-40B4-BE49-F238E27FC236}">
+                <a16:creationId xmlns:a16="http://schemas.microsoft.com/office/drawing/2014/main" id="{79DBF0D8-617A-B71C-7A36-55C343534055}"/>
               </a:ext>
             </a:extLst>
           </p:cNvPr>
@@ -6460,29 +7744,24 @@
             <p:ph type="ftr" sz="quarter" idx="11"/>
           </p:nvPr>
         </p:nvSpPr>
-        <p:spPr>
-          <a:xfrm>
-            <a:off x="2667000" y="6356350"/>
-            <a:ext cx="6858000" cy="365125"/>
-          </a:xfrm>
-        </p:spPr>
-        <p:txBody>
-          <a:bodyPr/>
-          <a:lstStyle/>
-          <a:p>
-            <a:r>
-              <a:rPr lang="en-US" dirty="0"/>
-              <a:t>https://web.stanford.edu/~jurafsky/slp3/</a:t>
-            </a:r>
-          </a:p>
-        </p:txBody>
-      </p:sp>
-      <p:sp>
-        <p:nvSpPr>
-          <p:cNvPr id="9" name="Slide Number Placeholder 5">
-            <a:extLst>
-              <a:ext uri="{FF2B5EF4-FFF2-40B4-BE49-F238E27FC236}">
-                <a16:creationId xmlns:a16="http://schemas.microsoft.com/office/drawing/2014/main" id="{EEB585C1-B999-0B56-DA19-964656C4011F}"/>
+        <p:spPr/>
+        <p:txBody>
+          <a:bodyPr/>
+          <a:lstStyle/>
+          <a:p>
+            <a:r>
+              <a:rPr lang="en-US"/>
+              <a:t>https://github.com/ciioprof0/stixd </a:t>
+            </a:r>
+          </a:p>
+        </p:txBody>
+      </p:sp>
+      <p:sp>
+        <p:nvSpPr>
+          <p:cNvPr id="8" name="Slide Number Placeholder 7">
+            <a:extLst>
+              <a:ext uri="{FF2B5EF4-FFF2-40B4-BE49-F238E27FC236}">
+                <a16:creationId xmlns:a16="http://schemas.microsoft.com/office/drawing/2014/main" id="{F518D0D4-09DC-D204-7B99-CB48AA818E1E}"/>
               </a:ext>
             </a:extLst>
           </p:cNvPr>
@@ -6493,17 +7772,12 @@
             <p:ph type="sldNum" sz="quarter" idx="12"/>
           </p:nvPr>
         </p:nvSpPr>
-        <p:spPr>
-          <a:xfrm>
-            <a:off x="9982200" y="6356350"/>
-            <a:ext cx="1371600" cy="365125"/>
-          </a:xfrm>
-        </p:spPr>
-        <p:txBody>
-          <a:bodyPr/>
-          <a:lstStyle/>
-          <a:p>
-            <a:fld id="{AF56F2E1-774A-4B12-AD76-893078A0F513}" type="slidenum">
+        <p:spPr/>
+        <p:txBody>
+          <a:bodyPr/>
+          <a:lstStyle/>
+          <a:p>
+            <a:fld id="{BA219C19-895B-41AA-B189-1A480F8BE28A}" type="slidenum">
               <a:rPr lang="en-US" smtClean="0"/>
               <a:t>10</a:t>
             </a:fld>
@@ -6514,7 +7788,7 @@
     </p:spTree>
     <p:extLst>
       <p:ext uri="{BB962C8B-B14F-4D97-AF65-F5344CB8AC3E}">
-        <p14:creationId xmlns:p14="http://schemas.microsoft.com/office/powerpoint/2010/main" val="880100947"/>
+        <p14:creationId xmlns:p14="http://schemas.microsoft.com/office/powerpoint/2010/main" val="1877965146"/>
       </p:ext>
     </p:extLst>
   </p:cSld>
@@ -6543,6 +7817,404 @@
       </p:grpSpPr>
       <p:sp>
         <p:nvSpPr>
+          <p:cNvPr id="4" name="Title 3">
+            <a:extLst>
+              <a:ext uri="{FF2B5EF4-FFF2-40B4-BE49-F238E27FC236}">
+                <a16:creationId xmlns:a16="http://schemas.microsoft.com/office/drawing/2014/main" id="{0A817E95-3774-AAEB-289C-F1EFD4378287}"/>
+              </a:ext>
+            </a:extLst>
+          </p:cNvPr>
+          <p:cNvSpPr>
+            <a:spLocks noGrp="1"/>
+          </p:cNvSpPr>
+          <p:nvPr>
+            <p:ph type="title"/>
+          </p:nvPr>
+        </p:nvSpPr>
+        <p:spPr/>
+        <p:txBody>
+          <a:bodyPr/>
+          <a:lstStyle/>
+          <a:p>
+            <a:r>
+              <a:rPr lang="en-US" dirty="0"/>
+              <a:t>Data Mining in NLP/CNL Customization</a:t>
+            </a:r>
+          </a:p>
+        </p:txBody>
+      </p:sp>
+      <p:sp>
+        <p:nvSpPr>
+          <p:cNvPr id="5" name="Content Placeholder 4">
+            <a:extLst>
+              <a:ext uri="{FF2B5EF4-FFF2-40B4-BE49-F238E27FC236}">
+                <a16:creationId xmlns:a16="http://schemas.microsoft.com/office/drawing/2014/main" id="{7DE37BAA-8E96-9150-595C-A734CD809C9E}"/>
+              </a:ext>
+            </a:extLst>
+          </p:cNvPr>
+          <p:cNvSpPr>
+            <a:spLocks noGrp="1"/>
+          </p:cNvSpPr>
+          <p:nvPr>
+            <p:ph sz="half" idx="1"/>
+          </p:nvPr>
+        </p:nvSpPr>
+        <p:spPr/>
+        <p:txBody>
+          <a:bodyPr>
+            <a:normAutofit lnSpcReduction="10000"/>
+          </a:bodyPr>
+          <a:lstStyle/>
+          <a:p>
+            <a:r>
+              <a:rPr lang="en-US" dirty="0"/>
+              <a:t>Text Classification</a:t>
+            </a:r>
+          </a:p>
+          <a:p>
+            <a:pPr lvl="1"/>
+            <a:r>
+              <a:rPr lang="en-US" dirty="0"/>
+              <a:t>HMM, </a:t>
+            </a:r>
+            <a:r>
+              <a:rPr lang="en-US" dirty="0" err="1"/>
+              <a:t>CRF</a:t>
+            </a:r>
+            <a:r>
+              <a:rPr lang="en-US" dirty="0"/>
+              <a:t>, BERT</a:t>
+            </a:r>
+          </a:p>
+          <a:p>
+            <a:r>
+              <a:rPr lang="en-US" dirty="0"/>
+              <a:t>Clustering</a:t>
+            </a:r>
+          </a:p>
+          <a:p>
+            <a:pPr lvl="1"/>
+            <a:r>
+              <a:rPr lang="en-US" dirty="0"/>
+              <a:t>K-means, Hierarchical, </a:t>
+            </a:r>
+            <a:r>
+              <a:rPr lang="en-US" dirty="0" err="1"/>
+              <a:t>DBSCAN</a:t>
+            </a:r>
+            <a:endParaRPr lang="en-US" dirty="0"/>
+          </a:p>
+          <a:p>
+            <a:r>
+              <a:rPr lang="en-US" dirty="0"/>
+              <a:t>Topic Modeling</a:t>
+            </a:r>
+          </a:p>
+          <a:p>
+            <a:pPr lvl="1"/>
+            <a:r>
+              <a:rPr lang="en-US" dirty="0" err="1"/>
+              <a:t>LDA</a:t>
+            </a:r>
+            <a:r>
+              <a:rPr lang="en-US" dirty="0"/>
+              <a:t>, LSA</a:t>
+            </a:r>
+          </a:p>
+          <a:p>
+            <a:r>
+              <a:rPr lang="en-US" dirty="0"/>
+              <a:t>Named-Entity Recognition</a:t>
+            </a:r>
+          </a:p>
+          <a:p>
+            <a:pPr lvl="1"/>
+            <a:r>
+              <a:rPr lang="en-US" dirty="0" err="1"/>
+              <a:t>CRF</a:t>
+            </a:r>
+            <a:r>
+              <a:rPr lang="en-US" dirty="0"/>
+              <a:t>, HMM</a:t>
+            </a:r>
+          </a:p>
+          <a:p>
+            <a:r>
+              <a:rPr lang="en-US" dirty="0"/>
+              <a:t>Sentiment Analyses</a:t>
+            </a:r>
+          </a:p>
+          <a:p>
+            <a:pPr lvl="1"/>
+            <a:r>
+              <a:rPr lang="en-US" dirty="0"/>
+              <a:t>Logistic Regression, BERT</a:t>
+            </a:r>
+          </a:p>
+          <a:p>
+            <a:endParaRPr lang="en-US" dirty="0"/>
+          </a:p>
+        </p:txBody>
+      </p:sp>
+      <p:sp>
+        <p:nvSpPr>
+          <p:cNvPr id="6" name="Content Placeholder 5">
+            <a:extLst>
+              <a:ext uri="{FF2B5EF4-FFF2-40B4-BE49-F238E27FC236}">
+                <a16:creationId xmlns:a16="http://schemas.microsoft.com/office/drawing/2014/main" id="{A9DB159C-5DAF-A408-A98D-9DA451D9E749}"/>
+              </a:ext>
+            </a:extLst>
+          </p:cNvPr>
+          <p:cNvSpPr>
+            <a:spLocks noGrp="1"/>
+          </p:cNvSpPr>
+          <p:nvPr>
+            <p:ph sz="half" idx="2"/>
+          </p:nvPr>
+        </p:nvSpPr>
+        <p:spPr/>
+        <p:txBody>
+          <a:bodyPr>
+            <a:normAutofit lnSpcReduction="10000"/>
+          </a:bodyPr>
+          <a:lstStyle/>
+          <a:p>
+            <a:r>
+              <a:rPr lang="en-US" dirty="0"/>
+              <a:t>Association Rule Mining</a:t>
+            </a:r>
+          </a:p>
+          <a:p>
+            <a:pPr lvl="1"/>
+            <a:r>
+              <a:rPr lang="en-US" dirty="0" err="1"/>
+              <a:t>Apriori</a:t>
+            </a:r>
+            <a:r>
+              <a:rPr lang="en-US" dirty="0"/>
+              <a:t> algorithm, FP-Growth</a:t>
+            </a:r>
+          </a:p>
+          <a:p>
+            <a:r>
+              <a:rPr lang="en-US" dirty="0"/>
+              <a:t>Text Summarization</a:t>
+            </a:r>
+          </a:p>
+          <a:p>
+            <a:pPr lvl="1"/>
+            <a:r>
+              <a:rPr lang="en-US" dirty="0" err="1"/>
+              <a:t>TextRank</a:t>
+            </a:r>
+            <a:r>
+              <a:rPr lang="en-US" dirty="0"/>
+              <a:t>, PageRank</a:t>
+            </a:r>
+          </a:p>
+          <a:p>
+            <a:r>
+              <a:rPr lang="en-US" dirty="0"/>
+              <a:t>Dimensionality Reduction</a:t>
+            </a:r>
+          </a:p>
+          <a:p>
+            <a:pPr lvl="1"/>
+            <a:r>
+              <a:rPr lang="en-US" dirty="0" err="1"/>
+              <a:t>PCA</a:t>
+            </a:r>
+            <a:r>
+              <a:rPr lang="en-US" dirty="0"/>
+              <a:t>, t-</a:t>
+            </a:r>
+            <a:r>
+              <a:rPr lang="en-US" dirty="0" err="1"/>
+              <a:t>SNE</a:t>
+            </a:r>
+            <a:r>
+              <a:rPr lang="en-US" dirty="0"/>
+              <a:t>, Word2Vec, </a:t>
+            </a:r>
+            <a:r>
+              <a:rPr lang="en-US" dirty="0" err="1"/>
+              <a:t>GloVe</a:t>
+            </a:r>
+            <a:endParaRPr lang="en-US" dirty="0"/>
+          </a:p>
+          <a:p>
+            <a:r>
+              <a:rPr lang="en-US" dirty="0"/>
+              <a:t>Information Retrieval</a:t>
+            </a:r>
+          </a:p>
+          <a:p>
+            <a:pPr lvl="1"/>
+            <a:r>
+              <a:rPr lang="en-US" dirty="0" err="1"/>
+              <a:t>VSM</a:t>
+            </a:r>
+            <a:r>
+              <a:rPr lang="en-US" dirty="0"/>
+              <a:t>, BM25,</a:t>
+            </a:r>
+          </a:p>
+          <a:p>
+            <a:r>
+              <a:rPr lang="en-US" dirty="0"/>
+              <a:t>Anomaly Detection</a:t>
+            </a:r>
+          </a:p>
+          <a:p>
+            <a:pPr lvl="1"/>
+            <a:r>
+              <a:rPr lang="en-US" dirty="0"/>
+              <a:t>One-class </a:t>
+            </a:r>
+            <a:r>
+              <a:rPr lang="en-US" dirty="0" err="1"/>
+              <a:t>SVM</a:t>
+            </a:r>
+            <a:r>
+              <a:rPr lang="en-US" dirty="0"/>
+              <a:t>, Isolation Forest</a:t>
+            </a:r>
+          </a:p>
+        </p:txBody>
+      </p:sp>
+      <p:sp>
+        <p:nvSpPr>
+          <p:cNvPr id="7" name="Date Placeholder 4">
+            <a:extLst>
+              <a:ext uri="{FF2B5EF4-FFF2-40B4-BE49-F238E27FC236}">
+                <a16:creationId xmlns:a16="http://schemas.microsoft.com/office/drawing/2014/main" id="{E728AA4A-285A-EF06-7870-99389A565ACD}"/>
+              </a:ext>
+            </a:extLst>
+          </p:cNvPr>
+          <p:cNvSpPr>
+            <a:spLocks noGrp="1"/>
+          </p:cNvSpPr>
+          <p:nvPr>
+            <p:ph type="dt" sz="half" idx="10"/>
+          </p:nvPr>
+        </p:nvSpPr>
+        <p:spPr>
+          <a:xfrm>
+            <a:off x="838200" y="6356350"/>
+            <a:ext cx="1371600" cy="365125"/>
+          </a:xfrm>
+        </p:spPr>
+        <p:txBody>
+          <a:bodyPr/>
+          <a:lstStyle/>
+          <a:p>
+            <a:r>
+              <a:rPr lang="en-US"/>
+              <a:t>8/12/2024</a:t>
+            </a:r>
+            <a:endParaRPr lang="en-US" dirty="0"/>
+          </a:p>
+        </p:txBody>
+      </p:sp>
+      <p:sp>
+        <p:nvSpPr>
+          <p:cNvPr id="8" name="Footer Placeholder 3">
+            <a:extLst>
+              <a:ext uri="{FF2B5EF4-FFF2-40B4-BE49-F238E27FC236}">
+                <a16:creationId xmlns:a16="http://schemas.microsoft.com/office/drawing/2014/main" id="{40E59199-8E82-924B-26D0-5B65ADBE2D32}"/>
+              </a:ext>
+            </a:extLst>
+          </p:cNvPr>
+          <p:cNvSpPr>
+            <a:spLocks noGrp="1"/>
+          </p:cNvSpPr>
+          <p:nvPr>
+            <p:ph type="ftr" sz="quarter" idx="11"/>
+          </p:nvPr>
+        </p:nvSpPr>
+        <p:spPr>
+          <a:xfrm>
+            <a:off x="2667000" y="6356350"/>
+            <a:ext cx="6858000" cy="365125"/>
+          </a:xfrm>
+        </p:spPr>
+        <p:txBody>
+          <a:bodyPr/>
+          <a:lstStyle/>
+          <a:p>
+            <a:r>
+              <a:rPr lang="en-US" dirty="0"/>
+              <a:t>https://web.stanford.edu/~jurafsky/slp3/</a:t>
+            </a:r>
+          </a:p>
+        </p:txBody>
+      </p:sp>
+      <p:sp>
+        <p:nvSpPr>
+          <p:cNvPr id="9" name="Slide Number Placeholder 5">
+            <a:extLst>
+              <a:ext uri="{FF2B5EF4-FFF2-40B4-BE49-F238E27FC236}">
+                <a16:creationId xmlns:a16="http://schemas.microsoft.com/office/drawing/2014/main" id="{EEB585C1-B999-0B56-DA19-964656C4011F}"/>
+              </a:ext>
+            </a:extLst>
+          </p:cNvPr>
+          <p:cNvSpPr>
+            <a:spLocks noGrp="1"/>
+          </p:cNvSpPr>
+          <p:nvPr>
+            <p:ph type="sldNum" sz="quarter" idx="12"/>
+          </p:nvPr>
+        </p:nvSpPr>
+        <p:spPr>
+          <a:xfrm>
+            <a:off x="9982200" y="6356350"/>
+            <a:ext cx="1371600" cy="365125"/>
+          </a:xfrm>
+        </p:spPr>
+        <p:txBody>
+          <a:bodyPr/>
+          <a:lstStyle/>
+          <a:p>
+            <a:fld id="{AF56F2E1-774A-4B12-AD76-893078A0F513}" type="slidenum">
+              <a:rPr lang="en-US" smtClean="0"/>
+              <a:t>11</a:t>
+            </a:fld>
+            <a:endParaRPr lang="en-US"/>
+          </a:p>
+        </p:txBody>
+      </p:sp>
+    </p:spTree>
+    <p:extLst>
+      <p:ext uri="{BB962C8B-B14F-4D97-AF65-F5344CB8AC3E}">
+        <p14:creationId xmlns:p14="http://schemas.microsoft.com/office/powerpoint/2010/main" val="880100947"/>
+      </p:ext>
+    </p:extLst>
+  </p:cSld>
+  <p:clrMapOvr>
+    <a:masterClrMapping/>
+  </p:clrMapOvr>
+</p:sld>
+</file>
+
+<file path=ppt/slides/slide12.xml><?xml version="1.0" encoding="utf-8"?>
+<p:sld xmlns:a="http://schemas.openxmlformats.org/drawingml/2006/main" xmlns:r="http://schemas.openxmlformats.org/officeDocument/2006/relationships" xmlns:p="http://schemas.openxmlformats.org/presentationml/2006/main">
+  <p:cSld>
+    <p:spTree>
+      <p:nvGrpSpPr>
+        <p:cNvPr id="1" name=""/>
+        <p:cNvGrpSpPr/>
+        <p:nvPr/>
+      </p:nvGrpSpPr>
+      <p:grpSpPr>
+        <a:xfrm>
+          <a:off x="0" y="0"/>
+          <a:ext cx="0" cy="0"/>
+          <a:chOff x="0" y="0"/>
+          <a:chExt cx="0" cy="0"/>
+        </a:xfrm>
+      </p:grpSpPr>
+      <p:sp>
+        <p:nvSpPr>
           <p:cNvPr id="2" name="Title 1">
             <a:extLst>
               <a:ext uri="{FF2B5EF4-FFF2-40B4-BE49-F238E27FC236}">
@@ -6758,7 +8430,7 @@
           <a:p>
             <a:fld id="{BA219C19-895B-41AA-B189-1A480F8BE28A}" type="slidenum">
               <a:rPr lang="en-US" smtClean="0"/>
-              <a:t>11</a:t>
+              <a:t>12</a:t>
             </a:fld>
             <a:endParaRPr lang="en-US"/>
           </a:p>
@@ -7432,177 +9104,6 @@
 </p:sld>
 </file>
 
-<file path=ppt/slides/slide12.xml><?xml version="1.0" encoding="utf-8"?>
-<p:sld xmlns:a="http://schemas.openxmlformats.org/drawingml/2006/main" xmlns:r="http://schemas.openxmlformats.org/officeDocument/2006/relationships" xmlns:p="http://schemas.openxmlformats.org/presentationml/2006/main">
-  <p:cSld>
-    <p:spTree>
-      <p:nvGrpSpPr>
-        <p:cNvPr id="1" name=""/>
-        <p:cNvGrpSpPr/>
-        <p:nvPr/>
-      </p:nvGrpSpPr>
-      <p:grpSpPr>
-        <a:xfrm>
-          <a:off x="0" y="0"/>
-          <a:ext cx="0" cy="0"/>
-          <a:chOff x="0" y="0"/>
-          <a:chExt cx="0" cy="0"/>
-        </a:xfrm>
-      </p:grpSpPr>
-      <p:sp>
-        <p:nvSpPr>
-          <p:cNvPr id="4" name="Title 3">
-            <a:extLst>
-              <a:ext uri="{FF2B5EF4-FFF2-40B4-BE49-F238E27FC236}">
-                <a16:creationId xmlns:a16="http://schemas.microsoft.com/office/drawing/2014/main" id="{AB13475B-0116-7D75-D010-AA2F8070622D}"/>
-              </a:ext>
-            </a:extLst>
-          </p:cNvPr>
-          <p:cNvSpPr>
-            <a:spLocks noGrp="1"/>
-          </p:cNvSpPr>
-          <p:nvPr>
-            <p:ph type="title"/>
-          </p:nvPr>
-        </p:nvSpPr>
-        <p:spPr/>
-        <p:txBody>
-          <a:bodyPr/>
-          <a:lstStyle/>
-          <a:p>
-            <a:r>
-              <a:rPr lang="en-US" dirty="0"/>
-              <a:t>The STIX-D Project</a:t>
-            </a:r>
-          </a:p>
-        </p:txBody>
-      </p:sp>
-      <p:sp>
-        <p:nvSpPr>
-          <p:cNvPr id="5" name="Text Placeholder 4">
-            <a:extLst>
-              <a:ext uri="{FF2B5EF4-FFF2-40B4-BE49-F238E27FC236}">
-                <a16:creationId xmlns:a16="http://schemas.microsoft.com/office/drawing/2014/main" id="{25D05D0D-BBCF-25F8-DCD9-31F76E026EDD}"/>
-              </a:ext>
-            </a:extLst>
-          </p:cNvPr>
-          <p:cNvSpPr>
-            <a:spLocks noGrp="1"/>
-          </p:cNvSpPr>
-          <p:nvPr>
-            <p:ph type="body" idx="1"/>
-          </p:nvPr>
-        </p:nvSpPr>
-        <p:spPr/>
-        <p:txBody>
-          <a:bodyPr/>
-          <a:lstStyle/>
-          <a:p>
-            <a:r>
-              <a:rPr lang="en-US" dirty="0"/>
-              <a:t>A real-world application of using NLP Data Mining for CNL customization</a:t>
-            </a:r>
-          </a:p>
-        </p:txBody>
-      </p:sp>
-      <p:sp>
-        <p:nvSpPr>
-          <p:cNvPr id="2" name="Date Placeholder 1">
-            <a:extLst>
-              <a:ext uri="{FF2B5EF4-FFF2-40B4-BE49-F238E27FC236}">
-                <a16:creationId xmlns:a16="http://schemas.microsoft.com/office/drawing/2014/main" id="{E70110A6-B19F-50D6-0944-9170F5C67209}"/>
-              </a:ext>
-            </a:extLst>
-          </p:cNvPr>
-          <p:cNvSpPr>
-            <a:spLocks noGrp="1"/>
-          </p:cNvSpPr>
-          <p:nvPr>
-            <p:ph type="dt" sz="half" idx="10"/>
-          </p:nvPr>
-        </p:nvSpPr>
-        <p:spPr/>
-        <p:txBody>
-          <a:bodyPr/>
-          <a:lstStyle/>
-          <a:p>
-            <a:r>
-              <a:rPr lang="en-US"/>
-              <a:t>8/12/2024</a:t>
-            </a:r>
-          </a:p>
-        </p:txBody>
-      </p:sp>
-      <p:sp>
-        <p:nvSpPr>
-          <p:cNvPr id="3" name="Footer Placeholder 2">
-            <a:extLst>
-              <a:ext uri="{FF2B5EF4-FFF2-40B4-BE49-F238E27FC236}">
-                <a16:creationId xmlns:a16="http://schemas.microsoft.com/office/drawing/2014/main" id="{B044F9CF-D9F6-4060-3825-8A0131685031}"/>
-              </a:ext>
-            </a:extLst>
-          </p:cNvPr>
-          <p:cNvSpPr>
-            <a:spLocks noGrp="1"/>
-          </p:cNvSpPr>
-          <p:nvPr>
-            <p:ph type="ftr" sz="quarter" idx="11"/>
-          </p:nvPr>
-        </p:nvSpPr>
-        <p:spPr/>
-        <p:txBody>
-          <a:bodyPr/>
-          <a:lstStyle/>
-          <a:p>
-            <a:r>
-              <a:rPr lang="en-US"/>
-              <a:t>https://github.com/ciioprof0/stixd </a:t>
-            </a:r>
-          </a:p>
-        </p:txBody>
-      </p:sp>
-      <p:sp>
-        <p:nvSpPr>
-          <p:cNvPr id="6" name="Slide Number Placeholder 5">
-            <a:extLst>
-              <a:ext uri="{FF2B5EF4-FFF2-40B4-BE49-F238E27FC236}">
-                <a16:creationId xmlns:a16="http://schemas.microsoft.com/office/drawing/2014/main" id="{42509787-78B2-B37F-222A-C90A38FE31A4}"/>
-              </a:ext>
-            </a:extLst>
-          </p:cNvPr>
-          <p:cNvSpPr>
-            <a:spLocks noGrp="1"/>
-          </p:cNvSpPr>
-          <p:nvPr>
-            <p:ph type="sldNum" sz="quarter" idx="12"/>
-          </p:nvPr>
-        </p:nvSpPr>
-        <p:spPr/>
-        <p:txBody>
-          <a:bodyPr/>
-          <a:lstStyle/>
-          <a:p>
-            <a:fld id="{BA219C19-895B-41AA-B189-1A480F8BE28A}" type="slidenum">
-              <a:rPr lang="en-US" smtClean="0"/>
-              <a:t>12</a:t>
-            </a:fld>
-            <a:endParaRPr lang="en-US"/>
-          </a:p>
-        </p:txBody>
-      </p:sp>
-    </p:spTree>
-    <p:extLst>
-      <p:ext uri="{BB962C8B-B14F-4D97-AF65-F5344CB8AC3E}">
-        <p14:creationId xmlns:p14="http://schemas.microsoft.com/office/powerpoint/2010/main" val="3698588379"/>
-      </p:ext>
-    </p:extLst>
-  </p:cSld>
-  <p:clrMapOvr>
-    <a:masterClrMapping/>
-  </p:clrMapOvr>
-</p:sld>
-</file>
-
 <file path=ppt/slides/slide13.xml><?xml version="1.0" encoding="utf-8"?>
 <p:sld xmlns:a="http://schemas.openxmlformats.org/drawingml/2006/main" xmlns:r="http://schemas.openxmlformats.org/officeDocument/2006/relationships" xmlns:p="http://schemas.openxmlformats.org/presentationml/2006/main">
   <p:cSld>
@@ -7622,10 +9123,10 @@
       </p:grpSpPr>
       <p:sp>
         <p:nvSpPr>
-          <p:cNvPr id="2" name="Title 1">
-            <a:extLst>
-              <a:ext uri="{FF2B5EF4-FFF2-40B4-BE49-F238E27FC236}">
-                <a16:creationId xmlns:a16="http://schemas.microsoft.com/office/drawing/2014/main" id="{1048DE46-BAA9-0948-9E8E-0B31E81878B1}"/>
+          <p:cNvPr id="4" name="Title 3">
+            <a:extLst>
+              <a:ext uri="{FF2B5EF4-FFF2-40B4-BE49-F238E27FC236}">
+                <a16:creationId xmlns:a16="http://schemas.microsoft.com/office/drawing/2014/main" id="{AB13475B-0116-7D75-D010-AA2F8070622D}"/>
               </a:ext>
             </a:extLst>
           </p:cNvPr>
@@ -7643,96 +9144,45 @@
           <a:p>
             <a:r>
               <a:rPr lang="en-US" dirty="0"/>
-              <a:t>Purpose of STIX-D Project</a:t>
-            </a:r>
-          </a:p>
-        </p:txBody>
-      </p:sp>
-      <p:sp>
-        <p:nvSpPr>
-          <p:cNvPr id="3" name="Content Placeholder 2">
-            <a:extLst>
-              <a:ext uri="{FF2B5EF4-FFF2-40B4-BE49-F238E27FC236}">
-                <a16:creationId xmlns:a16="http://schemas.microsoft.com/office/drawing/2014/main" id="{6E149013-1A74-2A88-11D7-00C292314734}"/>
-              </a:ext>
-            </a:extLst>
-          </p:cNvPr>
-          <p:cNvSpPr>
-            <a:spLocks noGrp="1"/>
-          </p:cNvSpPr>
-          <p:nvPr>
-            <p:ph idx="1"/>
-          </p:nvPr>
-        </p:nvSpPr>
-        <p:spPr>
-          <a:xfrm>
-            <a:off x="738976" y="1825625"/>
-            <a:ext cx="10714048" cy="4351338"/>
-          </a:xfrm>
-        </p:spPr>
-        <p:txBody>
-          <a:bodyPr/>
-          <a:lstStyle/>
-          <a:p>
-            <a:pPr marL="0" indent="0">
-              <a:lnSpc>
-                <a:spcPct val="110000"/>
-              </a:lnSpc>
-              <a:buNone/>
-            </a:pPr>
-            <a:r>
-              <a:rPr lang="en-US" dirty="0"/>
-              <a:t>To develop a Controlled Natural Language (</a:t>
-            </a:r>
-            <a:r>
-              <a:rPr lang="en-US" dirty="0">
-                <a:hlinkClick r:id="rId2"/>
-              </a:rPr>
-              <a:t>CNL</a:t>
-            </a:r>
-            <a:r>
-              <a:rPr lang="en-US" dirty="0"/>
-              <a:t>) and necessary tools and databases for Structured Threat Information eXpression (</a:t>
-            </a:r>
-            <a:r>
-              <a:rPr lang="en-US" dirty="0">
-                <a:hlinkClick r:id="rId3"/>
-              </a:rPr>
-              <a:t>STIX</a:t>
-            </a:r>
-            <a:r>
-              <a:rPr lang="en-US" dirty="0"/>
-              <a:t>) `descriptions` within the Cyber Threat Intelligence (</a:t>
-            </a:r>
-            <a:r>
-              <a:rPr lang="en-US" dirty="0">
-                <a:hlinkClick r:id="rId4"/>
-              </a:rPr>
-              <a:t>CTI</a:t>
-            </a:r>
-            <a:r>
-              <a:rPr lang="en-US" dirty="0"/>
-              <a:t>) domain. The CNL will likely be a subset of Attempto Controlled English (</a:t>
-            </a:r>
-            <a:r>
-              <a:rPr lang="en-US" dirty="0">
-                <a:hlinkClick r:id="rId4"/>
-              </a:rPr>
-              <a:t>ACE</a:t>
-            </a:r>
-            <a:r>
-              <a:rPr lang="en-US" dirty="0"/>
-              <a:t>).</a:t>
-            </a:r>
-          </a:p>
-        </p:txBody>
-      </p:sp>
-      <p:sp>
-        <p:nvSpPr>
-          <p:cNvPr id="4" name="Date Placeholder 3">
-            <a:extLst>
-              <a:ext uri="{FF2B5EF4-FFF2-40B4-BE49-F238E27FC236}">
-                <a16:creationId xmlns:a16="http://schemas.microsoft.com/office/drawing/2014/main" id="{7F802DEF-C8E3-A5AF-0193-586620DE8E49}"/>
+              <a:t>The STIX-D Project</a:t>
+            </a:r>
+          </a:p>
+        </p:txBody>
+      </p:sp>
+      <p:sp>
+        <p:nvSpPr>
+          <p:cNvPr id="5" name="Text Placeholder 4">
+            <a:extLst>
+              <a:ext uri="{FF2B5EF4-FFF2-40B4-BE49-F238E27FC236}">
+                <a16:creationId xmlns:a16="http://schemas.microsoft.com/office/drawing/2014/main" id="{25D05D0D-BBCF-25F8-DCD9-31F76E026EDD}"/>
+              </a:ext>
+            </a:extLst>
+          </p:cNvPr>
+          <p:cNvSpPr>
+            <a:spLocks noGrp="1"/>
+          </p:cNvSpPr>
+          <p:nvPr>
+            <p:ph type="body" idx="1"/>
+          </p:nvPr>
+        </p:nvSpPr>
+        <p:spPr/>
+        <p:txBody>
+          <a:bodyPr/>
+          <a:lstStyle/>
+          <a:p>
+            <a:r>
+              <a:rPr lang="en-US" dirty="0"/>
+              <a:t>A real-world application of using NLP Data Mining for CNL customization</a:t>
+            </a:r>
+          </a:p>
+        </p:txBody>
+      </p:sp>
+      <p:sp>
+        <p:nvSpPr>
+          <p:cNvPr id="2" name="Date Placeholder 1">
+            <a:extLst>
+              <a:ext uri="{FF2B5EF4-FFF2-40B4-BE49-F238E27FC236}">
+                <a16:creationId xmlns:a16="http://schemas.microsoft.com/office/drawing/2014/main" id="{E70110A6-B19F-50D6-0944-9170F5C67209}"/>
               </a:ext>
             </a:extLst>
           </p:cNvPr>
@@ -7757,10 +9207,10 @@
       </p:sp>
       <p:sp>
         <p:nvSpPr>
-          <p:cNvPr id="5" name="Footer Placeholder 4">
-            <a:extLst>
-              <a:ext uri="{FF2B5EF4-FFF2-40B4-BE49-F238E27FC236}">
-                <a16:creationId xmlns:a16="http://schemas.microsoft.com/office/drawing/2014/main" id="{88E7054A-B7AD-8FB3-41E1-A2DBF2F9E66F}"/>
+          <p:cNvPr id="3" name="Footer Placeholder 2">
+            <a:extLst>
+              <a:ext uri="{FF2B5EF4-FFF2-40B4-BE49-F238E27FC236}">
+                <a16:creationId xmlns:a16="http://schemas.microsoft.com/office/drawing/2014/main" id="{B044F9CF-D9F6-4060-3825-8A0131685031}"/>
               </a:ext>
             </a:extLst>
           </p:cNvPr>
@@ -7788,7 +9238,7 @@
           <p:cNvPr id="6" name="Slide Number Placeholder 5">
             <a:extLst>
               <a:ext uri="{FF2B5EF4-FFF2-40B4-BE49-F238E27FC236}">
-                <a16:creationId xmlns:a16="http://schemas.microsoft.com/office/drawing/2014/main" id="{895A4457-6C6D-F3FB-1F1E-FE4E33BDB034}"/>
+                <a16:creationId xmlns:a16="http://schemas.microsoft.com/office/drawing/2014/main" id="{42509787-78B2-B37F-222A-C90A38FE31A4}"/>
               </a:ext>
             </a:extLst>
           </p:cNvPr>
@@ -7815,7 +9265,7 @@
     </p:spTree>
     <p:extLst>
       <p:ext uri="{BB962C8B-B14F-4D97-AF65-F5344CB8AC3E}">
-        <p14:creationId xmlns:p14="http://schemas.microsoft.com/office/powerpoint/2010/main" val="2682947525"/>
+        <p14:creationId xmlns:p14="http://schemas.microsoft.com/office/powerpoint/2010/main" val="3698588379"/>
       </p:ext>
     </p:extLst>
   </p:cSld>
@@ -7844,10 +9294,10 @@
       </p:grpSpPr>
       <p:sp>
         <p:nvSpPr>
-          <p:cNvPr id="4" name="Title 3">
-            <a:extLst>
-              <a:ext uri="{FF2B5EF4-FFF2-40B4-BE49-F238E27FC236}">
-                <a16:creationId xmlns:a16="http://schemas.microsoft.com/office/drawing/2014/main" id="{FC6D84FF-15CA-4EC4-5B67-C619C7FCE0D4}"/>
+          <p:cNvPr id="2" name="Title 1">
+            <a:extLst>
+              <a:ext uri="{FF2B5EF4-FFF2-40B4-BE49-F238E27FC236}">
+                <a16:creationId xmlns:a16="http://schemas.microsoft.com/office/drawing/2014/main" id="{1048DE46-BAA9-0948-9E8E-0B31E81878B1}"/>
               </a:ext>
             </a:extLst>
           </p:cNvPr>
@@ -7856,132 +9306,105 @@
           </p:cNvSpPr>
           <p:nvPr>
             <p:ph type="title"/>
+          </p:nvPr>
+        </p:nvSpPr>
+        <p:spPr/>
+        <p:txBody>
+          <a:bodyPr/>
+          <a:lstStyle/>
+          <a:p>
+            <a:r>
+              <a:rPr lang="en-US" dirty="0"/>
+              <a:t>Purpose of STIX-D Project</a:t>
+            </a:r>
+          </a:p>
+        </p:txBody>
+      </p:sp>
+      <p:sp>
+        <p:nvSpPr>
+          <p:cNvPr id="3" name="Content Placeholder 2">
+            <a:extLst>
+              <a:ext uri="{FF2B5EF4-FFF2-40B4-BE49-F238E27FC236}">
+                <a16:creationId xmlns:a16="http://schemas.microsoft.com/office/drawing/2014/main" id="{6E149013-1A74-2A88-11D7-00C292314734}"/>
+              </a:ext>
+            </a:extLst>
+          </p:cNvPr>
+          <p:cNvSpPr>
+            <a:spLocks noGrp="1"/>
+          </p:cNvSpPr>
+          <p:nvPr>
+            <p:ph idx="1"/>
           </p:nvPr>
         </p:nvSpPr>
         <p:spPr>
           <a:xfrm>
-            <a:off x="838200" y="365125"/>
-            <a:ext cx="10515600" cy="1325563"/>
+            <a:off x="738976" y="1825625"/>
+            <a:ext cx="10714048" cy="4351338"/>
           </a:xfrm>
         </p:spPr>
         <p:txBody>
           <a:bodyPr/>
           <a:lstStyle/>
           <a:p>
-            <a:r>
-              <a:rPr lang="en-US" dirty="0"/>
-              <a:t>What is CTI?  An ambiguous acronym</a:t>
-            </a:r>
-          </a:p>
-        </p:txBody>
-      </p:sp>
-      <p:sp>
-        <p:nvSpPr>
-          <p:cNvPr id="5" name="Content Placeholder 4">
-            <a:extLst>
-              <a:ext uri="{FF2B5EF4-FFF2-40B4-BE49-F238E27FC236}">
-                <a16:creationId xmlns:a16="http://schemas.microsoft.com/office/drawing/2014/main" id="{6351D63A-16DE-F985-5748-404AFFC58281}"/>
-              </a:ext>
-            </a:extLst>
-          </p:cNvPr>
-          <p:cNvSpPr>
-            <a:spLocks noGrp="1"/>
-          </p:cNvSpPr>
-          <p:nvPr>
-            <p:ph sz="half" idx="1"/>
-          </p:nvPr>
-        </p:nvSpPr>
-        <p:spPr/>
-        <p:txBody>
-          <a:bodyPr/>
-          <a:lstStyle/>
-          <a:p>
-            <a:r>
-              <a:rPr lang="en-US" dirty="0"/>
-              <a:t>Evidence-based knowledge on existing or emerging threats</a:t>
-            </a:r>
-          </a:p>
-          <a:p>
-            <a:r>
-              <a:rPr lang="en-US" dirty="0"/>
-              <a:t>Inform decision makers</a:t>
-            </a:r>
-          </a:p>
-          <a:p>
-            <a:pPr lvl="1"/>
-            <a:r>
-              <a:rPr lang="en-US" dirty="0"/>
-              <a:t>Reactive </a:t>
+            <a:pPr marL="0" indent="0">
+              <a:lnSpc>
+                <a:spcPct val="110000"/>
+              </a:lnSpc>
+              <a:buNone/>
+            </a:pPr>
+            <a:r>
+              <a:rPr lang="en-US" dirty="0"/>
+              <a:t>To develop a Controlled Natural Language (</a:t>
             </a:r>
             <a:r>
               <a:rPr lang="en-US" dirty="0">
-                <a:sym typeface="Wingdings" panose="05000000000000000000" pitchFamily="2" charset="2"/>
+                <a:hlinkClick r:id="rId2"/>
               </a:rPr>
-              <a:t> proactive</a:t>
-            </a:r>
-          </a:p>
-          <a:p>
-            <a:pPr lvl="1"/>
+              <a:t>CNL</a:t>
+            </a:r>
+            <a:r>
+              <a:rPr lang="en-US" dirty="0"/>
+              <a:t>) and necessary tools and databases for Structured Threat Information eXpression (</a:t>
+            </a:r>
             <a:r>
               <a:rPr lang="en-US" dirty="0">
-                <a:sym typeface="Wingdings" panose="05000000000000000000" pitchFamily="2" charset="2"/>
+                <a:hlinkClick r:id="rId3"/>
               </a:rPr>
-              <a:t>Focus resources</a:t>
-            </a:r>
-            <a:endParaRPr lang="en-US" dirty="0"/>
-          </a:p>
-          <a:p>
-            <a:r>
-              <a:rPr lang="en-US" dirty="0"/>
-              <a:t>Cyber Threat In</a:t>
+              <a:t>STIX</a:t>
+            </a:r>
+            <a:r>
+              <a:rPr lang="en-US" dirty="0"/>
+              <a:t>) `descriptions` within the Cyber Threat Intelligence (</a:t>
             </a:r>
             <a:r>
               <a:rPr lang="en-US" dirty="0">
-                <a:solidFill>
-                  <a:schemeClr val="bg1">
-                    <a:lumMod val="75000"/>
-                  </a:schemeClr>
-                </a:solidFill>
+                <a:hlinkClick r:id="rId4"/>
               </a:rPr>
-              <a:t>telligence</a:t>
-            </a:r>
-          </a:p>
-          <a:p>
-            <a:pPr lvl="1"/>
-            <a:r>
-              <a:rPr lang="en-US" dirty="0"/>
-              <a:t>Indicators (atomic data)</a:t>
-            </a:r>
-          </a:p>
-          <a:p>
-            <a:pPr lvl="1"/>
-            <a:r>
-              <a:rPr lang="en-US" dirty="0"/>
-              <a:t>Information (data + context)</a:t>
-            </a:r>
-          </a:p>
-          <a:p>
-            <a:pPr lvl="2"/>
-            <a:r>
-              <a:rPr lang="en-US" dirty="0"/>
-              <a:t>Focus of STIX-D Project</a:t>
-            </a:r>
-          </a:p>
-          <a:p>
-            <a:pPr lvl="1"/>
-            <a:r>
-              <a:rPr lang="en-US" dirty="0"/>
-              <a:t>Intelligence (WHAT?)</a:t>
-            </a:r>
-          </a:p>
-        </p:txBody>
-      </p:sp>
-      <p:sp>
-        <p:nvSpPr>
-          <p:cNvPr id="2" name="Date Placeholder 4">
-            <a:extLst>
-              <a:ext uri="{FF2B5EF4-FFF2-40B4-BE49-F238E27FC236}">
-                <a16:creationId xmlns:a16="http://schemas.microsoft.com/office/drawing/2014/main" id="{ADAC24A3-DD40-DB7C-9244-56DF4BD2CD14}"/>
+              <a:t>CTI</a:t>
+            </a:r>
+            <a:r>
+              <a:rPr lang="en-US" dirty="0"/>
+              <a:t>) domain. The CNL will likely be a subset of Attempto Controlled English (</a:t>
+            </a:r>
+            <a:r>
+              <a:rPr lang="en-US" dirty="0">
+                <a:hlinkClick r:id="rId4"/>
+              </a:rPr>
+              <a:t>ACE</a:t>
+            </a:r>
+            <a:r>
+              <a:rPr lang="en-US" dirty="0"/>
+              <a:t>).</a:t>
+            </a:r>
+          </a:p>
+        </p:txBody>
+      </p:sp>
+      <p:sp>
+        <p:nvSpPr>
+          <p:cNvPr id="4" name="Date Placeholder 3">
+            <a:extLst>
+              <a:ext uri="{FF2B5EF4-FFF2-40B4-BE49-F238E27FC236}">
+                <a16:creationId xmlns:a16="http://schemas.microsoft.com/office/drawing/2014/main" id="{7F802DEF-C8E3-A5AF-0193-586620DE8E49}"/>
               </a:ext>
             </a:extLst>
           </p:cNvPr>
@@ -7992,12 +9415,7 @@
             <p:ph type="dt" sz="half" idx="10"/>
           </p:nvPr>
         </p:nvSpPr>
-        <p:spPr>
-          <a:xfrm>
-            <a:off x="838200" y="6356350"/>
-            <a:ext cx="1371600" cy="365125"/>
-          </a:xfrm>
-        </p:spPr>
+        <p:spPr/>
         <p:txBody>
           <a:bodyPr/>
           <a:lstStyle/>
@@ -8006,16 +9424,15 @@
               <a:rPr lang="en-US"/>
               <a:t>8/12/2024</a:t>
             </a:r>
-            <a:endParaRPr lang="en-US" dirty="0"/>
-          </a:p>
-        </p:txBody>
-      </p:sp>
-      <p:sp>
-        <p:nvSpPr>
-          <p:cNvPr id="3" name="Footer Placeholder 3">
-            <a:extLst>
-              <a:ext uri="{FF2B5EF4-FFF2-40B4-BE49-F238E27FC236}">
-                <a16:creationId xmlns:a16="http://schemas.microsoft.com/office/drawing/2014/main" id="{4CEAF4F6-60DE-2EAD-D209-57D1DE1620D3}"/>
+          </a:p>
+        </p:txBody>
+      </p:sp>
+      <p:sp>
+        <p:nvSpPr>
+          <p:cNvPr id="5" name="Footer Placeholder 4">
+            <a:extLst>
+              <a:ext uri="{FF2B5EF4-FFF2-40B4-BE49-F238E27FC236}">
+                <a16:creationId xmlns:a16="http://schemas.microsoft.com/office/drawing/2014/main" id="{88E7054A-B7AD-8FB3-41E1-A2DBF2F9E66F}"/>
               </a:ext>
             </a:extLst>
           </p:cNvPr>
@@ -8026,12 +9443,7 @@
             <p:ph type="ftr" sz="quarter" idx="11"/>
           </p:nvPr>
         </p:nvSpPr>
-        <p:spPr>
-          <a:xfrm>
-            <a:off x="2667000" y="6356350"/>
-            <a:ext cx="6858000" cy="365125"/>
-          </a:xfrm>
-        </p:spPr>
+        <p:spPr/>
         <p:txBody>
           <a:bodyPr/>
           <a:lstStyle/>
@@ -8040,16 +9452,15 @@
               <a:rPr lang="en-US"/>
               <a:t>https://github.com/ciioprof0/stixd </a:t>
             </a:r>
-            <a:endParaRPr lang="en-US" dirty="0"/>
-          </a:p>
-        </p:txBody>
-      </p:sp>
-      <p:sp>
-        <p:nvSpPr>
-          <p:cNvPr id="7" name="Slide Number Placeholder 5">
-            <a:extLst>
-              <a:ext uri="{FF2B5EF4-FFF2-40B4-BE49-F238E27FC236}">
-                <a16:creationId xmlns:a16="http://schemas.microsoft.com/office/drawing/2014/main" id="{B06220BB-F0B5-DA10-0D74-05BB290EA811}"/>
+          </a:p>
+        </p:txBody>
+      </p:sp>
+      <p:sp>
+        <p:nvSpPr>
+          <p:cNvPr id="6" name="Slide Number Placeholder 5">
+            <a:extLst>
+              <a:ext uri="{FF2B5EF4-FFF2-40B4-BE49-F238E27FC236}">
+                <a16:creationId xmlns:a16="http://schemas.microsoft.com/office/drawing/2014/main" id="{895A4457-6C6D-F3FB-1F1E-FE4E33BDB034}"/>
               </a:ext>
             </a:extLst>
           </p:cNvPr>
@@ -8060,17 +9471,12 @@
             <p:ph type="sldNum" sz="quarter" idx="12"/>
           </p:nvPr>
         </p:nvSpPr>
-        <p:spPr>
-          <a:xfrm>
-            <a:off x="9982200" y="6356350"/>
-            <a:ext cx="1371600" cy="365125"/>
-          </a:xfrm>
-        </p:spPr>
-        <p:txBody>
-          <a:bodyPr/>
-          <a:lstStyle/>
-          <a:p>
-            <a:fld id="{AF56F2E1-774A-4B12-AD76-893078A0F513}" type="slidenum">
+        <p:spPr/>
+        <p:txBody>
+          <a:bodyPr/>
+          <a:lstStyle/>
+          <a:p>
+            <a:fld id="{BA219C19-895B-41AA-B189-1A480F8BE28A}" type="slidenum">
               <a:rPr lang="en-US" smtClean="0"/>
               <a:t>14</a:t>
             </a:fld>
@@ -8078,70 +9484,10 @@
           </a:p>
         </p:txBody>
       </p:sp>
-      <p:sp>
-        <p:nvSpPr>
-          <p:cNvPr id="14" name="Content Placeholder 13">
-            <a:extLst>
-              <a:ext uri="{FF2B5EF4-FFF2-40B4-BE49-F238E27FC236}">
-                <a16:creationId xmlns:a16="http://schemas.microsoft.com/office/drawing/2014/main" id="{5FA4503F-C140-9133-89D2-457CADC6AE0F}"/>
-              </a:ext>
-            </a:extLst>
-          </p:cNvPr>
-          <p:cNvSpPr>
-            <a:spLocks noGrp="1"/>
-          </p:cNvSpPr>
-          <p:nvPr>
-            <p:ph sz="half" idx="2"/>
-          </p:nvPr>
-        </p:nvSpPr>
-        <p:spPr/>
-        <p:txBody>
-          <a:bodyPr/>
-          <a:lstStyle/>
-          <a:p>
-            <a:r>
-              <a:rPr lang="en-US" dirty="0"/>
-              <a:t>Insert flow chart </a:t>
-            </a:r>
-          </a:p>
-          <a:p>
-            <a:pPr lvl="1"/>
-            <a:r>
-              <a:rPr lang="en-US" dirty="0"/>
-              <a:t>Collection </a:t>
-            </a:r>
-            <a:r>
-              <a:rPr lang="en-US" dirty="0">
-                <a:sym typeface="Wingdings" panose="05000000000000000000" pitchFamily="2" charset="2"/>
-              </a:rPr>
-              <a:t> Data</a:t>
-            </a:r>
-          </a:p>
-          <a:p>
-            <a:pPr lvl="1"/>
-            <a:r>
-              <a:rPr lang="en-US" dirty="0">
-                <a:sym typeface="Wingdings" panose="05000000000000000000" pitchFamily="2" charset="2"/>
-              </a:rPr>
-              <a:t>P &amp; E  Information</a:t>
-            </a:r>
-          </a:p>
-          <a:p>
-            <a:pPr lvl="1"/>
-            <a:r>
-              <a:rPr lang="en-US" dirty="0">
-                <a:sym typeface="Wingdings" panose="05000000000000000000" pitchFamily="2" charset="2"/>
-              </a:rPr>
-              <a:t>Analysis  Assessments &amp; Estimates</a:t>
-            </a:r>
-            <a:endParaRPr lang="en-US" dirty="0"/>
-          </a:p>
-        </p:txBody>
-      </p:sp>
     </p:spTree>
     <p:extLst>
       <p:ext uri="{BB962C8B-B14F-4D97-AF65-F5344CB8AC3E}">
-        <p14:creationId xmlns:p14="http://schemas.microsoft.com/office/powerpoint/2010/main" val="1110339113"/>
+        <p14:creationId xmlns:p14="http://schemas.microsoft.com/office/powerpoint/2010/main" val="2682947525"/>
       </p:ext>
     </p:extLst>
   </p:cSld>
@@ -8186,8 +9532,8 @@
         </p:nvSpPr>
         <p:spPr>
           <a:xfrm>
-            <a:off x="838199" y="365125"/>
-            <a:ext cx="10515599" cy="1325563"/>
+            <a:off x="838200" y="365125"/>
+            <a:ext cx="10515600" cy="1325563"/>
           </a:xfrm>
         </p:spPr>
         <p:txBody>
@@ -8196,7 +9542,7 @@
           <a:p>
             <a:r>
               <a:rPr lang="en-US" dirty="0"/>
-              <a:t>What is STIX?</a:t>
+              <a:t>What is CTI?  An ambiguous acronym</a:t>
             </a:r>
           </a:p>
         </p:txBody>
@@ -8217,269 +9563,97 @@
             <p:ph sz="half" idx="1"/>
           </p:nvPr>
         </p:nvSpPr>
-        <p:spPr>
-          <a:xfrm>
-            <a:off x="838200" y="1825624"/>
-            <a:ext cx="5181600" cy="4450185"/>
-          </a:xfrm>
-        </p:spPr>
-        <p:txBody>
-          <a:bodyPr>
-            <a:normAutofit/>
-          </a:bodyPr>
-          <a:lstStyle/>
-          <a:p>
-            <a:pPr>
-              <a:lnSpc>
-                <a:spcPct val="110000"/>
-              </a:lnSpc>
-            </a:pPr>
-            <a:r>
-              <a:rPr lang="en-US" dirty="0"/>
-              <a:t>A language and serialization format for sharing CTI</a:t>
-            </a:r>
-          </a:p>
-          <a:p>
-            <a:pPr>
-              <a:lnSpc>
-                <a:spcPct val="110000"/>
-              </a:lnSpc>
-            </a:pPr>
-            <a:r>
-              <a:rPr lang="en-US" dirty="0"/>
-              <a:t>STIX objects categorize each data with specific attributes</a:t>
-            </a:r>
-          </a:p>
-          <a:p>
-            <a:pPr>
-              <a:lnSpc>
-                <a:spcPct val="110000"/>
-              </a:lnSpc>
-            </a:pPr>
-            <a:r>
-              <a:rPr lang="en-US" dirty="0"/>
-              <a:t>`</a:t>
-            </a:r>
-            <a:r>
-              <a:rPr lang="en-US" b="1" dirty="0">
-                <a:highlight>
-                  <a:srgbClr val="FFFF00"/>
-                </a:highlight>
+        <p:spPr/>
+        <p:txBody>
+          <a:bodyPr/>
+          <a:lstStyle/>
+          <a:p>
+            <a:r>
+              <a:rPr lang="en-US" dirty="0"/>
+              <a:t>Evidence-based knowledge on existing or emerging threats</a:t>
+            </a:r>
+          </a:p>
+          <a:p>
+            <a:r>
+              <a:rPr lang="en-US" dirty="0"/>
+              <a:t>Inform decision makers</a:t>
+            </a:r>
+          </a:p>
+          <a:p>
+            <a:pPr lvl="1"/>
+            <a:r>
+              <a:rPr lang="en-US" dirty="0"/>
+              <a:t>Reactive </a:t>
+            </a:r>
+            <a:r>
+              <a:rPr lang="en-US" dirty="0">
+                <a:sym typeface="Wingdings" panose="05000000000000000000" pitchFamily="2" charset="2"/>
               </a:rPr>
-              <a:t>description</a:t>
-            </a:r>
-            <a:r>
-              <a:rPr lang="en-US" dirty="0"/>
-              <a:t>` field (optional)</a:t>
-            </a:r>
-          </a:p>
-          <a:p>
-            <a:pPr lvl="1">
-              <a:lnSpc>
-                <a:spcPct val="110000"/>
-              </a:lnSpc>
-            </a:pPr>
-            <a:r>
-              <a:rPr lang="en-US" dirty="0"/>
-              <a:t>Natural language ‘free’ text</a:t>
-            </a:r>
-          </a:p>
-          <a:p>
-            <a:pPr lvl="1">
-              <a:lnSpc>
-                <a:spcPct val="110000"/>
-              </a:lnSpc>
-            </a:pPr>
-            <a:r>
-              <a:rPr lang="en-US" dirty="0"/>
-              <a:t>Provides more details &amp; context</a:t>
-            </a:r>
-          </a:p>
-          <a:p>
-            <a:pPr lvl="2">
-              <a:lnSpc>
-                <a:spcPct val="110000"/>
-              </a:lnSpc>
-            </a:pPr>
-            <a:r>
-              <a:rPr lang="en-US" dirty="0"/>
-              <a:t>Purpose &amp; key characteristics</a:t>
-            </a:r>
-          </a:p>
-          <a:p>
-            <a:pPr lvl="2">
-              <a:lnSpc>
-                <a:spcPct val="110000"/>
-              </a:lnSpc>
-            </a:pPr>
-            <a:r>
-              <a:rPr lang="en-US" dirty="0"/>
-              <a:t>How used; relation to other objects</a:t>
-            </a:r>
-          </a:p>
-        </p:txBody>
-      </p:sp>
-      <p:sp>
-        <p:nvSpPr>
-          <p:cNvPr id="6" name="Content Placeholder 5">
-            <a:extLst>
-              <a:ext uri="{FF2B5EF4-FFF2-40B4-BE49-F238E27FC236}">
-                <a16:creationId xmlns:a16="http://schemas.microsoft.com/office/drawing/2014/main" id="{ADB8130C-3A36-E3C0-454A-CA6D348055F2}"/>
-              </a:ext>
-            </a:extLst>
-          </p:cNvPr>
-          <p:cNvSpPr>
-            <a:spLocks noGrp="1"/>
-          </p:cNvSpPr>
-          <p:nvPr>
-            <p:ph sz="half" idx="2"/>
-          </p:nvPr>
-        </p:nvSpPr>
-        <p:spPr>
-          <a:xfrm>
-            <a:off x="6272213" y="1690688"/>
-            <a:ext cx="5872170" cy="4501356"/>
-          </a:xfrm>
-        </p:spPr>
-        <p:txBody>
-          <a:bodyPr>
-            <a:normAutofit/>
-          </a:bodyPr>
-          <a:lstStyle/>
-          <a:p>
-            <a:pPr marL="0" indent="0" defTabSz="228600">
-              <a:buNone/>
-            </a:pPr>
-            <a:r>
-              <a:rPr lang="en-US" sz="1800" dirty="0">
-                <a:latin typeface="Aptos Mono" panose="020B0009020202020204" pitchFamily="49" charset="0"/>
+              <a:t> proactive</a:t>
+            </a:r>
+          </a:p>
+          <a:p>
+            <a:pPr lvl="1"/>
+            <a:r>
+              <a:rPr lang="en-US" dirty="0">
+                <a:sym typeface="Wingdings" panose="05000000000000000000" pitchFamily="2" charset="2"/>
               </a:rPr>
-              <a:t>{</a:t>
-            </a:r>
-          </a:p>
-          <a:p>
-            <a:pPr marL="0" indent="0" defTabSz="228600">
-              <a:buNone/>
-            </a:pPr>
-            <a:r>
-              <a:rPr lang="en-US" sz="1800" dirty="0">
-                <a:latin typeface="Aptos Mono" panose="020B0009020202020204" pitchFamily="49" charset="0"/>
+              <a:t>Focus resources</a:t>
+            </a:r>
+            <a:endParaRPr lang="en-US" dirty="0"/>
+          </a:p>
+          <a:p>
+            <a:r>
+              <a:rPr lang="en-US" dirty="0"/>
+              <a:t>Cyber Threat In</a:t>
+            </a:r>
+            <a:r>
+              <a:rPr lang="en-US" dirty="0">
+                <a:solidFill>
+                  <a:schemeClr val="bg1">
+                    <a:lumMod val="75000"/>
+                  </a:schemeClr>
+                </a:solidFill>
               </a:rPr>
-              <a:t> "type": "campaign",</a:t>
-            </a:r>
-          </a:p>
-          <a:p>
-            <a:pPr marL="0" indent="0" defTabSz="228600">
-              <a:buNone/>
-            </a:pPr>
-            <a:r>
-              <a:rPr lang="en-US" sz="1800" dirty="0">
-                <a:latin typeface="Aptos Mono" panose="020B0009020202020204" pitchFamily="49" charset="0"/>
-              </a:rPr>
-              <a:t> "id": "campaign--8e2e2d2b-17d4-4cbf-938f-98ee46b3cd3f",</a:t>
-            </a:r>
-          </a:p>
-          <a:p>
-            <a:pPr marL="0" indent="0" defTabSz="228600">
-              <a:buNone/>
-            </a:pPr>
-            <a:r>
-              <a:rPr lang="en-US" sz="1800" dirty="0">
-                <a:latin typeface="Aptos Mono" panose="020B0009020202020204" pitchFamily="49" charset="0"/>
-              </a:rPr>
-              <a:t> "</a:t>
-            </a:r>
-            <a:r>
-              <a:rPr lang="en-US" sz="1800" dirty="0" err="1">
-                <a:latin typeface="Aptos Mono" panose="020B0009020202020204" pitchFamily="49" charset="0"/>
-              </a:rPr>
-              <a:t>spec_version</a:t>
-            </a:r>
-            <a:r>
-              <a:rPr lang="en-US" sz="1800" dirty="0">
-                <a:latin typeface="Aptos Mono" panose="020B0009020202020204" pitchFamily="49" charset="0"/>
-              </a:rPr>
-              <a:t>": "2.1",</a:t>
-            </a:r>
-          </a:p>
-          <a:p>
-            <a:pPr marL="0" indent="0" defTabSz="228600">
-              <a:buNone/>
-            </a:pPr>
-            <a:r>
-              <a:rPr lang="en-US" sz="1800" dirty="0">
-                <a:latin typeface="Aptos Mono" panose="020B0009020202020204" pitchFamily="49" charset="0"/>
-              </a:rPr>
-              <a:t> "created": "2016-04-06T20:03:00.000Z",</a:t>
-            </a:r>
-          </a:p>
-          <a:p>
-            <a:pPr marL="0" indent="0" defTabSz="228600">
-              <a:buNone/>
-            </a:pPr>
-            <a:r>
-              <a:rPr lang="en-US" sz="1800" dirty="0">
-                <a:latin typeface="Aptos Mono" panose="020B0009020202020204" pitchFamily="49" charset="0"/>
-              </a:rPr>
-              <a:t> "modified": "2016-04-06T20:03:23.000Z",</a:t>
-            </a:r>
-          </a:p>
-          <a:p>
-            <a:pPr marL="0" indent="0" defTabSz="228600">
-              <a:buNone/>
-            </a:pPr>
-            <a:r>
-              <a:rPr lang="en-US" sz="1800" dirty="0">
-                <a:latin typeface="Aptos Mono" panose="020B0009020202020204" pitchFamily="49" charset="0"/>
-              </a:rPr>
-              <a:t> "name": "Green Group Attacks Against Finance",</a:t>
-            </a:r>
-          </a:p>
-          <a:p>
-            <a:pPr marL="0" indent="0" defTabSz="228600">
-              <a:buNone/>
-            </a:pPr>
-            <a:r>
-              <a:rPr lang="en-US" sz="1800" dirty="0">
-                <a:latin typeface="Aptos Mono" panose="020B0009020202020204" pitchFamily="49" charset="0"/>
-              </a:rPr>
-              <a:t>  "</a:t>
-            </a:r>
-            <a:r>
-              <a:rPr lang="en-US" sz="1800" b="1" dirty="0">
-                <a:highlight>
-                  <a:srgbClr val="FFFF00"/>
-                </a:highlight>
-                <a:latin typeface="Aptos Mono" panose="020B0009020202020204" pitchFamily="49" charset="0"/>
-              </a:rPr>
-              <a:t>description</a:t>
-            </a:r>
-            <a:r>
-              <a:rPr lang="en-US" sz="1800" dirty="0">
-                <a:latin typeface="Aptos Mono" panose="020B0009020202020204" pitchFamily="49" charset="0"/>
-              </a:rPr>
-              <a:t>": "Campaign by Green Group against targets in the financial services sector."</a:t>
-            </a:r>
-          </a:p>
-          <a:p>
-            <a:pPr marL="0" indent="0" defTabSz="228600">
-              <a:buNone/>
-            </a:pPr>
-            <a:r>
-              <a:rPr lang="en-US" sz="1800" dirty="0">
-                <a:latin typeface="Aptos Mono" panose="020B0009020202020204" pitchFamily="49" charset="0"/>
-              </a:rPr>
-              <a:t>}</a:t>
-            </a:r>
-          </a:p>
-        </p:txBody>
-      </p:sp>
-      <p:sp>
-        <p:nvSpPr>
-          <p:cNvPr id="12" name="Date Placeholder 4">
-            <a:extLst>
-              <a:ext uri="{FF2B5EF4-FFF2-40B4-BE49-F238E27FC236}">
-                <a16:creationId xmlns:a16="http://schemas.microsoft.com/office/drawing/2014/main" id="{4A87B0AE-44FD-36F0-A5EA-7A33674AEE01}"/>
+              <a:t>telligence</a:t>
+            </a:r>
+          </a:p>
+          <a:p>
+            <a:pPr lvl="1"/>
+            <a:r>
+              <a:rPr lang="en-US" dirty="0"/>
+              <a:t>Indicators (atomic data)</a:t>
+            </a:r>
+          </a:p>
+          <a:p>
+            <a:pPr lvl="1"/>
+            <a:r>
+              <a:rPr lang="en-US" dirty="0"/>
+              <a:t>Information (data + context)</a:t>
+            </a:r>
+          </a:p>
+          <a:p>
+            <a:pPr lvl="2"/>
+            <a:r>
+              <a:rPr lang="en-US" dirty="0"/>
+              <a:t>Focus of STIX-D Project</a:t>
+            </a:r>
+          </a:p>
+          <a:p>
+            <a:pPr lvl="1"/>
+            <a:r>
+              <a:rPr lang="en-US" dirty="0"/>
+              <a:t>Intelligence (WHAT?)</a:t>
+            </a:r>
+          </a:p>
+        </p:txBody>
+      </p:sp>
+      <p:sp>
+        <p:nvSpPr>
+          <p:cNvPr id="2" name="Date Placeholder 4">
+            <a:extLst>
+              <a:ext uri="{FF2B5EF4-FFF2-40B4-BE49-F238E27FC236}">
+                <a16:creationId xmlns:a16="http://schemas.microsoft.com/office/drawing/2014/main" id="{ADAC24A3-DD40-DB7C-9244-56DF4BD2CD14}"/>
               </a:ext>
             </a:extLst>
           </p:cNvPr>
@@ -8493,7 +9667,7 @@
         <p:spPr>
           <a:xfrm>
             <a:off x="838200" y="6356350"/>
-            <a:ext cx="1326356" cy="365125"/>
+            <a:ext cx="1371600" cy="365125"/>
           </a:xfrm>
         </p:spPr>
         <p:txBody>
@@ -8510,10 +9684,10 @@
       </p:sp>
       <p:sp>
         <p:nvSpPr>
-          <p:cNvPr id="13" name="Footer Placeholder 3">
-            <a:extLst>
-              <a:ext uri="{FF2B5EF4-FFF2-40B4-BE49-F238E27FC236}">
-                <a16:creationId xmlns:a16="http://schemas.microsoft.com/office/drawing/2014/main" id="{3F14F248-85A8-7DB2-CA8F-A6FCE526D408}"/>
+          <p:cNvPr id="3" name="Footer Placeholder 3">
+            <a:extLst>
+              <a:ext uri="{FF2B5EF4-FFF2-40B4-BE49-F238E27FC236}">
+                <a16:creationId xmlns:a16="http://schemas.microsoft.com/office/drawing/2014/main" id="{4CEAF4F6-60DE-2EAD-D209-57D1DE1620D3}"/>
               </a:ext>
             </a:extLst>
           </p:cNvPr>
@@ -8526,8 +9700,8 @@
         </p:nvSpPr>
         <p:spPr>
           <a:xfrm>
-            <a:off x="2105025" y="6356350"/>
-            <a:ext cx="7981950" cy="365125"/>
+            <a:off x="2667000" y="6356350"/>
+            <a:ext cx="6858000" cy="365125"/>
           </a:xfrm>
         </p:spPr>
         <p:txBody>
@@ -8544,10 +9718,10 @@
       </p:sp>
       <p:sp>
         <p:nvSpPr>
-          <p:cNvPr id="14" name="Slide Number Placeholder 5">
-            <a:extLst>
-              <a:ext uri="{FF2B5EF4-FFF2-40B4-BE49-F238E27FC236}">
-                <a16:creationId xmlns:a16="http://schemas.microsoft.com/office/drawing/2014/main" id="{C83C4941-547E-8C17-0362-221CDB8C3D11}"/>
+          <p:cNvPr id="7" name="Slide Number Placeholder 5">
+            <a:extLst>
+              <a:ext uri="{FF2B5EF4-FFF2-40B4-BE49-F238E27FC236}">
+                <a16:creationId xmlns:a16="http://schemas.microsoft.com/office/drawing/2014/main" id="{B06220BB-F0B5-DA10-0D74-05BB290EA811}"/>
               </a:ext>
             </a:extLst>
           </p:cNvPr>
@@ -8560,8 +9734,8 @@
         </p:nvSpPr>
         <p:spPr>
           <a:xfrm>
-            <a:off x="9965530" y="6356350"/>
-            <a:ext cx="1388269" cy="365125"/>
+            <a:off x="9982200" y="6356350"/>
+            <a:ext cx="1371600" cy="365125"/>
           </a:xfrm>
         </p:spPr>
         <p:txBody>
@@ -8572,6 +9746,66 @@
               <a:rPr lang="en-US" smtClean="0"/>
               <a:t>15</a:t>
             </a:fld>
+            <a:endParaRPr lang="en-US"/>
+          </a:p>
+        </p:txBody>
+      </p:sp>
+      <p:sp>
+        <p:nvSpPr>
+          <p:cNvPr id="14" name="Content Placeholder 13">
+            <a:extLst>
+              <a:ext uri="{FF2B5EF4-FFF2-40B4-BE49-F238E27FC236}">
+                <a16:creationId xmlns:a16="http://schemas.microsoft.com/office/drawing/2014/main" id="{5FA4503F-C140-9133-89D2-457CADC6AE0F}"/>
+              </a:ext>
+            </a:extLst>
+          </p:cNvPr>
+          <p:cNvSpPr>
+            <a:spLocks noGrp="1"/>
+          </p:cNvSpPr>
+          <p:nvPr>
+            <p:ph sz="half" idx="2"/>
+          </p:nvPr>
+        </p:nvSpPr>
+        <p:spPr/>
+        <p:txBody>
+          <a:bodyPr/>
+          <a:lstStyle/>
+          <a:p>
+            <a:r>
+              <a:rPr lang="en-US" dirty="0"/>
+              <a:t>Insert flow chart </a:t>
+            </a:r>
+          </a:p>
+          <a:p>
+            <a:pPr lvl="1"/>
+            <a:r>
+              <a:rPr lang="en-US" dirty="0"/>
+              <a:t>Collection </a:t>
+            </a:r>
+            <a:r>
+              <a:rPr lang="en-US" dirty="0">
+                <a:sym typeface="Wingdings" panose="05000000000000000000" pitchFamily="2" charset="2"/>
+              </a:rPr>
+              <a:t> Data</a:t>
+            </a:r>
+          </a:p>
+          <a:p>
+            <a:pPr lvl="1"/>
+            <a:r>
+              <a:rPr lang="en-US" dirty="0">
+                <a:sym typeface="Wingdings" panose="05000000000000000000" pitchFamily="2" charset="2"/>
+              </a:rPr>
+              <a:t>P &amp; E  Information</a:t>
+            </a:r>
+          </a:p>
+          <a:p>
+            <a:pPr lvl="1"/>
+            <a:r>
+              <a:rPr lang="en-US" dirty="0">
+                <a:sym typeface="Wingdings" panose="05000000000000000000" pitchFamily="2" charset="2"/>
+              </a:rPr>
+              <a:t>Analysis  Assessments &amp; Estimates</a:t>
+            </a:r>
             <a:endParaRPr lang="en-US" dirty="0"/>
           </a:p>
         </p:txBody>
@@ -8579,7 +9813,7 @@
     </p:spTree>
     <p:extLst>
       <p:ext uri="{BB962C8B-B14F-4D97-AF65-F5344CB8AC3E}">
-        <p14:creationId xmlns:p14="http://schemas.microsoft.com/office/powerpoint/2010/main" val="2542790665"/>
+        <p14:creationId xmlns:p14="http://schemas.microsoft.com/office/powerpoint/2010/main" val="1110339113"/>
       </p:ext>
     </p:extLst>
   </p:cSld>
@@ -8608,10 +9842,10 @@
       </p:grpSpPr>
       <p:sp>
         <p:nvSpPr>
-          <p:cNvPr id="5" name="Title 4">
-            <a:extLst>
-              <a:ext uri="{FF2B5EF4-FFF2-40B4-BE49-F238E27FC236}">
-                <a16:creationId xmlns:a16="http://schemas.microsoft.com/office/drawing/2014/main" id="{5B18A1D2-3876-0719-7500-5E9E67A9594C}"/>
+          <p:cNvPr id="4" name="Title 3">
+            <a:extLst>
+              <a:ext uri="{FF2B5EF4-FFF2-40B4-BE49-F238E27FC236}">
+                <a16:creationId xmlns:a16="http://schemas.microsoft.com/office/drawing/2014/main" id="{FC6D84FF-15CA-4EC4-5B67-C619C7FCE0D4}"/>
               </a:ext>
             </a:extLst>
           </p:cNvPr>
@@ -8624,8 +9858,8 @@
         </p:nvSpPr>
         <p:spPr>
           <a:xfrm>
-            <a:off x="838200" y="365125"/>
-            <a:ext cx="10515600" cy="1325563"/>
+            <a:off x="838199" y="365125"/>
+            <a:ext cx="10515599" cy="1325563"/>
           </a:xfrm>
         </p:spPr>
         <p:txBody>
@@ -8634,139 +9868,290 @@
           <a:p>
             <a:r>
               <a:rPr lang="en-US" dirty="0"/>
-              <a:t>STIX Description Examples</a:t>
-            </a:r>
-          </a:p>
-        </p:txBody>
-      </p:sp>
-      <p:sp>
-        <p:nvSpPr>
-          <p:cNvPr id="6" name="Content Placeholder 5">
-            <a:extLst>
-              <a:ext uri="{FF2B5EF4-FFF2-40B4-BE49-F238E27FC236}">
-                <a16:creationId xmlns:a16="http://schemas.microsoft.com/office/drawing/2014/main" id="{86594D18-1930-7931-CDDB-5219CB81B02E}"/>
-              </a:ext>
-            </a:extLst>
-          </p:cNvPr>
-          <p:cNvSpPr>
-            <a:spLocks noGrp="1"/>
-          </p:cNvSpPr>
-          <p:nvPr>
-            <p:ph idx="1"/>
-          </p:nvPr>
-        </p:nvSpPr>
-        <p:spPr/>
+              <a:t>What is STIX?</a:t>
+            </a:r>
+          </a:p>
+        </p:txBody>
+      </p:sp>
+      <p:sp>
+        <p:nvSpPr>
+          <p:cNvPr id="5" name="Content Placeholder 4">
+            <a:extLst>
+              <a:ext uri="{FF2B5EF4-FFF2-40B4-BE49-F238E27FC236}">
+                <a16:creationId xmlns:a16="http://schemas.microsoft.com/office/drawing/2014/main" id="{6351D63A-16DE-F985-5748-404AFFC58281}"/>
+              </a:ext>
+            </a:extLst>
+          </p:cNvPr>
+          <p:cNvSpPr>
+            <a:spLocks noGrp="1"/>
+          </p:cNvSpPr>
+          <p:nvPr>
+            <p:ph sz="half" idx="1"/>
+          </p:nvPr>
+        </p:nvSpPr>
+        <p:spPr>
+          <a:xfrm>
+            <a:off x="838200" y="1825624"/>
+            <a:ext cx="5181600" cy="4450185"/>
+          </a:xfrm>
+        </p:spPr>
         <p:txBody>
           <a:bodyPr>
             <a:normAutofit/>
           </a:bodyPr>
           <a:lstStyle/>
           <a:p>
-            <a:pPr marL="0" indent="0">
-              <a:buNone/>
+            <a:pPr>
+              <a:lnSpc>
+                <a:spcPct val="110000"/>
+              </a:lnSpc>
             </a:pPr>
             <a:r>
-              <a:rPr lang="en-US" sz="1800" dirty="0">
-                <a:solidFill>
-                  <a:srgbClr val="000000"/>
-                </a:solidFill>
-                <a:effectLst/>
-                <a:latin typeface="Consolas" panose="020B0609020204030204" pitchFamily="49" charset="0"/>
+              <a:rPr lang="en-US" dirty="0"/>
+              <a:t>A language and serialization format for sharing CTI</a:t>
+            </a:r>
+          </a:p>
+          <a:p>
+            <a:pPr>
+              <a:lnSpc>
+                <a:spcPct val="110000"/>
+              </a:lnSpc>
+            </a:pPr>
+            <a:r>
+              <a:rPr lang="en-US" dirty="0"/>
+              <a:t>STIX objects categorize each data with specific attributes</a:t>
+            </a:r>
+          </a:p>
+          <a:p>
+            <a:pPr>
+              <a:lnSpc>
+                <a:spcPct val="110000"/>
+              </a:lnSpc>
+            </a:pPr>
+            <a:r>
+              <a:rPr lang="en-US" dirty="0"/>
+              <a:t>`</a:t>
+            </a:r>
+            <a:r>
+              <a:rPr lang="en-US" b="1" dirty="0">
+                <a:highlight>
+                  <a:srgbClr val="FFFF00"/>
+                </a:highlight>
               </a:rPr>
-              <a:t>1. "description": "A variant of the </a:t>
-            </a:r>
-            <a:r>
-              <a:rPr lang="en-US" sz="1800" dirty="0" err="1">
-                <a:solidFill>
-                  <a:srgbClr val="000000"/>
-                </a:solidFill>
-                <a:effectLst/>
-                <a:latin typeface="Consolas" panose="020B0609020204030204" pitchFamily="49" charset="0"/>
-              </a:rPr>
-              <a:t>cryptolocker</a:t>
-            </a:r>
-            <a:r>
-              <a:rPr lang="en-US" sz="1800" dirty="0">
-                <a:solidFill>
-                  <a:srgbClr val="000000"/>
-                </a:solidFill>
-                <a:effectLst/>
-                <a:latin typeface="Consolas" panose="020B0609020204030204" pitchFamily="49" charset="0"/>
-              </a:rPr>
-              <a:t> family"</a:t>
-            </a:r>
-            <a:endParaRPr lang="en-US" sz="1800" dirty="0">
-              <a:latin typeface="Aptos Mono" panose="020B0009020202020204" pitchFamily="49" charset="0"/>
-            </a:endParaRPr>
-          </a:p>
-          <a:p>
-            <a:pPr marL="0" indent="0">
+              <a:t>description</a:t>
+            </a:r>
+            <a:r>
+              <a:rPr lang="en-US" dirty="0"/>
+              <a:t>` field (optional)</a:t>
+            </a:r>
+          </a:p>
+          <a:p>
+            <a:pPr lvl="1">
+              <a:lnSpc>
+                <a:spcPct val="110000"/>
+              </a:lnSpc>
+            </a:pPr>
+            <a:r>
+              <a:rPr lang="en-US" dirty="0"/>
+              <a:t>Natural language ‘free’ text</a:t>
+            </a:r>
+          </a:p>
+          <a:p>
+            <a:pPr lvl="1">
+              <a:lnSpc>
+                <a:spcPct val="110000"/>
+              </a:lnSpc>
+            </a:pPr>
+            <a:r>
+              <a:rPr lang="en-US" dirty="0"/>
+              <a:t>Provides more details &amp; context</a:t>
+            </a:r>
+          </a:p>
+          <a:p>
+            <a:pPr lvl="2">
+              <a:lnSpc>
+                <a:spcPct val="110000"/>
+              </a:lnSpc>
+            </a:pPr>
+            <a:r>
+              <a:rPr lang="en-US" dirty="0"/>
+              <a:t>Purpose &amp; key characteristics</a:t>
+            </a:r>
+          </a:p>
+          <a:p>
+            <a:pPr lvl="2">
+              <a:lnSpc>
+                <a:spcPct val="110000"/>
+              </a:lnSpc>
+            </a:pPr>
+            <a:r>
+              <a:rPr lang="en-US" dirty="0"/>
+              <a:t>How used; relation to other objects</a:t>
+            </a:r>
+          </a:p>
+        </p:txBody>
+      </p:sp>
+      <p:sp>
+        <p:nvSpPr>
+          <p:cNvPr id="6" name="Content Placeholder 5">
+            <a:extLst>
+              <a:ext uri="{FF2B5EF4-FFF2-40B4-BE49-F238E27FC236}">
+                <a16:creationId xmlns:a16="http://schemas.microsoft.com/office/drawing/2014/main" id="{ADB8130C-3A36-E3C0-454A-CA6D348055F2}"/>
+              </a:ext>
+            </a:extLst>
+          </p:cNvPr>
+          <p:cNvSpPr>
+            <a:spLocks noGrp="1"/>
+          </p:cNvSpPr>
+          <p:nvPr>
+            <p:ph sz="half" idx="2"/>
+          </p:nvPr>
+        </p:nvSpPr>
+        <p:spPr>
+          <a:xfrm>
+            <a:off x="6272213" y="1690688"/>
+            <a:ext cx="5872170" cy="4501356"/>
+          </a:xfrm>
+        </p:spPr>
+        <p:txBody>
+          <a:bodyPr>
+            <a:normAutofit/>
+          </a:bodyPr>
+          <a:lstStyle/>
+          <a:p>
+            <a:pPr marL="0" indent="0" defTabSz="228600">
               <a:buNone/>
             </a:pPr>
             <a:r>
               <a:rPr lang="en-US" sz="1800" dirty="0">
                 <a:latin typeface="Aptos Mono" panose="020B0009020202020204" pitchFamily="49" charset="0"/>
               </a:rPr>
-              <a:t>2. "description": "The Evil Org threat actor group"</a:t>
-            </a:r>
-          </a:p>
-          <a:p>
-            <a:pPr marL="0" indent="0">
+              <a:t>{</a:t>
+            </a:r>
+          </a:p>
+          <a:p>
+            <a:pPr marL="0" indent="0" defTabSz="228600">
               <a:buNone/>
             </a:pPr>
             <a:r>
               <a:rPr lang="en-US" sz="1800" dirty="0">
                 <a:latin typeface="Aptos Mono" panose="020B0009020202020204" pitchFamily="49" charset="0"/>
               </a:rPr>
-              <a:t>3. "description": "This file is part of Poison Ivy“</a:t>
-            </a:r>
-          </a:p>
-          <a:p>
-            <a:pPr marL="0" indent="0">
-              <a:buNone/>
-            </a:pPr>
-            <a:endParaRPr lang="en-US" sz="1800" dirty="0">
-              <a:latin typeface="Aptos Mono" panose="020B0009020202020204" pitchFamily="49" charset="0"/>
-            </a:endParaRPr>
-          </a:p>
-          <a:p>
-            <a:pPr marL="0" indent="0">
+              <a:t> "type": "campaign",</a:t>
+            </a:r>
+          </a:p>
+          <a:p>
+            <a:pPr marL="0" indent="0" defTabSz="228600">
               <a:buNone/>
             </a:pPr>
             <a:r>
               <a:rPr lang="en-US" sz="1800" dirty="0">
                 <a:latin typeface="Aptos Mono" panose="020B0009020202020204" pitchFamily="49" charset="0"/>
               </a:rPr>
-              <a:t>4. "description": "A particular form of spear phishing where the attacker claims that the target had won a contest, including personal details, to get them to click on a link."</a:t>
-            </a:r>
-          </a:p>
-          <a:p>
-            <a:pPr marL="0" indent="0">
-              <a:buNone/>
-            </a:pPr>
-            <a:endParaRPr lang="en-US" sz="1800" dirty="0">
-              <a:latin typeface="Aptos Mono" panose="020B0009020202020204" pitchFamily="49" charset="0"/>
-            </a:endParaRPr>
-          </a:p>
-          <a:p>
-            <a:pPr marL="0" indent="0">
+              <a:t> "id": "campaign--8e2e2d2b-17d4-4cbf-938f-98ee46b3cd3f",</a:t>
+            </a:r>
+          </a:p>
+          <a:p>
+            <a:pPr marL="0" indent="0" defTabSz="228600">
               <a:buNone/>
             </a:pPr>
             <a:r>
               <a:rPr lang="en-US" sz="1800" dirty="0">
                 <a:latin typeface="Aptos Mono" panose="020B0009020202020204" pitchFamily="49" charset="0"/>
               </a:rPr>
-              <a:t>5. "description": "Incidents usually feature a shared TTP of a wildcat being released within the building containing network access, scaring users to leave their computers without locking them first. Still determining where the threat actors are getting the wildcats."</a:t>
-            </a:r>
-          </a:p>
-        </p:txBody>
-      </p:sp>
-      <p:sp>
-        <p:nvSpPr>
-          <p:cNvPr id="2" name="Date Placeholder 4">
-            <a:extLst>
-              <a:ext uri="{FF2B5EF4-FFF2-40B4-BE49-F238E27FC236}">
-                <a16:creationId xmlns:a16="http://schemas.microsoft.com/office/drawing/2014/main" id="{4479A1DF-4803-FB11-B033-32E1F66D3286}"/>
+              <a:t> "</a:t>
+            </a:r>
+            <a:r>
+              <a:rPr lang="en-US" sz="1800" dirty="0" err="1">
+                <a:latin typeface="Aptos Mono" panose="020B0009020202020204" pitchFamily="49" charset="0"/>
+              </a:rPr>
+              <a:t>spec_version</a:t>
+            </a:r>
+            <a:r>
+              <a:rPr lang="en-US" sz="1800" dirty="0">
+                <a:latin typeface="Aptos Mono" panose="020B0009020202020204" pitchFamily="49" charset="0"/>
+              </a:rPr>
+              <a:t>": "2.1",</a:t>
+            </a:r>
+          </a:p>
+          <a:p>
+            <a:pPr marL="0" indent="0" defTabSz="228600">
+              <a:buNone/>
+            </a:pPr>
+            <a:r>
+              <a:rPr lang="en-US" sz="1800" dirty="0">
+                <a:latin typeface="Aptos Mono" panose="020B0009020202020204" pitchFamily="49" charset="0"/>
+              </a:rPr>
+              <a:t> "created": "2016-04-06T20:03:00.000Z",</a:t>
+            </a:r>
+          </a:p>
+          <a:p>
+            <a:pPr marL="0" indent="0" defTabSz="228600">
+              <a:buNone/>
+            </a:pPr>
+            <a:r>
+              <a:rPr lang="en-US" sz="1800" dirty="0">
+                <a:latin typeface="Aptos Mono" panose="020B0009020202020204" pitchFamily="49" charset="0"/>
+              </a:rPr>
+              <a:t> "modified": "2016-04-06T20:03:23.000Z",</a:t>
+            </a:r>
+          </a:p>
+          <a:p>
+            <a:pPr marL="0" indent="0" defTabSz="228600">
+              <a:buNone/>
+            </a:pPr>
+            <a:r>
+              <a:rPr lang="en-US" sz="1800" dirty="0">
+                <a:latin typeface="Aptos Mono" panose="020B0009020202020204" pitchFamily="49" charset="0"/>
+              </a:rPr>
+              <a:t> "name": "Green Group Attacks Against Finance",</a:t>
+            </a:r>
+          </a:p>
+          <a:p>
+            <a:pPr marL="0" indent="0" defTabSz="228600">
+              <a:buNone/>
+            </a:pPr>
+            <a:r>
+              <a:rPr lang="en-US" sz="1800" dirty="0">
+                <a:latin typeface="Aptos Mono" panose="020B0009020202020204" pitchFamily="49" charset="0"/>
+              </a:rPr>
+              <a:t>  "</a:t>
+            </a:r>
+            <a:r>
+              <a:rPr lang="en-US" sz="1800" b="1" dirty="0">
+                <a:highlight>
+                  <a:srgbClr val="FFFF00"/>
+                </a:highlight>
+                <a:latin typeface="Aptos Mono" panose="020B0009020202020204" pitchFamily="49" charset="0"/>
+              </a:rPr>
+              <a:t>description</a:t>
+            </a:r>
+            <a:r>
+              <a:rPr lang="en-US" sz="1800" dirty="0">
+                <a:latin typeface="Aptos Mono" panose="020B0009020202020204" pitchFamily="49" charset="0"/>
+              </a:rPr>
+              <a:t>": "Campaign by Green Group against targets in the financial services sector."</a:t>
+            </a:r>
+          </a:p>
+          <a:p>
+            <a:pPr marL="0" indent="0" defTabSz="228600">
+              <a:buNone/>
+            </a:pPr>
+            <a:r>
+              <a:rPr lang="en-US" sz="1800" dirty="0">
+                <a:latin typeface="Aptos Mono" panose="020B0009020202020204" pitchFamily="49" charset="0"/>
+              </a:rPr>
+              <a:t>}</a:t>
+            </a:r>
+          </a:p>
+        </p:txBody>
+      </p:sp>
+      <p:sp>
+        <p:nvSpPr>
+          <p:cNvPr id="12" name="Date Placeholder 4">
+            <a:extLst>
+              <a:ext uri="{FF2B5EF4-FFF2-40B4-BE49-F238E27FC236}">
+                <a16:creationId xmlns:a16="http://schemas.microsoft.com/office/drawing/2014/main" id="{4A87B0AE-44FD-36F0-A5EA-7A33674AEE01}"/>
               </a:ext>
             </a:extLst>
           </p:cNvPr>
@@ -8780,7 +10165,7 @@
         <p:spPr>
           <a:xfrm>
             <a:off x="838200" y="6356350"/>
-            <a:ext cx="1371600" cy="365125"/>
+            <a:ext cx="1326356" cy="365125"/>
           </a:xfrm>
         </p:spPr>
         <p:txBody>
@@ -8797,10 +10182,10 @@
       </p:sp>
       <p:sp>
         <p:nvSpPr>
-          <p:cNvPr id="3" name="Footer Placeholder 3">
-            <a:extLst>
-              <a:ext uri="{FF2B5EF4-FFF2-40B4-BE49-F238E27FC236}">
-                <a16:creationId xmlns:a16="http://schemas.microsoft.com/office/drawing/2014/main" id="{4C35704A-7230-0438-F360-37BF17FD3794}"/>
+          <p:cNvPr id="13" name="Footer Placeholder 3">
+            <a:extLst>
+              <a:ext uri="{FF2B5EF4-FFF2-40B4-BE49-F238E27FC236}">
+                <a16:creationId xmlns:a16="http://schemas.microsoft.com/office/drawing/2014/main" id="{3F14F248-85A8-7DB2-CA8F-A6FCE526D408}"/>
               </a:ext>
             </a:extLst>
           </p:cNvPr>
@@ -8813,8 +10198,8 @@
         </p:nvSpPr>
         <p:spPr>
           <a:xfrm>
-            <a:off x="2667000" y="6356350"/>
-            <a:ext cx="6858000" cy="365125"/>
+            <a:off x="2105025" y="6356350"/>
+            <a:ext cx="7981950" cy="365125"/>
           </a:xfrm>
         </p:spPr>
         <p:txBody>
@@ -8831,10 +10216,10 @@
       </p:sp>
       <p:sp>
         <p:nvSpPr>
-          <p:cNvPr id="4" name="Slide Number Placeholder 5">
-            <a:extLst>
-              <a:ext uri="{FF2B5EF4-FFF2-40B4-BE49-F238E27FC236}">
-                <a16:creationId xmlns:a16="http://schemas.microsoft.com/office/drawing/2014/main" id="{E3CE6402-0437-FC65-10D8-B3F916B0A2D9}"/>
+          <p:cNvPr id="14" name="Slide Number Placeholder 5">
+            <a:extLst>
+              <a:ext uri="{FF2B5EF4-FFF2-40B4-BE49-F238E27FC236}">
+                <a16:creationId xmlns:a16="http://schemas.microsoft.com/office/drawing/2014/main" id="{C83C4941-547E-8C17-0362-221CDB8C3D11}"/>
               </a:ext>
             </a:extLst>
           </p:cNvPr>
@@ -8847,8 +10232,8 @@
         </p:nvSpPr>
         <p:spPr>
           <a:xfrm>
-            <a:off x="9982200" y="6356350"/>
-            <a:ext cx="1371600" cy="365125"/>
+            <a:off x="9965530" y="6356350"/>
+            <a:ext cx="1388269" cy="365125"/>
           </a:xfrm>
         </p:spPr>
         <p:txBody>
@@ -8859,52 +10244,6 @@
               <a:rPr lang="en-US" smtClean="0"/>
               <a:t>16</a:t>
             </a:fld>
-            <a:endParaRPr lang="en-US"/>
-          </a:p>
-        </p:txBody>
-      </p:sp>
-      <p:sp>
-        <p:nvSpPr>
-          <p:cNvPr id="7" name="TextBox 6">
-            <a:extLst>
-              <a:ext uri="{FF2B5EF4-FFF2-40B4-BE49-F238E27FC236}">
-                <a16:creationId xmlns:a16="http://schemas.microsoft.com/office/drawing/2014/main" id="{965771D7-99DA-4CA9-D5E6-9E97E2532F29}"/>
-              </a:ext>
-            </a:extLst>
-          </p:cNvPr>
-          <p:cNvSpPr txBox="1"/>
-          <p:nvPr/>
-        </p:nvSpPr>
-        <p:spPr>
-          <a:xfrm>
-            <a:off x="7872761" y="365125"/>
-            <a:ext cx="3481039" cy="1200329"/>
-          </a:xfrm>
-          <a:prstGeom prst="rect">
-            <a:avLst/>
-          </a:prstGeom>
-          <a:noFill/>
-          <a:ln w="12700">
-            <a:solidFill>
-              <a:schemeClr val="tx1"/>
-            </a:solidFill>
-          </a:ln>
-        </p:spPr>
-        <p:txBody>
-          <a:bodyPr wrap="square" rtlCol="0">
-            <a:spAutoFit/>
-          </a:bodyPr>
-          <a:lstStyle/>
-          <a:p>
-            <a:r>
-              <a:rPr lang="en-US" dirty="0">
-                <a:solidFill>
-                  <a:srgbClr val="000000"/>
-                </a:solidFill>
-                <a:effectLst/>
-              </a:rPr>
-              <a:t>A description provides more details and context about the STIX object including its purpose and its key characteristics.</a:t>
-            </a:r>
             <a:endParaRPr lang="en-US" dirty="0"/>
           </a:p>
         </p:txBody>
@@ -8912,7 +10251,7 @@
     </p:spTree>
     <p:extLst>
       <p:ext uri="{BB962C8B-B14F-4D97-AF65-F5344CB8AC3E}">
-        <p14:creationId xmlns:p14="http://schemas.microsoft.com/office/powerpoint/2010/main" val="1221376771"/>
+        <p14:creationId xmlns:p14="http://schemas.microsoft.com/office/powerpoint/2010/main" val="2542790665"/>
       </p:ext>
     </p:extLst>
   </p:cSld>
@@ -8941,10 +10280,10 @@
       </p:grpSpPr>
       <p:sp>
         <p:nvSpPr>
-          <p:cNvPr id="2" name="Title 1">
-            <a:extLst>
-              <a:ext uri="{FF2B5EF4-FFF2-40B4-BE49-F238E27FC236}">
-                <a16:creationId xmlns:a16="http://schemas.microsoft.com/office/drawing/2014/main" id="{7E7C266C-3935-24B4-1433-62199094B1F6}"/>
+          <p:cNvPr id="5" name="Title 4">
+            <a:extLst>
+              <a:ext uri="{FF2B5EF4-FFF2-40B4-BE49-F238E27FC236}">
+                <a16:creationId xmlns:a16="http://schemas.microsoft.com/office/drawing/2014/main" id="{5B18A1D2-3876-0719-7500-5E9E67A9594C}"/>
               </a:ext>
             </a:extLst>
           </p:cNvPr>
@@ -8953,141 +10292,153 @@
           </p:cNvSpPr>
           <p:nvPr>
             <p:ph type="title"/>
-          </p:nvPr>
-        </p:nvSpPr>
-        <p:spPr/>
-        <p:txBody>
-          <a:bodyPr/>
-          <a:lstStyle/>
-          <a:p>
-            <a:r>
-              <a:rPr lang="en-US" dirty="0"/>
-              <a:t>How to Develop a CNL?</a:t>
-            </a:r>
-          </a:p>
-        </p:txBody>
-      </p:sp>
-      <p:sp>
-        <p:nvSpPr>
-          <p:cNvPr id="3" name="Content Placeholder 2">
-            <a:extLst>
-              <a:ext uri="{FF2B5EF4-FFF2-40B4-BE49-F238E27FC236}">
-                <a16:creationId xmlns:a16="http://schemas.microsoft.com/office/drawing/2014/main" id="{4A491DB5-07F0-22B2-2073-A1E632A4DC58}"/>
-              </a:ext>
-            </a:extLst>
-          </p:cNvPr>
-          <p:cNvSpPr>
-            <a:spLocks noGrp="1"/>
-          </p:cNvSpPr>
-          <p:nvPr>
-            <p:ph idx="1"/>
           </p:nvPr>
         </p:nvSpPr>
         <p:spPr>
           <a:xfrm>
-            <a:off x="737937" y="1825625"/>
-            <a:ext cx="10716126" cy="4351338"/>
+            <a:off x="838200" y="365125"/>
+            <a:ext cx="10515600" cy="1325563"/>
           </a:xfrm>
         </p:spPr>
+        <p:txBody>
+          <a:bodyPr/>
+          <a:lstStyle/>
+          <a:p>
+            <a:r>
+              <a:rPr lang="en-US" dirty="0"/>
+              <a:t>STIX Description Examples</a:t>
+            </a:r>
+          </a:p>
+        </p:txBody>
+      </p:sp>
+      <p:sp>
+        <p:nvSpPr>
+          <p:cNvPr id="6" name="Content Placeholder 5">
+            <a:extLst>
+              <a:ext uri="{FF2B5EF4-FFF2-40B4-BE49-F238E27FC236}">
+                <a16:creationId xmlns:a16="http://schemas.microsoft.com/office/drawing/2014/main" id="{86594D18-1930-7931-CDDB-5219CB81B02E}"/>
+              </a:ext>
+            </a:extLst>
+          </p:cNvPr>
+          <p:cNvSpPr>
+            <a:spLocks noGrp="1"/>
+          </p:cNvSpPr>
+          <p:nvPr>
+            <p:ph idx="1"/>
+          </p:nvPr>
+        </p:nvSpPr>
+        <p:spPr/>
         <p:txBody>
           <a:bodyPr>
             <a:normAutofit/>
           </a:bodyPr>
           <a:lstStyle/>
           <a:p>
-            <a:pPr marL="514350" indent="-514350">
-              <a:buFont typeface="+mj-lt"/>
-              <a:buAutoNum type="arabicPeriod"/>
+            <a:pPr marL="0" indent="0">
+              <a:buNone/>
             </a:pPr>
             <a:r>
-              <a:rPr lang="en-US" dirty="0"/>
-              <a:t>Decide on a domain and base NL:  (e.g., CTI, </a:t>
-            </a:r>
-            <a:r>
-              <a:rPr lang="en-US" dirty="0" err="1"/>
-              <a:t>en</a:t>
-            </a:r>
-            <a:r>
-              <a:rPr lang="en-US" dirty="0"/>
-              <a:t>-US)</a:t>
-            </a:r>
-          </a:p>
-          <a:p>
-            <a:pPr marL="514350" indent="-514350">
-              <a:buFont typeface="+mj-lt"/>
-              <a:buAutoNum type="arabicPeriod"/>
+              <a:rPr lang="en-US" sz="1800" dirty="0">
+                <a:solidFill>
+                  <a:srgbClr val="000000"/>
+                </a:solidFill>
+                <a:effectLst/>
+                <a:latin typeface="Consolas" panose="020B0609020204030204" pitchFamily="49" charset="0"/>
+              </a:rPr>
+              <a:t>1. "description": "A variant of the </a:t>
+            </a:r>
+            <a:r>
+              <a:rPr lang="en-US" sz="1800" dirty="0" err="1">
+                <a:solidFill>
+                  <a:srgbClr val="000000"/>
+                </a:solidFill>
+                <a:effectLst/>
+                <a:latin typeface="Consolas" panose="020B0609020204030204" pitchFamily="49" charset="0"/>
+              </a:rPr>
+              <a:t>cryptolocker</a:t>
+            </a:r>
+            <a:r>
+              <a:rPr lang="en-US" sz="1800" dirty="0">
+                <a:solidFill>
+                  <a:srgbClr val="000000"/>
+                </a:solidFill>
+                <a:effectLst/>
+                <a:latin typeface="Consolas" panose="020B0609020204030204" pitchFamily="49" charset="0"/>
+              </a:rPr>
+              <a:t> family"</a:t>
+            </a:r>
+            <a:endParaRPr lang="en-US" sz="1800" dirty="0">
+              <a:latin typeface="Aptos Mono" panose="020B0009020202020204" pitchFamily="49" charset="0"/>
+            </a:endParaRPr>
+          </a:p>
+          <a:p>
+            <a:pPr marL="0" indent="0">
+              <a:buNone/>
             </a:pPr>
             <a:r>
-              <a:rPr lang="en-US" dirty="0"/>
-              <a:t>Assemble a corpus for processing and data mining (STIX objects)</a:t>
-            </a:r>
-          </a:p>
-          <a:p>
-            <a:pPr marL="514350" indent="-514350">
-              <a:buFont typeface="+mj-lt"/>
-              <a:buAutoNum type="arabicPeriod"/>
+              <a:rPr lang="en-US" sz="1800" dirty="0">
+                <a:latin typeface="Aptos Mono" panose="020B0009020202020204" pitchFamily="49" charset="0"/>
+              </a:rPr>
+              <a:t>2. "description": "The Evil Org threat actor group"</a:t>
+            </a:r>
+          </a:p>
+          <a:p>
+            <a:pPr marL="0" indent="0">
+              <a:buNone/>
             </a:pPr>
             <a:r>
-              <a:rPr lang="en-US" dirty="0"/>
-              <a:t>Use NLP to deconstruct raw text  into structured data</a:t>
-            </a:r>
-          </a:p>
-          <a:p>
-            <a:pPr marL="514350" indent="-514350">
-              <a:buFont typeface="+mj-lt"/>
-              <a:buAutoNum type="arabicPeriod"/>
+              <a:rPr lang="en-US" sz="1800" dirty="0">
+                <a:latin typeface="Aptos Mono" panose="020B0009020202020204" pitchFamily="49" charset="0"/>
+              </a:rPr>
+              <a:t>3. "description": "This file is part of Poison Ivy“</a:t>
+            </a:r>
+          </a:p>
+          <a:p>
+            <a:pPr marL="0" indent="0">
+              <a:buNone/>
             </a:pPr>
-            <a:r>
-              <a:rPr lang="en-US" b="1" dirty="0">
-                <a:sym typeface="Wingdings" panose="05000000000000000000" pitchFamily="2" charset="2"/>
+            <a:endParaRPr lang="en-US" sz="1800" dirty="0">
+              <a:latin typeface="Aptos Mono" panose="020B0009020202020204" pitchFamily="49" charset="0"/>
+            </a:endParaRPr>
+          </a:p>
+          <a:p>
+            <a:pPr marL="0" indent="0">
+              <a:buNone/>
+            </a:pPr>
+            <a:r>
+              <a:rPr lang="en-US" sz="1800" dirty="0">
+                <a:latin typeface="Aptos Mono" panose="020B0009020202020204" pitchFamily="49" charset="0"/>
               </a:rPr>
-              <a:t>Use data mining to extract key insights and features from data</a:t>
-            </a:r>
-          </a:p>
-          <a:p>
-            <a:pPr marL="514350" indent="-514350">
-              <a:buFont typeface="+mj-lt"/>
-              <a:buAutoNum type="arabicPeriod"/>
+              <a:t>4. "description": "A particular form of spear phishing where the attacker claims that the target had won a contest, including personal details, to get them to click on a link."</a:t>
+            </a:r>
+          </a:p>
+          <a:p>
+            <a:pPr marL="0" indent="0">
+              <a:buNone/>
             </a:pPr>
-            <a:r>
-              <a:rPr lang="en-US" dirty="0">
-                <a:sym typeface="Wingdings" panose="05000000000000000000" pitchFamily="2" charset="2"/>
+            <a:endParaRPr lang="en-US" sz="1800" dirty="0">
+              <a:latin typeface="Aptos Mono" panose="020B0009020202020204" pitchFamily="49" charset="0"/>
+            </a:endParaRPr>
+          </a:p>
+          <a:p>
+            <a:pPr marL="0" indent="0">
+              <a:buNone/>
+            </a:pPr>
+            <a:r>
+              <a:rPr lang="en-US" sz="1800" dirty="0">
+                <a:latin typeface="Aptos Mono" panose="020B0009020202020204" pitchFamily="49" charset="0"/>
               </a:rPr>
-              <a:t>Distill prescriptive grammar rules and type characteristics</a:t>
-            </a:r>
-          </a:p>
-          <a:p>
-            <a:pPr marL="514350" indent="-514350">
-              <a:buFont typeface="+mj-lt"/>
-              <a:buAutoNum type="arabicPeriod"/>
-            </a:pPr>
-            <a:r>
-              <a:rPr lang="en-US" dirty="0">
-                <a:sym typeface="Wingdings" panose="05000000000000000000" pitchFamily="2" charset="2"/>
-              </a:rPr>
-              <a:t>Determine which existing CNL to use as starting point (e.g., ACE)</a:t>
-            </a:r>
-          </a:p>
-          <a:p>
-            <a:pPr marL="514350" indent="-514350">
-              <a:buFont typeface="+mj-lt"/>
-              <a:buAutoNum type="arabicPeriod"/>
-            </a:pPr>
-            <a:r>
-              <a:rPr lang="en-US" dirty="0">
-                <a:sym typeface="Wingdings" panose="05000000000000000000" pitchFamily="2" charset="2"/>
-              </a:rPr>
-              <a:t>Customize existing CNL with grammar rules</a:t>
-            </a:r>
-          </a:p>
-        </p:txBody>
-      </p:sp>
-      <p:sp>
-        <p:nvSpPr>
-          <p:cNvPr id="4" name="Date Placeholder 3">
-            <a:extLst>
-              <a:ext uri="{FF2B5EF4-FFF2-40B4-BE49-F238E27FC236}">
-                <a16:creationId xmlns:a16="http://schemas.microsoft.com/office/drawing/2014/main" id="{C95FFCF6-E2BA-BCBD-99D1-89B0CF42C6D0}"/>
+              <a:t>5. "description": "Incidents usually feature a shared TTP of a wildcat being released within the building containing network access, scaring users to leave their computers without locking them first. Still determining where the threat actors are getting the wildcats."</a:t>
+            </a:r>
+          </a:p>
+        </p:txBody>
+      </p:sp>
+      <p:sp>
+        <p:nvSpPr>
+          <p:cNvPr id="2" name="Date Placeholder 4">
+            <a:extLst>
+              <a:ext uri="{FF2B5EF4-FFF2-40B4-BE49-F238E27FC236}">
+                <a16:creationId xmlns:a16="http://schemas.microsoft.com/office/drawing/2014/main" id="{4479A1DF-4803-FB11-B033-32E1F66D3286}"/>
               </a:ext>
             </a:extLst>
           </p:cNvPr>
@@ -9098,7 +10449,12 @@
             <p:ph type="dt" sz="half" idx="10"/>
           </p:nvPr>
         </p:nvSpPr>
-        <p:spPr/>
+        <p:spPr>
+          <a:xfrm>
+            <a:off x="838200" y="6356350"/>
+            <a:ext cx="1371600" cy="365125"/>
+          </a:xfrm>
+        </p:spPr>
         <p:txBody>
           <a:bodyPr/>
           <a:lstStyle/>
@@ -9107,15 +10463,16 @@
               <a:rPr lang="en-US"/>
               <a:t>8/12/2024</a:t>
             </a:r>
-          </a:p>
-        </p:txBody>
-      </p:sp>
-      <p:sp>
-        <p:nvSpPr>
-          <p:cNvPr id="5" name="Footer Placeholder 4">
-            <a:extLst>
-              <a:ext uri="{FF2B5EF4-FFF2-40B4-BE49-F238E27FC236}">
-                <a16:creationId xmlns:a16="http://schemas.microsoft.com/office/drawing/2014/main" id="{45BD8DD1-A64E-4B77-3573-DBE7F8AF45E7}"/>
+            <a:endParaRPr lang="en-US" dirty="0"/>
+          </a:p>
+        </p:txBody>
+      </p:sp>
+      <p:sp>
+        <p:nvSpPr>
+          <p:cNvPr id="3" name="Footer Placeholder 3">
+            <a:extLst>
+              <a:ext uri="{FF2B5EF4-FFF2-40B4-BE49-F238E27FC236}">
+                <a16:creationId xmlns:a16="http://schemas.microsoft.com/office/drawing/2014/main" id="{4C35704A-7230-0438-F360-37BF17FD3794}"/>
               </a:ext>
             </a:extLst>
           </p:cNvPr>
@@ -9126,7 +10483,12 @@
             <p:ph type="ftr" sz="quarter" idx="11"/>
           </p:nvPr>
         </p:nvSpPr>
-        <p:spPr/>
+        <p:spPr>
+          <a:xfrm>
+            <a:off x="2667000" y="6356350"/>
+            <a:ext cx="6858000" cy="365125"/>
+          </a:xfrm>
+        </p:spPr>
         <p:txBody>
           <a:bodyPr/>
           <a:lstStyle/>
@@ -9135,15 +10497,16 @@
               <a:rPr lang="en-US"/>
               <a:t>https://github.com/ciioprof0/stixd </a:t>
             </a:r>
-          </a:p>
-        </p:txBody>
-      </p:sp>
-      <p:sp>
-        <p:nvSpPr>
-          <p:cNvPr id="6" name="Slide Number Placeholder 5">
-            <a:extLst>
-              <a:ext uri="{FF2B5EF4-FFF2-40B4-BE49-F238E27FC236}">
-                <a16:creationId xmlns:a16="http://schemas.microsoft.com/office/drawing/2014/main" id="{68010679-7FE0-1639-D030-0934A6A90C1A}"/>
+            <a:endParaRPr lang="en-US" dirty="0"/>
+          </a:p>
+        </p:txBody>
+      </p:sp>
+      <p:sp>
+        <p:nvSpPr>
+          <p:cNvPr id="4" name="Slide Number Placeholder 5">
+            <a:extLst>
+              <a:ext uri="{FF2B5EF4-FFF2-40B4-BE49-F238E27FC236}">
+                <a16:creationId xmlns:a16="http://schemas.microsoft.com/office/drawing/2014/main" id="{E3CE6402-0437-FC65-10D8-B3F916B0A2D9}"/>
               </a:ext>
             </a:extLst>
           </p:cNvPr>
@@ -9154,12 +10517,17 @@
             <p:ph type="sldNum" sz="quarter" idx="12"/>
           </p:nvPr>
         </p:nvSpPr>
-        <p:spPr/>
-        <p:txBody>
-          <a:bodyPr/>
-          <a:lstStyle/>
-          <a:p>
-            <a:fld id="{BA219C19-895B-41AA-B189-1A480F8BE28A}" type="slidenum">
+        <p:spPr>
+          <a:xfrm>
+            <a:off x="9982200" y="6356350"/>
+            <a:ext cx="1371600" cy="365125"/>
+          </a:xfrm>
+        </p:spPr>
+        <p:txBody>
+          <a:bodyPr/>
+          <a:lstStyle/>
+          <a:p>
+            <a:fld id="{AF56F2E1-774A-4B12-AD76-893078A0F513}" type="slidenum">
               <a:rPr lang="en-US" smtClean="0"/>
               <a:t>17</a:t>
             </a:fld>
@@ -9167,10 +10535,56 @@
           </a:p>
         </p:txBody>
       </p:sp>
+      <p:sp>
+        <p:nvSpPr>
+          <p:cNvPr id="7" name="TextBox 6">
+            <a:extLst>
+              <a:ext uri="{FF2B5EF4-FFF2-40B4-BE49-F238E27FC236}">
+                <a16:creationId xmlns:a16="http://schemas.microsoft.com/office/drawing/2014/main" id="{965771D7-99DA-4CA9-D5E6-9E97E2532F29}"/>
+              </a:ext>
+            </a:extLst>
+          </p:cNvPr>
+          <p:cNvSpPr txBox="1"/>
+          <p:nvPr/>
+        </p:nvSpPr>
+        <p:spPr>
+          <a:xfrm>
+            <a:off x="7872761" y="365125"/>
+            <a:ext cx="3481039" cy="1200329"/>
+          </a:xfrm>
+          <a:prstGeom prst="rect">
+            <a:avLst/>
+          </a:prstGeom>
+          <a:noFill/>
+          <a:ln w="12700">
+            <a:solidFill>
+              <a:schemeClr val="tx1"/>
+            </a:solidFill>
+          </a:ln>
+        </p:spPr>
+        <p:txBody>
+          <a:bodyPr wrap="square" rtlCol="0">
+            <a:spAutoFit/>
+          </a:bodyPr>
+          <a:lstStyle/>
+          <a:p>
+            <a:r>
+              <a:rPr lang="en-US" dirty="0">
+                <a:solidFill>
+                  <a:srgbClr val="000000"/>
+                </a:solidFill>
+                <a:effectLst/>
+              </a:rPr>
+              <a:t>A description provides more details and context about the STIX object including its purpose and its key characteristics.</a:t>
+            </a:r>
+            <a:endParaRPr lang="en-US" dirty="0"/>
+          </a:p>
+        </p:txBody>
+      </p:sp>
     </p:spTree>
     <p:extLst>
       <p:ext uri="{BB962C8B-B14F-4D97-AF65-F5344CB8AC3E}">
-        <p14:creationId xmlns:p14="http://schemas.microsoft.com/office/powerpoint/2010/main" val="2895154069"/>
+        <p14:creationId xmlns:p14="http://schemas.microsoft.com/office/powerpoint/2010/main" val="1221376771"/>
       </p:ext>
     </p:extLst>
   </p:cSld>
@@ -9199,10 +10613,10 @@
       </p:grpSpPr>
       <p:sp>
         <p:nvSpPr>
-          <p:cNvPr id="2" name="Title 1">
-            <a:extLst>
-              <a:ext uri="{FF2B5EF4-FFF2-40B4-BE49-F238E27FC236}">
-                <a16:creationId xmlns:a16="http://schemas.microsoft.com/office/drawing/2014/main" id="{74D72A15-1E30-6B41-2D59-7112AAAF6E11}"/>
+          <p:cNvPr id="7" name="Title 6">
+            <a:extLst>
+              <a:ext uri="{FF2B5EF4-FFF2-40B4-BE49-F238E27FC236}">
+                <a16:creationId xmlns:a16="http://schemas.microsoft.com/office/drawing/2014/main" id="{037524FF-B600-9D8F-3AC2-F6E6F0217DDC}"/>
               </a:ext>
             </a:extLst>
           </p:cNvPr>
@@ -9218,32 +10632,38 @@
           <a:bodyPr/>
           <a:lstStyle/>
           <a:p>
-            <a:endParaRPr lang="en-US"/>
-          </a:p>
-        </p:txBody>
-      </p:sp>
-      <p:sp>
-        <p:nvSpPr>
-          <p:cNvPr id="3" name="Content Placeholder 2">
-            <a:extLst>
-              <a:ext uri="{FF2B5EF4-FFF2-40B4-BE49-F238E27FC236}">
-                <a16:creationId xmlns:a16="http://schemas.microsoft.com/office/drawing/2014/main" id="{D1F15D2B-BB06-588D-19A6-DBB74B5760B8}"/>
-              </a:ext>
-            </a:extLst>
-          </p:cNvPr>
-          <p:cNvSpPr>
-            <a:spLocks noGrp="1"/>
-          </p:cNvSpPr>
-          <p:nvPr>
-            <p:ph idx="1"/>
-          </p:nvPr>
-        </p:nvSpPr>
-        <p:spPr/>
-        <p:txBody>
-          <a:bodyPr/>
-          <a:lstStyle/>
-          <a:p>
-            <a:endParaRPr lang="en-US"/>
+            <a:r>
+              <a:rPr lang="en-US" dirty="0"/>
+              <a:t>Tagging STIX-D Examples</a:t>
+            </a:r>
+          </a:p>
+        </p:txBody>
+      </p:sp>
+      <p:sp>
+        <p:nvSpPr>
+          <p:cNvPr id="8" name="Text Placeholder 7">
+            <a:extLst>
+              <a:ext uri="{FF2B5EF4-FFF2-40B4-BE49-F238E27FC236}">
+                <a16:creationId xmlns:a16="http://schemas.microsoft.com/office/drawing/2014/main" id="{9F58C26A-F387-C48D-B5D2-FD15E171DBD5}"/>
+              </a:ext>
+            </a:extLst>
+          </p:cNvPr>
+          <p:cNvSpPr>
+            <a:spLocks noGrp="1"/>
+          </p:cNvSpPr>
+          <p:nvPr>
+            <p:ph type="body" idx="1"/>
+          </p:nvPr>
+        </p:nvSpPr>
+        <p:spPr/>
+        <p:txBody>
+          <a:bodyPr/>
+          <a:lstStyle/>
+          <a:p>
+            <a:r>
+              <a:rPr lang="en-US" dirty="0"/>
+              <a:t>A worked example</a:t>
+            </a:r>
           </a:p>
         </p:txBody>
       </p:sp>
@@ -9252,7 +10672,7 @@
           <p:cNvPr id="4" name="Date Placeholder 3">
             <a:extLst>
               <a:ext uri="{FF2B5EF4-FFF2-40B4-BE49-F238E27FC236}">
-                <a16:creationId xmlns:a16="http://schemas.microsoft.com/office/drawing/2014/main" id="{1223CEE6-402A-CA56-0135-0E474D3BB23D}"/>
+                <a16:creationId xmlns:a16="http://schemas.microsoft.com/office/drawing/2014/main" id="{1633C47C-CAD2-6CA0-726D-BE250537B5E0}"/>
               </a:ext>
             </a:extLst>
           </p:cNvPr>
@@ -9280,7 +10700,7 @@
           <p:cNvPr id="5" name="Footer Placeholder 4">
             <a:extLst>
               <a:ext uri="{FF2B5EF4-FFF2-40B4-BE49-F238E27FC236}">
-                <a16:creationId xmlns:a16="http://schemas.microsoft.com/office/drawing/2014/main" id="{CBBBEF0F-0398-E6F1-2C2E-950F6A4D66FF}"/>
+                <a16:creationId xmlns:a16="http://schemas.microsoft.com/office/drawing/2014/main" id="{7B222836-0017-8478-3D2A-3F44CF35B61D}"/>
               </a:ext>
             </a:extLst>
           </p:cNvPr>
@@ -9308,7 +10728,7 @@
           <p:cNvPr id="6" name="Slide Number Placeholder 5">
             <a:extLst>
               <a:ext uri="{FF2B5EF4-FFF2-40B4-BE49-F238E27FC236}">
-                <a16:creationId xmlns:a16="http://schemas.microsoft.com/office/drawing/2014/main" id="{11E2C907-6AFB-AC1D-7313-3C2B9824AFA6}"/>
+                <a16:creationId xmlns:a16="http://schemas.microsoft.com/office/drawing/2014/main" id="{80ED4607-8F02-7EBE-EF21-5B5944E13594}"/>
               </a:ext>
             </a:extLst>
           </p:cNvPr>
@@ -9335,7 +10755,7 @@
     </p:spTree>
     <p:extLst>
       <p:ext uri="{BB962C8B-B14F-4D97-AF65-F5344CB8AC3E}">
-        <p14:creationId xmlns:p14="http://schemas.microsoft.com/office/powerpoint/2010/main" val="328128720"/>
+        <p14:creationId xmlns:p14="http://schemas.microsoft.com/office/powerpoint/2010/main" val="3148475091"/>
       </p:ext>
     </p:extLst>
   </p:cSld>
@@ -9364,10 +10784,10 @@
       </p:grpSpPr>
       <p:sp>
         <p:nvSpPr>
-          <p:cNvPr id="2" name="Title 1">
-            <a:extLst>
-              <a:ext uri="{FF2B5EF4-FFF2-40B4-BE49-F238E27FC236}">
-                <a16:creationId xmlns:a16="http://schemas.microsoft.com/office/drawing/2014/main" id="{87187CCF-3EDE-FE1D-24BE-D982A535B7A9}"/>
+          <p:cNvPr id="10" name="Title 9">
+            <a:extLst>
+              <a:ext uri="{FF2B5EF4-FFF2-40B4-BE49-F238E27FC236}">
+                <a16:creationId xmlns:a16="http://schemas.microsoft.com/office/drawing/2014/main" id="{39872ECC-137D-BD97-6152-6E50E327C804}"/>
               </a:ext>
             </a:extLst>
           </p:cNvPr>
@@ -9383,32 +10803,460 @@
           <a:bodyPr/>
           <a:lstStyle/>
           <a:p>
-            <a:endParaRPr lang="en-US"/>
-          </a:p>
-        </p:txBody>
-      </p:sp>
-      <p:sp>
-        <p:nvSpPr>
-          <p:cNvPr id="3" name="Content Placeholder 2">
-            <a:extLst>
-              <a:ext uri="{FF2B5EF4-FFF2-40B4-BE49-F238E27FC236}">
-                <a16:creationId xmlns:a16="http://schemas.microsoft.com/office/drawing/2014/main" id="{FB9CF954-5BD6-2425-CF31-0A58430A09BF}"/>
-              </a:ext>
-            </a:extLst>
-          </p:cNvPr>
-          <p:cNvSpPr>
-            <a:spLocks noGrp="1"/>
-          </p:cNvSpPr>
-          <p:nvPr>
-            <p:ph idx="1"/>
-          </p:nvPr>
-        </p:nvSpPr>
-        <p:spPr/>
-        <p:txBody>
-          <a:bodyPr/>
-          <a:lstStyle/>
-          <a:p>
-            <a:endParaRPr lang="en-US"/>
+            <a:r>
+              <a:rPr lang="en-US" dirty="0"/>
+              <a:t>Approach Taken in Python</a:t>
+            </a:r>
+          </a:p>
+        </p:txBody>
+      </p:sp>
+      <p:sp>
+        <p:nvSpPr>
+          <p:cNvPr id="8" name="Content Placeholder 7">
+            <a:extLst>
+              <a:ext uri="{FF2B5EF4-FFF2-40B4-BE49-F238E27FC236}">
+                <a16:creationId xmlns:a16="http://schemas.microsoft.com/office/drawing/2014/main" id="{5A0A5C58-338E-278E-B97B-2E749947C007}"/>
+              </a:ext>
+            </a:extLst>
+          </p:cNvPr>
+          <p:cNvSpPr>
+            <a:spLocks noGrp="1"/>
+          </p:cNvSpPr>
+          <p:nvPr>
+            <p:ph sz="half" idx="1"/>
+          </p:nvPr>
+        </p:nvSpPr>
+        <p:spPr/>
+        <p:txBody>
+          <a:bodyPr>
+            <a:normAutofit/>
+          </a:bodyPr>
+          <a:lstStyle/>
+          <a:p>
+            <a:r>
+              <a:rPr lang="en-US" dirty="0"/>
+              <a:t>Purpose: Tag words in texts</a:t>
+            </a:r>
+          </a:p>
+          <a:p>
+            <a:r>
+              <a:rPr lang="en-US" dirty="0"/>
+              <a:t>Relevance: 1</a:t>
+            </a:r>
+            <a:r>
+              <a:rPr lang="en-US" baseline="30000" dirty="0"/>
+              <a:t>st</a:t>
+            </a:r>
+            <a:r>
+              <a:rPr lang="en-US" dirty="0"/>
+              <a:t> step in pipeline</a:t>
+            </a:r>
+          </a:p>
+          <a:p>
+            <a:r>
+              <a:rPr lang="en-US" dirty="0"/>
+              <a:t>Third-party package to tag</a:t>
+            </a:r>
+          </a:p>
+          <a:p>
+            <a:pPr lvl="1"/>
+            <a:r>
+              <a:rPr lang="en-US" dirty="0"/>
+              <a:t>Package: `spacy`</a:t>
+            </a:r>
+          </a:p>
+          <a:p>
+            <a:pPr lvl="1"/>
+            <a:r>
+              <a:rPr lang="en-US" dirty="0"/>
+              <a:t>Model: `</a:t>
+            </a:r>
+            <a:r>
+              <a:rPr lang="en-US" dirty="0" err="1"/>
+              <a:t>en_core_web_sm</a:t>
+            </a:r>
+            <a:r>
+              <a:rPr lang="en-US" dirty="0"/>
+              <a:t>`</a:t>
+            </a:r>
+          </a:p>
+          <a:p>
+            <a:r>
+              <a:rPr lang="en-US" dirty="0"/>
+              <a:t>Core code to the right</a:t>
+            </a:r>
+          </a:p>
+          <a:p>
+            <a:r>
+              <a:rPr lang="en-US" dirty="0"/>
+              <a:t>Full code on GitHub</a:t>
+            </a:r>
+          </a:p>
+          <a:p>
+            <a:r>
+              <a:rPr lang="en-US" dirty="0"/>
+              <a:t>Example input/output follows</a:t>
+            </a:r>
+          </a:p>
+          <a:p>
+            <a:endParaRPr lang="en-US" dirty="0"/>
+          </a:p>
+        </p:txBody>
+      </p:sp>
+      <p:sp>
+        <p:nvSpPr>
+          <p:cNvPr id="9" name="Content Placeholder 8">
+            <a:extLst>
+              <a:ext uri="{FF2B5EF4-FFF2-40B4-BE49-F238E27FC236}">
+                <a16:creationId xmlns:a16="http://schemas.microsoft.com/office/drawing/2014/main" id="{1479D18B-152C-92EE-8AC3-363D98441901}"/>
+              </a:ext>
+            </a:extLst>
+          </p:cNvPr>
+          <p:cNvSpPr>
+            <a:spLocks noGrp="1"/>
+          </p:cNvSpPr>
+          <p:nvPr>
+            <p:ph sz="half" idx="2"/>
+          </p:nvPr>
+        </p:nvSpPr>
+        <p:spPr/>
+        <p:txBody>
+          <a:bodyPr>
+            <a:noAutofit/>
+          </a:bodyPr>
+          <a:lstStyle/>
+          <a:p>
+            <a:pPr marL="0" indent="0">
+              <a:buNone/>
+            </a:pPr>
+            <a:r>
+              <a:rPr lang="en-US" sz="1400" dirty="0">
+                <a:latin typeface="Aptos Mono" panose="020B0009020202020204" pitchFamily="49" charset="0"/>
+              </a:rPr>
+              <a:t>with open(</a:t>
+            </a:r>
+            <a:r>
+              <a:rPr lang="en-US" sz="1400" dirty="0" err="1">
+                <a:latin typeface="Aptos Mono" panose="020B0009020202020204" pitchFamily="49" charset="0"/>
+              </a:rPr>
+              <a:t>file_path</a:t>
+            </a:r>
+            <a:r>
+              <a:rPr lang="en-US" sz="1400" dirty="0">
+                <a:latin typeface="Aptos Mono" panose="020B0009020202020204" pitchFamily="49" charset="0"/>
+              </a:rPr>
+              <a:t>, 'r') as file:</a:t>
+            </a:r>
+          </a:p>
+          <a:p>
+            <a:pPr marL="0" indent="0">
+              <a:buNone/>
+            </a:pPr>
+            <a:r>
+              <a:rPr lang="en-US" sz="1400" dirty="0">
+                <a:latin typeface="Aptos Mono" panose="020B0009020202020204" pitchFamily="49" charset="0"/>
+              </a:rPr>
+              <a:t> texts = </a:t>
+            </a:r>
+            <a:r>
+              <a:rPr lang="en-US" sz="1400" dirty="0" err="1">
+                <a:latin typeface="Aptos Mono" panose="020B0009020202020204" pitchFamily="49" charset="0"/>
+              </a:rPr>
+              <a:t>file.readlines</a:t>
+            </a:r>
+            <a:r>
+              <a:rPr lang="en-US" sz="1400" dirty="0">
+                <a:latin typeface="Aptos Mono" panose="020B0009020202020204" pitchFamily="49" charset="0"/>
+              </a:rPr>
+              <a:t>()</a:t>
+            </a:r>
+          </a:p>
+          <a:p>
+            <a:pPr marL="0" indent="0">
+              <a:buNone/>
+            </a:pPr>
+            <a:r>
+              <a:rPr lang="en-US" sz="1400" dirty="0">
+                <a:latin typeface="Aptos Mono" panose="020B0009020202020204" pitchFamily="49" charset="0"/>
+              </a:rPr>
+              <a:t>  for </a:t>
+            </a:r>
+            <a:r>
+              <a:rPr lang="en-US" sz="1400" dirty="0" err="1">
+                <a:latin typeface="Aptos Mono" panose="020B0009020202020204" pitchFamily="49" charset="0"/>
+              </a:rPr>
+              <a:t>i</a:t>
+            </a:r>
+            <a:r>
+              <a:rPr lang="en-US" sz="1400" dirty="0">
+                <a:latin typeface="Aptos Mono" panose="020B0009020202020204" pitchFamily="49" charset="0"/>
+              </a:rPr>
+              <a:t>, text in enumerate(texts, start=1):</a:t>
+            </a:r>
+          </a:p>
+          <a:p>
+            <a:pPr marL="0" indent="0">
+              <a:buNone/>
+            </a:pPr>
+            <a:r>
+              <a:rPr lang="en-US" sz="1400" dirty="0">
+                <a:latin typeface="Aptos Mono" panose="020B0009020202020204" pitchFamily="49" charset="0"/>
+              </a:rPr>
+              <a:t>   doc = </a:t>
+            </a:r>
+            <a:r>
+              <a:rPr lang="en-US" sz="1400" dirty="0" err="1">
+                <a:latin typeface="Aptos Mono" panose="020B0009020202020204" pitchFamily="49" charset="0"/>
+              </a:rPr>
+              <a:t>nlp</a:t>
+            </a:r>
+            <a:r>
+              <a:rPr lang="en-US" sz="1400" dirty="0">
+                <a:latin typeface="Aptos Mono" panose="020B0009020202020204" pitchFamily="49" charset="0"/>
+              </a:rPr>
+              <a:t>(</a:t>
+            </a:r>
+            <a:r>
+              <a:rPr lang="en-US" sz="1400" dirty="0" err="1">
+                <a:latin typeface="Aptos Mono" panose="020B0009020202020204" pitchFamily="49" charset="0"/>
+              </a:rPr>
+              <a:t>text.strip</a:t>
+            </a:r>
+            <a:r>
+              <a:rPr lang="en-US" sz="1400" dirty="0">
+                <a:latin typeface="Aptos Mono" panose="020B0009020202020204" pitchFamily="49" charset="0"/>
+              </a:rPr>
+              <a:t>())</a:t>
+            </a:r>
+          </a:p>
+          <a:p>
+            <a:pPr marL="0" indent="0">
+              <a:buNone/>
+            </a:pPr>
+            <a:r>
+              <a:rPr lang="en-US" sz="1400" dirty="0">
+                <a:latin typeface="Aptos Mono" panose="020B0009020202020204" pitchFamily="49" charset="0"/>
+              </a:rPr>
+              <a:t>   print(</a:t>
+            </a:r>
+            <a:r>
+              <a:rPr lang="en-US" sz="1400" dirty="0" err="1">
+                <a:latin typeface="Aptos Mono" panose="020B0009020202020204" pitchFamily="49" charset="0"/>
+              </a:rPr>
+              <a:t>f"Raw</a:t>
+            </a:r>
+            <a:r>
+              <a:rPr lang="en-US" sz="1400" dirty="0">
+                <a:latin typeface="Aptos Mono" panose="020B0009020202020204" pitchFamily="49" charset="0"/>
+              </a:rPr>
+              <a:t> Text {</a:t>
+            </a:r>
+            <a:r>
+              <a:rPr lang="en-US" sz="1400" dirty="0" err="1">
+                <a:latin typeface="Aptos Mono" panose="020B0009020202020204" pitchFamily="49" charset="0"/>
+              </a:rPr>
+              <a:t>i</a:t>
+            </a:r>
+            <a:r>
+              <a:rPr lang="en-US" sz="1400" dirty="0">
+                <a:latin typeface="Aptos Mono" panose="020B0009020202020204" pitchFamily="49" charset="0"/>
+              </a:rPr>
+              <a:t>}: {</a:t>
+            </a:r>
+            <a:r>
+              <a:rPr lang="en-US" sz="1400" dirty="0" err="1">
+                <a:latin typeface="Aptos Mono" panose="020B0009020202020204" pitchFamily="49" charset="0"/>
+              </a:rPr>
+              <a:t>text.strip</a:t>
+            </a:r>
+            <a:r>
+              <a:rPr lang="en-US" sz="1400" dirty="0">
+                <a:latin typeface="Aptos Mono" panose="020B0009020202020204" pitchFamily="49" charset="0"/>
+              </a:rPr>
+              <a:t>()}\n")</a:t>
+            </a:r>
+          </a:p>
+          <a:p>
+            <a:pPr marL="0" indent="0">
+              <a:buNone/>
+            </a:pPr>
+            <a:endParaRPr lang="en-US" sz="1400" dirty="0">
+              <a:latin typeface="Aptos Mono" panose="020B0009020202020204" pitchFamily="49" charset="0"/>
+            </a:endParaRPr>
+          </a:p>
+          <a:p>
+            <a:pPr marL="0" indent="0">
+              <a:buNone/>
+            </a:pPr>
+            <a:r>
+              <a:rPr lang="en-US" sz="1400" dirty="0">
+                <a:latin typeface="Aptos Mono" panose="020B0009020202020204" pitchFamily="49" charset="0"/>
+              </a:rPr>
+              <a:t>   </a:t>
+            </a:r>
+            <a:r>
+              <a:rPr lang="en-US" sz="1400" dirty="0" err="1">
+                <a:latin typeface="Aptos Mono" panose="020B0009020202020204" pitchFamily="49" charset="0"/>
+              </a:rPr>
+              <a:t>tagged_sentence</a:t>
+            </a:r>
+            <a:r>
+              <a:rPr lang="en-US" sz="1400" dirty="0">
+                <a:latin typeface="Aptos Mono" panose="020B0009020202020204" pitchFamily="49" charset="0"/>
+              </a:rPr>
+              <a:t> = " ".join([f"{</a:t>
+            </a:r>
+            <a:r>
+              <a:rPr lang="en-US" sz="1400" dirty="0" err="1">
+                <a:latin typeface="Aptos Mono" panose="020B0009020202020204" pitchFamily="49" charset="0"/>
+              </a:rPr>
+              <a:t>token.text</a:t>
+            </a:r>
+            <a:r>
+              <a:rPr lang="en-US" sz="1400" dirty="0">
+                <a:latin typeface="Aptos Mono" panose="020B0009020202020204" pitchFamily="49" charset="0"/>
+              </a:rPr>
+              <a:t>} ({</a:t>
+            </a:r>
+            <a:r>
+              <a:rPr lang="en-US" sz="1400" dirty="0" err="1">
+                <a:latin typeface="Aptos Mono" panose="020B0009020202020204" pitchFamily="49" charset="0"/>
+              </a:rPr>
+              <a:t>token.tag</a:t>
+            </a:r>
+            <a:r>
+              <a:rPr lang="en-US" sz="1400" dirty="0">
+                <a:latin typeface="Aptos Mono" panose="020B0009020202020204" pitchFamily="49" charset="0"/>
+              </a:rPr>
+              <a:t>_})" for token in doc])</a:t>
+            </a:r>
+          </a:p>
+          <a:p>
+            <a:pPr marL="0" indent="0">
+              <a:buNone/>
+            </a:pPr>
+            <a:r>
+              <a:rPr lang="en-US" sz="1400" dirty="0">
+                <a:latin typeface="Aptos Mono" panose="020B0009020202020204" pitchFamily="49" charset="0"/>
+              </a:rPr>
+              <a:t>   print(</a:t>
+            </a:r>
+            <a:r>
+              <a:rPr lang="en-US" sz="1400" dirty="0" err="1">
+                <a:latin typeface="Aptos Mono" panose="020B0009020202020204" pitchFamily="49" charset="0"/>
+              </a:rPr>
+              <a:t>f"Tagged</a:t>
+            </a:r>
+            <a:r>
+              <a:rPr lang="en-US" sz="1400" dirty="0">
+                <a:latin typeface="Aptos Mono" panose="020B0009020202020204" pitchFamily="49" charset="0"/>
+              </a:rPr>
+              <a:t> Text {</a:t>
+            </a:r>
+            <a:r>
+              <a:rPr lang="en-US" sz="1400" dirty="0" err="1">
+                <a:latin typeface="Aptos Mono" panose="020B0009020202020204" pitchFamily="49" charset="0"/>
+              </a:rPr>
+              <a:t>i</a:t>
+            </a:r>
+            <a:r>
+              <a:rPr lang="en-US" sz="1400" dirty="0">
+                <a:latin typeface="Aptos Mono" panose="020B0009020202020204" pitchFamily="49" charset="0"/>
+              </a:rPr>
+              <a:t>}: {</a:t>
+            </a:r>
+            <a:r>
+              <a:rPr lang="en-US" sz="1400" dirty="0" err="1">
+                <a:latin typeface="Aptos Mono" panose="020B0009020202020204" pitchFamily="49" charset="0"/>
+              </a:rPr>
+              <a:t>tagged_sentence</a:t>
+            </a:r>
+            <a:r>
+              <a:rPr lang="en-US" sz="1400" dirty="0">
+                <a:latin typeface="Aptos Mono" panose="020B0009020202020204" pitchFamily="49" charset="0"/>
+              </a:rPr>
+              <a:t>}\n")</a:t>
+            </a:r>
+          </a:p>
+          <a:p>
+            <a:pPr marL="0" indent="0">
+              <a:buNone/>
+            </a:pPr>
+            <a:endParaRPr lang="en-US" sz="1400" dirty="0">
+              <a:latin typeface="Aptos Mono" panose="020B0009020202020204" pitchFamily="49" charset="0"/>
+            </a:endParaRPr>
+          </a:p>
+          <a:p>
+            <a:pPr marL="0" indent="0">
+              <a:buNone/>
+            </a:pPr>
+            <a:r>
+              <a:rPr lang="en-US" sz="1400" dirty="0">
+                <a:latin typeface="Aptos Mono" panose="020B0009020202020204" pitchFamily="49" charset="0"/>
+              </a:rPr>
+              <a:t>   print("POS Tags:")</a:t>
+            </a:r>
+          </a:p>
+          <a:p>
+            <a:pPr marL="0" indent="0">
+              <a:buNone/>
+            </a:pPr>
+            <a:r>
+              <a:rPr lang="en-US" sz="1400" dirty="0">
+                <a:latin typeface="Aptos Mono" panose="020B0009020202020204" pitchFamily="49" charset="0"/>
+              </a:rPr>
+              <a:t>   for token in doc:</a:t>
+            </a:r>
+          </a:p>
+          <a:p>
+            <a:pPr marL="0" indent="0">
+              <a:buNone/>
+            </a:pPr>
+            <a:r>
+              <a:rPr lang="en-US" sz="1400" dirty="0">
+                <a:latin typeface="Aptos Mono" panose="020B0009020202020204" pitchFamily="49" charset="0"/>
+              </a:rPr>
+              <a:t>    print(f"{</a:t>
+            </a:r>
+            <a:r>
+              <a:rPr lang="en-US" sz="1400" dirty="0" err="1">
+                <a:latin typeface="Aptos Mono" panose="020B0009020202020204" pitchFamily="49" charset="0"/>
+              </a:rPr>
+              <a:t>token.text</a:t>
+            </a:r>
+            <a:r>
+              <a:rPr lang="en-US" sz="1400" dirty="0">
+                <a:latin typeface="Aptos Mono" panose="020B0009020202020204" pitchFamily="49" charset="0"/>
+              </a:rPr>
+              <a:t>} -&gt; {</a:t>
+            </a:r>
+            <a:r>
+              <a:rPr lang="en-US" sz="1400" dirty="0" err="1">
+                <a:latin typeface="Aptos Mono" panose="020B0009020202020204" pitchFamily="49" charset="0"/>
+              </a:rPr>
+              <a:t>token.pos</a:t>
+            </a:r>
+            <a:r>
+              <a:rPr lang="en-US" sz="1400" dirty="0">
+                <a:latin typeface="Aptos Mono" panose="020B0009020202020204" pitchFamily="49" charset="0"/>
+              </a:rPr>
+              <a:t>_} ({</a:t>
+            </a:r>
+            <a:r>
+              <a:rPr lang="en-US" sz="1400" dirty="0" err="1">
+                <a:latin typeface="Aptos Mono" panose="020B0009020202020204" pitchFamily="49" charset="0"/>
+              </a:rPr>
+              <a:t>token.dep</a:t>
+            </a:r>
+            <a:r>
+              <a:rPr lang="en-US" sz="1400" dirty="0">
+                <a:latin typeface="Aptos Mono" panose="020B0009020202020204" pitchFamily="49" charset="0"/>
+              </a:rPr>
+              <a:t>_})")</a:t>
+            </a:r>
+            <a:endParaRPr lang="en-US" sz="1600" dirty="0">
+              <a:latin typeface="Aptos Mono" panose="020B0009020202020204" pitchFamily="49" charset="0"/>
+            </a:endParaRPr>
           </a:p>
         </p:txBody>
       </p:sp>
@@ -9417,7 +11265,7 @@
           <p:cNvPr id="4" name="Date Placeholder 3">
             <a:extLst>
               <a:ext uri="{FF2B5EF4-FFF2-40B4-BE49-F238E27FC236}">
-                <a16:creationId xmlns:a16="http://schemas.microsoft.com/office/drawing/2014/main" id="{1ACDE567-E7B6-C440-DAAA-5BE1905DBB91}"/>
+                <a16:creationId xmlns:a16="http://schemas.microsoft.com/office/drawing/2014/main" id="{340E02AA-AFC7-37AF-885D-FCF6DBB3BBE7}"/>
               </a:ext>
             </a:extLst>
           </p:cNvPr>
@@ -9445,7 +11293,7 @@
           <p:cNvPr id="5" name="Footer Placeholder 4">
             <a:extLst>
               <a:ext uri="{FF2B5EF4-FFF2-40B4-BE49-F238E27FC236}">
-                <a16:creationId xmlns:a16="http://schemas.microsoft.com/office/drawing/2014/main" id="{FC271603-985F-2862-39BD-821322311E77}"/>
+                <a16:creationId xmlns:a16="http://schemas.microsoft.com/office/drawing/2014/main" id="{65DFF0D7-2A5D-3F0C-6680-8A6B1443CE91}"/>
               </a:ext>
             </a:extLst>
           </p:cNvPr>
@@ -9462,8 +11310,8 @@
           <a:lstStyle/>
           <a:p>
             <a:r>
-              <a:rPr lang="en-US"/>
-              <a:t>https://github.com/ciioprof0/stixd </a:t>
+              <a:rPr lang="en-US" dirty="0"/>
+              <a:t>https://github.com/ciioprof0/stixd/tree/main/info523/src</a:t>
             </a:r>
           </a:p>
         </p:txBody>
@@ -9473,7 +11321,7 @@
           <p:cNvPr id="6" name="Slide Number Placeholder 5">
             <a:extLst>
               <a:ext uri="{FF2B5EF4-FFF2-40B4-BE49-F238E27FC236}">
-                <a16:creationId xmlns:a16="http://schemas.microsoft.com/office/drawing/2014/main" id="{F562D1AD-5959-E5EE-E10E-3E6302D0C05A}"/>
+                <a16:creationId xmlns:a16="http://schemas.microsoft.com/office/drawing/2014/main" id="{641662FC-04BF-CE9E-10AB-88822C57BB54}"/>
               </a:ext>
             </a:extLst>
           </p:cNvPr>
@@ -9500,7 +11348,7 @@
     </p:spTree>
     <p:extLst>
       <p:ext uri="{BB962C8B-B14F-4D97-AF65-F5344CB8AC3E}">
-        <p14:creationId xmlns:p14="http://schemas.microsoft.com/office/powerpoint/2010/main" val="4003301164"/>
+        <p14:creationId xmlns:p14="http://schemas.microsoft.com/office/powerpoint/2010/main" val="4185899925"/>
       </p:ext>
     </p:extLst>
   </p:cSld>
@@ -9726,10 +11574,10 @@
       </p:grpSpPr>
       <p:sp>
         <p:nvSpPr>
-          <p:cNvPr id="2" name="Title 1">
-            <a:extLst>
-              <a:ext uri="{FF2B5EF4-FFF2-40B4-BE49-F238E27FC236}">
-                <a16:creationId xmlns:a16="http://schemas.microsoft.com/office/drawing/2014/main" id="{C88770A4-A2E8-3DC3-AC37-EB2915061D3A}"/>
+          <p:cNvPr id="7" name="Title 6">
+            <a:extLst>
+              <a:ext uri="{FF2B5EF4-FFF2-40B4-BE49-F238E27FC236}">
+                <a16:creationId xmlns:a16="http://schemas.microsoft.com/office/drawing/2014/main" id="{0628AB2D-9912-32D1-1B9B-15141E747272}"/>
               </a:ext>
             </a:extLst>
           </p:cNvPr>
@@ -9745,16 +11593,19 @@
           <a:bodyPr/>
           <a:lstStyle/>
           <a:p>
-            <a:endParaRPr lang="en-US" dirty="0"/>
-          </a:p>
-        </p:txBody>
-      </p:sp>
-      <p:sp>
-        <p:nvSpPr>
-          <p:cNvPr id="3" name="Content Placeholder 2">
-            <a:extLst>
-              <a:ext uri="{FF2B5EF4-FFF2-40B4-BE49-F238E27FC236}">
-                <a16:creationId xmlns:a16="http://schemas.microsoft.com/office/drawing/2014/main" id="{9DAE6151-DB31-A840-37AB-CCD9EA573A1F}"/>
+            <a:r>
+              <a:rPr lang="en-US" dirty="0"/>
+              <a:t>STIX Description Example 1</a:t>
+            </a:r>
+          </a:p>
+        </p:txBody>
+      </p:sp>
+      <p:sp>
+        <p:nvSpPr>
+          <p:cNvPr id="8" name="Content Placeholder 7">
+            <a:extLst>
+              <a:ext uri="{FF2B5EF4-FFF2-40B4-BE49-F238E27FC236}">
+                <a16:creationId xmlns:a16="http://schemas.microsoft.com/office/drawing/2014/main" id="{185B7310-5B97-7EEE-4CC5-2A86AFBB8D9D}"/>
               </a:ext>
             </a:extLst>
           </p:cNvPr>
@@ -9767,10 +11618,154 @@
         </p:nvSpPr>
         <p:spPr/>
         <p:txBody>
-          <a:bodyPr/>
-          <a:lstStyle/>
-          <a:p>
-            <a:endParaRPr lang="en-US"/>
+          <a:bodyPr>
+            <a:normAutofit fontScale="77500" lnSpcReduction="20000"/>
+          </a:bodyPr>
+          <a:lstStyle/>
+          <a:p>
+            <a:pPr marL="0" indent="0">
+              <a:buNone/>
+            </a:pPr>
+            <a:r>
+              <a:rPr lang="en-US" dirty="0">
+                <a:latin typeface="Aptos Mono" panose="020B0009020202020204" pitchFamily="49" charset="0"/>
+              </a:rPr>
+              <a:t>Raw Text 1: A variant of the </a:t>
+            </a:r>
+            <a:r>
+              <a:rPr lang="en-US" dirty="0" err="1">
+                <a:latin typeface="Aptos Mono" panose="020B0009020202020204" pitchFamily="49" charset="0"/>
+              </a:rPr>
+              <a:t>cryptolocker</a:t>
+            </a:r>
+            <a:r>
+              <a:rPr lang="en-US" dirty="0">
+                <a:latin typeface="Aptos Mono" panose="020B0009020202020204" pitchFamily="49" charset="0"/>
+              </a:rPr>
+              <a:t> family</a:t>
+            </a:r>
+          </a:p>
+          <a:p>
+            <a:pPr marL="0" indent="0">
+              <a:buNone/>
+            </a:pPr>
+            <a:endParaRPr lang="en-US" dirty="0">
+              <a:latin typeface="Aptos Mono" panose="020B0009020202020204" pitchFamily="49" charset="0"/>
+            </a:endParaRPr>
+          </a:p>
+          <a:p>
+            <a:pPr marL="0" indent="0">
+              <a:buNone/>
+            </a:pPr>
+            <a:r>
+              <a:rPr lang="en-US" dirty="0">
+                <a:latin typeface="Aptos Mono" panose="020B0009020202020204" pitchFamily="49" charset="0"/>
+              </a:rPr>
+              <a:t>Tagged Text 1: A (DT) variant (NN) of (IN) the (DT) </a:t>
+            </a:r>
+            <a:r>
+              <a:rPr lang="en-US" dirty="0" err="1">
+                <a:latin typeface="Aptos Mono" panose="020B0009020202020204" pitchFamily="49" charset="0"/>
+              </a:rPr>
+              <a:t>cryptolocker</a:t>
+            </a:r>
+            <a:r>
+              <a:rPr lang="en-US" dirty="0">
+                <a:latin typeface="Aptos Mono" panose="020B0009020202020204" pitchFamily="49" charset="0"/>
+              </a:rPr>
+              <a:t> (NN) family (NN)</a:t>
+            </a:r>
+          </a:p>
+          <a:p>
+            <a:pPr marL="0" indent="0">
+              <a:buNone/>
+            </a:pPr>
+            <a:endParaRPr lang="en-US" dirty="0">
+              <a:latin typeface="Aptos Mono" panose="020B0009020202020204" pitchFamily="49" charset="0"/>
+            </a:endParaRPr>
+          </a:p>
+          <a:p>
+            <a:pPr marL="0" indent="0">
+              <a:buNone/>
+            </a:pPr>
+            <a:r>
+              <a:rPr lang="en-US" dirty="0">
+                <a:latin typeface="Aptos Mono" panose="020B0009020202020204" pitchFamily="49" charset="0"/>
+              </a:rPr>
+              <a:t>POS Tags:</a:t>
+            </a:r>
+          </a:p>
+          <a:p>
+            <a:pPr marL="0" indent="0">
+              <a:buNone/>
+            </a:pPr>
+            <a:r>
+              <a:rPr lang="en-US" dirty="0">
+                <a:latin typeface="Aptos Mono" panose="020B0009020202020204" pitchFamily="49" charset="0"/>
+              </a:rPr>
+              <a:t>A -&gt; DET (det)</a:t>
+            </a:r>
+          </a:p>
+          <a:p>
+            <a:pPr marL="0" indent="0">
+              <a:buNone/>
+            </a:pPr>
+            <a:r>
+              <a:rPr lang="en-US" dirty="0">
+                <a:latin typeface="Aptos Mono" panose="020B0009020202020204" pitchFamily="49" charset="0"/>
+              </a:rPr>
+              <a:t>variant -&gt; NOUN (ROOT)</a:t>
+            </a:r>
+          </a:p>
+          <a:p>
+            <a:pPr marL="0" indent="0">
+              <a:buNone/>
+            </a:pPr>
+            <a:r>
+              <a:rPr lang="en-US" dirty="0">
+                <a:latin typeface="Aptos Mono" panose="020B0009020202020204" pitchFamily="49" charset="0"/>
+              </a:rPr>
+              <a:t>of -&gt; ADP (prep)</a:t>
+            </a:r>
+          </a:p>
+          <a:p>
+            <a:pPr marL="0" indent="0">
+              <a:buNone/>
+            </a:pPr>
+            <a:r>
+              <a:rPr lang="en-US" dirty="0">
+                <a:latin typeface="Aptos Mono" panose="020B0009020202020204" pitchFamily="49" charset="0"/>
+              </a:rPr>
+              <a:t>the -&gt; DET (det)</a:t>
+            </a:r>
+          </a:p>
+          <a:p>
+            <a:pPr marL="0" indent="0">
+              <a:buNone/>
+            </a:pPr>
+            <a:r>
+              <a:rPr lang="en-US" dirty="0" err="1">
+                <a:latin typeface="Aptos Mono" panose="020B0009020202020204" pitchFamily="49" charset="0"/>
+              </a:rPr>
+              <a:t>cryptolocker</a:t>
+            </a:r>
+            <a:r>
+              <a:rPr lang="en-US" dirty="0">
+                <a:latin typeface="Aptos Mono" panose="020B0009020202020204" pitchFamily="49" charset="0"/>
+              </a:rPr>
+              <a:t> -&gt; NOUN (compound)</a:t>
+            </a:r>
+          </a:p>
+          <a:p>
+            <a:pPr marL="0" indent="0">
+              <a:buNone/>
+            </a:pPr>
+            <a:r>
+              <a:rPr lang="en-US" dirty="0">
+                <a:latin typeface="Aptos Mono" panose="020B0009020202020204" pitchFamily="49" charset="0"/>
+              </a:rPr>
+              <a:t>family -&gt; NOUN (pobj)</a:t>
+            </a:r>
           </a:p>
         </p:txBody>
       </p:sp>
@@ -9779,7 +11774,7 @@
           <p:cNvPr id="4" name="Date Placeholder 3">
             <a:extLst>
               <a:ext uri="{FF2B5EF4-FFF2-40B4-BE49-F238E27FC236}">
-                <a16:creationId xmlns:a16="http://schemas.microsoft.com/office/drawing/2014/main" id="{BF3BD434-9696-00FE-5CCB-D736215AAFEC}"/>
+                <a16:creationId xmlns:a16="http://schemas.microsoft.com/office/drawing/2014/main" id="{F59410E0-E5C4-B4F3-1AD0-F501EDD63A04}"/>
               </a:ext>
             </a:extLst>
           </p:cNvPr>
@@ -9807,7 +11802,7 @@
           <p:cNvPr id="5" name="Footer Placeholder 4">
             <a:extLst>
               <a:ext uri="{FF2B5EF4-FFF2-40B4-BE49-F238E27FC236}">
-                <a16:creationId xmlns:a16="http://schemas.microsoft.com/office/drawing/2014/main" id="{277B2655-623B-A414-59B7-1A6ADF00FBA9}"/>
+                <a16:creationId xmlns:a16="http://schemas.microsoft.com/office/drawing/2014/main" id="{E88CD08E-6D7E-A3FC-8053-316B0B350ED1}"/>
               </a:ext>
             </a:extLst>
           </p:cNvPr>
@@ -9835,7 +11830,7 @@
           <p:cNvPr id="6" name="Slide Number Placeholder 5">
             <a:extLst>
               <a:ext uri="{FF2B5EF4-FFF2-40B4-BE49-F238E27FC236}">
-                <a16:creationId xmlns:a16="http://schemas.microsoft.com/office/drawing/2014/main" id="{9C3FD512-6EDB-5271-B7A8-3033BA66C1A7}"/>
+                <a16:creationId xmlns:a16="http://schemas.microsoft.com/office/drawing/2014/main" id="{C2352D31-CD28-9BD8-7942-5360704EC0CE}"/>
               </a:ext>
             </a:extLst>
           </p:cNvPr>
@@ -9854,6 +11849,1301 @@
             <a:fld id="{BA219C19-895B-41AA-B189-1A480F8BE28A}" type="slidenum">
               <a:rPr lang="en-US" smtClean="0"/>
               <a:t>20</a:t>
+            </a:fld>
+            <a:endParaRPr lang="en-US"/>
+          </a:p>
+        </p:txBody>
+      </p:sp>
+    </p:spTree>
+    <p:extLst>
+      <p:ext uri="{BB962C8B-B14F-4D97-AF65-F5344CB8AC3E}">
+        <p14:creationId xmlns:p14="http://schemas.microsoft.com/office/powerpoint/2010/main" val="3049945882"/>
+      </p:ext>
+    </p:extLst>
+  </p:cSld>
+  <p:clrMapOvr>
+    <a:masterClrMapping/>
+  </p:clrMapOvr>
+</p:sld>
+</file>
+
+<file path=ppt/slides/slide21.xml><?xml version="1.0" encoding="utf-8"?>
+<p:sld xmlns:a="http://schemas.openxmlformats.org/drawingml/2006/main" xmlns:r="http://schemas.openxmlformats.org/officeDocument/2006/relationships" xmlns:p="http://schemas.openxmlformats.org/presentationml/2006/main">
+  <p:cSld>
+    <p:spTree>
+      <p:nvGrpSpPr>
+        <p:cNvPr id="1" name=""/>
+        <p:cNvGrpSpPr/>
+        <p:nvPr/>
+      </p:nvGrpSpPr>
+      <p:grpSpPr>
+        <a:xfrm>
+          <a:off x="0" y="0"/>
+          <a:ext cx="0" cy="0"/>
+          <a:chOff x="0" y="0"/>
+          <a:chExt cx="0" cy="0"/>
+        </a:xfrm>
+      </p:grpSpPr>
+      <p:sp>
+        <p:nvSpPr>
+          <p:cNvPr id="2" name="Title 1">
+            <a:extLst>
+              <a:ext uri="{FF2B5EF4-FFF2-40B4-BE49-F238E27FC236}">
+                <a16:creationId xmlns:a16="http://schemas.microsoft.com/office/drawing/2014/main" id="{87187CCF-3EDE-FE1D-24BE-D982A535B7A9}"/>
+              </a:ext>
+            </a:extLst>
+          </p:cNvPr>
+          <p:cNvSpPr>
+            <a:spLocks noGrp="1"/>
+          </p:cNvSpPr>
+          <p:nvPr>
+            <p:ph type="title"/>
+          </p:nvPr>
+        </p:nvSpPr>
+        <p:spPr/>
+        <p:txBody>
+          <a:bodyPr/>
+          <a:lstStyle/>
+          <a:p>
+            <a:r>
+              <a:rPr lang="en-US" dirty="0"/>
+              <a:t>STIX Description Example 2</a:t>
+            </a:r>
+          </a:p>
+        </p:txBody>
+      </p:sp>
+      <p:sp>
+        <p:nvSpPr>
+          <p:cNvPr id="3" name="Content Placeholder 2">
+            <a:extLst>
+              <a:ext uri="{FF2B5EF4-FFF2-40B4-BE49-F238E27FC236}">
+                <a16:creationId xmlns:a16="http://schemas.microsoft.com/office/drawing/2014/main" id="{FB9CF954-5BD6-2425-CF31-0A58430A09BF}"/>
+              </a:ext>
+            </a:extLst>
+          </p:cNvPr>
+          <p:cNvSpPr>
+            <a:spLocks noGrp="1"/>
+          </p:cNvSpPr>
+          <p:nvPr>
+            <p:ph idx="1"/>
+          </p:nvPr>
+        </p:nvSpPr>
+        <p:spPr/>
+        <p:txBody>
+          <a:bodyPr>
+            <a:normAutofit fontScale="77500" lnSpcReduction="20000"/>
+          </a:bodyPr>
+          <a:lstStyle/>
+          <a:p>
+            <a:pPr marL="0" indent="0">
+              <a:buNone/>
+            </a:pPr>
+            <a:r>
+              <a:rPr lang="en-US" dirty="0">
+                <a:latin typeface="Aptos Mono" panose="020B0009020202020204" pitchFamily="49" charset="0"/>
+              </a:rPr>
+              <a:t>Raw Text 2: The Evil Org threat actor group</a:t>
+            </a:r>
+          </a:p>
+          <a:p>
+            <a:pPr marL="0" indent="0">
+              <a:buNone/>
+            </a:pPr>
+            <a:endParaRPr lang="en-US" dirty="0">
+              <a:latin typeface="Aptos Mono" panose="020B0009020202020204" pitchFamily="49" charset="0"/>
+            </a:endParaRPr>
+          </a:p>
+          <a:p>
+            <a:pPr marL="0" indent="0">
+              <a:buNone/>
+            </a:pPr>
+            <a:r>
+              <a:rPr lang="en-US" dirty="0">
+                <a:latin typeface="Aptos Mono" panose="020B0009020202020204" pitchFamily="49" charset="0"/>
+              </a:rPr>
+              <a:t>Tagged Text 2: The (DT) Evil (JJ) Org (NNP) threat (NN) actor (NN) group (NN)</a:t>
+            </a:r>
+          </a:p>
+          <a:p>
+            <a:pPr marL="0" indent="0">
+              <a:buNone/>
+            </a:pPr>
+            <a:endParaRPr lang="en-US" dirty="0">
+              <a:latin typeface="Aptos Mono" panose="020B0009020202020204" pitchFamily="49" charset="0"/>
+            </a:endParaRPr>
+          </a:p>
+          <a:p>
+            <a:pPr marL="0" indent="0">
+              <a:buNone/>
+            </a:pPr>
+            <a:r>
+              <a:rPr lang="en-US" dirty="0">
+                <a:latin typeface="Aptos Mono" panose="020B0009020202020204" pitchFamily="49" charset="0"/>
+              </a:rPr>
+              <a:t>POS Tags:</a:t>
+            </a:r>
+          </a:p>
+          <a:p>
+            <a:pPr marL="0" indent="0">
+              <a:buNone/>
+            </a:pPr>
+            <a:r>
+              <a:rPr lang="en-US" dirty="0">
+                <a:latin typeface="Aptos Mono" panose="020B0009020202020204" pitchFamily="49" charset="0"/>
+              </a:rPr>
+              <a:t>The -&gt; DET (det)</a:t>
+            </a:r>
+          </a:p>
+          <a:p>
+            <a:pPr marL="0" indent="0">
+              <a:buNone/>
+            </a:pPr>
+            <a:r>
+              <a:rPr lang="en-US" dirty="0">
+                <a:latin typeface="Aptos Mono" panose="020B0009020202020204" pitchFamily="49" charset="0"/>
+              </a:rPr>
+              <a:t>Evil -&gt; ADJ (compound)</a:t>
+            </a:r>
+          </a:p>
+          <a:p>
+            <a:pPr marL="0" indent="0">
+              <a:buNone/>
+            </a:pPr>
+            <a:r>
+              <a:rPr lang="en-US" dirty="0">
+                <a:latin typeface="Aptos Mono" panose="020B0009020202020204" pitchFamily="49" charset="0"/>
+              </a:rPr>
+              <a:t>Org -&gt; </a:t>
+            </a:r>
+            <a:r>
+              <a:rPr lang="en-US" dirty="0" err="1">
+                <a:latin typeface="Aptos Mono" panose="020B0009020202020204" pitchFamily="49" charset="0"/>
+              </a:rPr>
+              <a:t>PROPN</a:t>
+            </a:r>
+            <a:r>
+              <a:rPr lang="en-US" dirty="0">
+                <a:latin typeface="Aptos Mono" panose="020B0009020202020204" pitchFamily="49" charset="0"/>
+              </a:rPr>
+              <a:t> (compound)</a:t>
+            </a:r>
+          </a:p>
+          <a:p>
+            <a:pPr marL="0" indent="0">
+              <a:buNone/>
+            </a:pPr>
+            <a:r>
+              <a:rPr lang="en-US" dirty="0">
+                <a:latin typeface="Aptos Mono" panose="020B0009020202020204" pitchFamily="49" charset="0"/>
+              </a:rPr>
+              <a:t>threat -&gt; NOUN (compound)</a:t>
+            </a:r>
+          </a:p>
+          <a:p>
+            <a:pPr marL="0" indent="0">
+              <a:buNone/>
+            </a:pPr>
+            <a:r>
+              <a:rPr lang="en-US" dirty="0">
+                <a:latin typeface="Aptos Mono" panose="020B0009020202020204" pitchFamily="49" charset="0"/>
+              </a:rPr>
+              <a:t>actor -&gt; NOUN (compound)</a:t>
+            </a:r>
+          </a:p>
+          <a:p>
+            <a:pPr marL="0" indent="0">
+              <a:buNone/>
+            </a:pPr>
+            <a:r>
+              <a:rPr lang="en-US" dirty="0">
+                <a:latin typeface="Aptos Mono" panose="020B0009020202020204" pitchFamily="49" charset="0"/>
+              </a:rPr>
+              <a:t>group -&gt; NOUN (ROOT)</a:t>
+            </a:r>
+          </a:p>
+        </p:txBody>
+      </p:sp>
+      <p:sp>
+        <p:nvSpPr>
+          <p:cNvPr id="4" name="Date Placeholder 3">
+            <a:extLst>
+              <a:ext uri="{FF2B5EF4-FFF2-40B4-BE49-F238E27FC236}">
+                <a16:creationId xmlns:a16="http://schemas.microsoft.com/office/drawing/2014/main" id="{1ACDE567-E7B6-C440-DAAA-5BE1905DBB91}"/>
+              </a:ext>
+            </a:extLst>
+          </p:cNvPr>
+          <p:cNvSpPr>
+            <a:spLocks noGrp="1"/>
+          </p:cNvSpPr>
+          <p:nvPr>
+            <p:ph type="dt" sz="half" idx="10"/>
+          </p:nvPr>
+        </p:nvSpPr>
+        <p:spPr/>
+        <p:txBody>
+          <a:bodyPr/>
+          <a:lstStyle/>
+          <a:p>
+            <a:r>
+              <a:rPr lang="en-US"/>
+              <a:t>8/12/2024</a:t>
+            </a:r>
+          </a:p>
+        </p:txBody>
+      </p:sp>
+      <p:sp>
+        <p:nvSpPr>
+          <p:cNvPr id="5" name="Footer Placeholder 4">
+            <a:extLst>
+              <a:ext uri="{FF2B5EF4-FFF2-40B4-BE49-F238E27FC236}">
+                <a16:creationId xmlns:a16="http://schemas.microsoft.com/office/drawing/2014/main" id="{FC271603-985F-2862-39BD-821322311E77}"/>
+              </a:ext>
+            </a:extLst>
+          </p:cNvPr>
+          <p:cNvSpPr>
+            <a:spLocks noGrp="1"/>
+          </p:cNvSpPr>
+          <p:nvPr>
+            <p:ph type="ftr" sz="quarter" idx="11"/>
+          </p:nvPr>
+        </p:nvSpPr>
+        <p:spPr/>
+        <p:txBody>
+          <a:bodyPr/>
+          <a:lstStyle/>
+          <a:p>
+            <a:r>
+              <a:rPr lang="en-US"/>
+              <a:t>https://github.com/ciioprof0/stixd </a:t>
+            </a:r>
+          </a:p>
+        </p:txBody>
+      </p:sp>
+      <p:sp>
+        <p:nvSpPr>
+          <p:cNvPr id="6" name="Slide Number Placeholder 5">
+            <a:extLst>
+              <a:ext uri="{FF2B5EF4-FFF2-40B4-BE49-F238E27FC236}">
+                <a16:creationId xmlns:a16="http://schemas.microsoft.com/office/drawing/2014/main" id="{F562D1AD-5959-E5EE-E10E-3E6302D0C05A}"/>
+              </a:ext>
+            </a:extLst>
+          </p:cNvPr>
+          <p:cNvSpPr>
+            <a:spLocks noGrp="1"/>
+          </p:cNvSpPr>
+          <p:nvPr>
+            <p:ph type="sldNum" sz="quarter" idx="12"/>
+          </p:nvPr>
+        </p:nvSpPr>
+        <p:spPr/>
+        <p:txBody>
+          <a:bodyPr/>
+          <a:lstStyle/>
+          <a:p>
+            <a:fld id="{BA219C19-895B-41AA-B189-1A480F8BE28A}" type="slidenum">
+              <a:rPr lang="en-US" smtClean="0"/>
+              <a:t>21</a:t>
+            </a:fld>
+            <a:endParaRPr lang="en-US"/>
+          </a:p>
+        </p:txBody>
+      </p:sp>
+    </p:spTree>
+    <p:extLst>
+      <p:ext uri="{BB962C8B-B14F-4D97-AF65-F5344CB8AC3E}">
+        <p14:creationId xmlns:p14="http://schemas.microsoft.com/office/powerpoint/2010/main" val="4003301164"/>
+      </p:ext>
+    </p:extLst>
+  </p:cSld>
+  <p:clrMapOvr>
+    <a:masterClrMapping/>
+  </p:clrMapOvr>
+</p:sld>
+</file>
+
+<file path=ppt/slides/slide22.xml><?xml version="1.0" encoding="utf-8"?>
+<p:sld xmlns:a="http://schemas.openxmlformats.org/drawingml/2006/main" xmlns:r="http://schemas.openxmlformats.org/officeDocument/2006/relationships" xmlns:p="http://schemas.openxmlformats.org/presentationml/2006/main">
+  <p:cSld>
+    <p:spTree>
+      <p:nvGrpSpPr>
+        <p:cNvPr id="1" name=""/>
+        <p:cNvGrpSpPr/>
+        <p:nvPr/>
+      </p:nvGrpSpPr>
+      <p:grpSpPr>
+        <a:xfrm>
+          <a:off x="0" y="0"/>
+          <a:ext cx="0" cy="0"/>
+          <a:chOff x="0" y="0"/>
+          <a:chExt cx="0" cy="0"/>
+        </a:xfrm>
+      </p:grpSpPr>
+      <p:sp>
+        <p:nvSpPr>
+          <p:cNvPr id="2" name="Title 1">
+            <a:extLst>
+              <a:ext uri="{FF2B5EF4-FFF2-40B4-BE49-F238E27FC236}">
+                <a16:creationId xmlns:a16="http://schemas.microsoft.com/office/drawing/2014/main" id="{87187CCF-3EDE-FE1D-24BE-D982A535B7A9}"/>
+              </a:ext>
+            </a:extLst>
+          </p:cNvPr>
+          <p:cNvSpPr>
+            <a:spLocks noGrp="1"/>
+          </p:cNvSpPr>
+          <p:nvPr>
+            <p:ph type="title"/>
+          </p:nvPr>
+        </p:nvSpPr>
+        <p:spPr/>
+        <p:txBody>
+          <a:bodyPr/>
+          <a:lstStyle/>
+          <a:p>
+            <a:r>
+              <a:rPr lang="en-US" dirty="0"/>
+              <a:t>STIX Description Example 3</a:t>
+            </a:r>
+          </a:p>
+        </p:txBody>
+      </p:sp>
+      <p:sp>
+        <p:nvSpPr>
+          <p:cNvPr id="3" name="Content Placeholder 2">
+            <a:extLst>
+              <a:ext uri="{FF2B5EF4-FFF2-40B4-BE49-F238E27FC236}">
+                <a16:creationId xmlns:a16="http://schemas.microsoft.com/office/drawing/2014/main" id="{FB9CF954-5BD6-2425-CF31-0A58430A09BF}"/>
+              </a:ext>
+            </a:extLst>
+          </p:cNvPr>
+          <p:cNvSpPr>
+            <a:spLocks noGrp="1"/>
+          </p:cNvSpPr>
+          <p:nvPr>
+            <p:ph idx="1"/>
+          </p:nvPr>
+        </p:nvSpPr>
+        <p:spPr/>
+        <p:txBody>
+          <a:bodyPr>
+            <a:normAutofit fontScale="70000" lnSpcReduction="20000"/>
+          </a:bodyPr>
+          <a:lstStyle/>
+          <a:p>
+            <a:pPr marL="0" indent="0">
+              <a:buNone/>
+            </a:pPr>
+            <a:r>
+              <a:rPr lang="en-US" dirty="0">
+                <a:latin typeface="Aptos Mono" panose="020B0009020202020204" pitchFamily="49" charset="0"/>
+              </a:rPr>
+              <a:t>Raw Text 3: This file is part of Poison Ivy</a:t>
+            </a:r>
+          </a:p>
+          <a:p>
+            <a:pPr marL="0" indent="0">
+              <a:buNone/>
+            </a:pPr>
+            <a:endParaRPr lang="en-US" dirty="0">
+              <a:latin typeface="Aptos Mono" panose="020B0009020202020204" pitchFamily="49" charset="0"/>
+            </a:endParaRPr>
+          </a:p>
+          <a:p>
+            <a:pPr marL="0" indent="0">
+              <a:buNone/>
+            </a:pPr>
+            <a:r>
+              <a:rPr lang="en-US" dirty="0">
+                <a:latin typeface="Aptos Mono" panose="020B0009020202020204" pitchFamily="49" charset="0"/>
+              </a:rPr>
+              <a:t>Tagged Text 3: This (DT) file (NN) is (</a:t>
+            </a:r>
+            <a:r>
+              <a:rPr lang="en-US" dirty="0" err="1">
+                <a:latin typeface="Aptos Mono" panose="020B0009020202020204" pitchFamily="49" charset="0"/>
+              </a:rPr>
+              <a:t>VBZ</a:t>
+            </a:r>
+            <a:r>
+              <a:rPr lang="en-US" dirty="0">
+                <a:latin typeface="Aptos Mono" panose="020B0009020202020204" pitchFamily="49" charset="0"/>
+              </a:rPr>
+              <a:t>) part (NN) of (IN) Poison (NNP) Ivy (NNP)</a:t>
+            </a:r>
+          </a:p>
+          <a:p>
+            <a:pPr marL="0" indent="0">
+              <a:buNone/>
+            </a:pPr>
+            <a:endParaRPr lang="en-US" dirty="0">
+              <a:latin typeface="Aptos Mono" panose="020B0009020202020204" pitchFamily="49" charset="0"/>
+            </a:endParaRPr>
+          </a:p>
+          <a:p>
+            <a:pPr marL="0" indent="0">
+              <a:buNone/>
+            </a:pPr>
+            <a:r>
+              <a:rPr lang="en-US" dirty="0">
+                <a:latin typeface="Aptos Mono" panose="020B0009020202020204" pitchFamily="49" charset="0"/>
+              </a:rPr>
+              <a:t>POS Tags:</a:t>
+            </a:r>
+          </a:p>
+          <a:p>
+            <a:pPr marL="0" indent="0">
+              <a:buNone/>
+            </a:pPr>
+            <a:r>
+              <a:rPr lang="en-US" dirty="0">
+                <a:latin typeface="Aptos Mono" panose="020B0009020202020204" pitchFamily="49" charset="0"/>
+              </a:rPr>
+              <a:t>This -&gt; DET (det)</a:t>
+            </a:r>
+          </a:p>
+          <a:p>
+            <a:pPr marL="0" indent="0">
+              <a:buNone/>
+            </a:pPr>
+            <a:r>
+              <a:rPr lang="en-US" dirty="0">
+                <a:latin typeface="Aptos Mono" panose="020B0009020202020204" pitchFamily="49" charset="0"/>
+              </a:rPr>
+              <a:t>file -&gt; NOUN (</a:t>
+            </a:r>
+            <a:r>
+              <a:rPr lang="en-US" dirty="0" err="1">
+                <a:latin typeface="Aptos Mono" panose="020B0009020202020204" pitchFamily="49" charset="0"/>
+              </a:rPr>
+              <a:t>nsubj</a:t>
+            </a:r>
+            <a:r>
+              <a:rPr lang="en-US" dirty="0">
+                <a:latin typeface="Aptos Mono" panose="020B0009020202020204" pitchFamily="49" charset="0"/>
+              </a:rPr>
+              <a:t>)</a:t>
+            </a:r>
+          </a:p>
+          <a:p>
+            <a:pPr marL="0" indent="0">
+              <a:buNone/>
+            </a:pPr>
+            <a:r>
+              <a:rPr lang="en-US" dirty="0">
+                <a:latin typeface="Aptos Mono" panose="020B0009020202020204" pitchFamily="49" charset="0"/>
+              </a:rPr>
+              <a:t>is -&gt; AUX (ROOT)</a:t>
+            </a:r>
+          </a:p>
+          <a:p>
+            <a:pPr marL="0" indent="0">
+              <a:buNone/>
+            </a:pPr>
+            <a:r>
+              <a:rPr lang="en-US" dirty="0">
+                <a:latin typeface="Aptos Mono" panose="020B0009020202020204" pitchFamily="49" charset="0"/>
+              </a:rPr>
+              <a:t>part -&gt; NOUN (</a:t>
+            </a:r>
+            <a:r>
+              <a:rPr lang="en-US" dirty="0" err="1">
+                <a:latin typeface="Aptos Mono" panose="020B0009020202020204" pitchFamily="49" charset="0"/>
+              </a:rPr>
+              <a:t>attr</a:t>
+            </a:r>
+            <a:r>
+              <a:rPr lang="en-US" dirty="0">
+                <a:latin typeface="Aptos Mono" panose="020B0009020202020204" pitchFamily="49" charset="0"/>
+              </a:rPr>
+              <a:t>)</a:t>
+            </a:r>
+          </a:p>
+          <a:p>
+            <a:pPr marL="0" indent="0">
+              <a:buNone/>
+            </a:pPr>
+            <a:r>
+              <a:rPr lang="en-US" dirty="0">
+                <a:latin typeface="Aptos Mono" panose="020B0009020202020204" pitchFamily="49" charset="0"/>
+              </a:rPr>
+              <a:t>of -&gt; ADP (prep)</a:t>
+            </a:r>
+          </a:p>
+          <a:p>
+            <a:pPr marL="0" indent="0">
+              <a:buNone/>
+            </a:pPr>
+            <a:r>
+              <a:rPr lang="en-US" dirty="0">
+                <a:latin typeface="Aptos Mono" panose="020B0009020202020204" pitchFamily="49" charset="0"/>
+              </a:rPr>
+              <a:t>Poison -&gt; </a:t>
+            </a:r>
+            <a:r>
+              <a:rPr lang="en-US" dirty="0" err="1">
+                <a:latin typeface="Aptos Mono" panose="020B0009020202020204" pitchFamily="49" charset="0"/>
+              </a:rPr>
+              <a:t>PROPN</a:t>
+            </a:r>
+            <a:r>
+              <a:rPr lang="en-US" dirty="0">
+                <a:latin typeface="Aptos Mono" panose="020B0009020202020204" pitchFamily="49" charset="0"/>
+              </a:rPr>
+              <a:t> (compound)</a:t>
+            </a:r>
+          </a:p>
+          <a:p>
+            <a:pPr marL="0" indent="0">
+              <a:buNone/>
+            </a:pPr>
+            <a:r>
+              <a:rPr lang="en-US" dirty="0">
+                <a:latin typeface="Aptos Mono" panose="020B0009020202020204" pitchFamily="49" charset="0"/>
+              </a:rPr>
+              <a:t>Ivy -&gt; </a:t>
+            </a:r>
+            <a:r>
+              <a:rPr lang="en-US" dirty="0" err="1">
+                <a:latin typeface="Aptos Mono" panose="020B0009020202020204" pitchFamily="49" charset="0"/>
+              </a:rPr>
+              <a:t>PROPN</a:t>
+            </a:r>
+            <a:r>
+              <a:rPr lang="en-US" dirty="0">
+                <a:latin typeface="Aptos Mono" panose="020B0009020202020204" pitchFamily="49" charset="0"/>
+              </a:rPr>
+              <a:t> (pobj)</a:t>
+            </a:r>
+          </a:p>
+        </p:txBody>
+      </p:sp>
+      <p:sp>
+        <p:nvSpPr>
+          <p:cNvPr id="4" name="Date Placeholder 3">
+            <a:extLst>
+              <a:ext uri="{FF2B5EF4-FFF2-40B4-BE49-F238E27FC236}">
+                <a16:creationId xmlns:a16="http://schemas.microsoft.com/office/drawing/2014/main" id="{1ACDE567-E7B6-C440-DAAA-5BE1905DBB91}"/>
+              </a:ext>
+            </a:extLst>
+          </p:cNvPr>
+          <p:cNvSpPr>
+            <a:spLocks noGrp="1"/>
+          </p:cNvSpPr>
+          <p:nvPr>
+            <p:ph type="dt" sz="half" idx="10"/>
+          </p:nvPr>
+        </p:nvSpPr>
+        <p:spPr/>
+        <p:txBody>
+          <a:bodyPr/>
+          <a:lstStyle/>
+          <a:p>
+            <a:r>
+              <a:rPr lang="en-US"/>
+              <a:t>8/12/2024</a:t>
+            </a:r>
+          </a:p>
+        </p:txBody>
+      </p:sp>
+      <p:sp>
+        <p:nvSpPr>
+          <p:cNvPr id="5" name="Footer Placeholder 4">
+            <a:extLst>
+              <a:ext uri="{FF2B5EF4-FFF2-40B4-BE49-F238E27FC236}">
+                <a16:creationId xmlns:a16="http://schemas.microsoft.com/office/drawing/2014/main" id="{FC271603-985F-2862-39BD-821322311E77}"/>
+              </a:ext>
+            </a:extLst>
+          </p:cNvPr>
+          <p:cNvSpPr>
+            <a:spLocks noGrp="1"/>
+          </p:cNvSpPr>
+          <p:nvPr>
+            <p:ph type="ftr" sz="quarter" idx="11"/>
+          </p:nvPr>
+        </p:nvSpPr>
+        <p:spPr/>
+        <p:txBody>
+          <a:bodyPr/>
+          <a:lstStyle/>
+          <a:p>
+            <a:r>
+              <a:rPr lang="en-US"/>
+              <a:t>https://github.com/ciioprof0/stixd </a:t>
+            </a:r>
+          </a:p>
+        </p:txBody>
+      </p:sp>
+      <p:sp>
+        <p:nvSpPr>
+          <p:cNvPr id="6" name="Slide Number Placeholder 5">
+            <a:extLst>
+              <a:ext uri="{FF2B5EF4-FFF2-40B4-BE49-F238E27FC236}">
+                <a16:creationId xmlns:a16="http://schemas.microsoft.com/office/drawing/2014/main" id="{F562D1AD-5959-E5EE-E10E-3E6302D0C05A}"/>
+              </a:ext>
+            </a:extLst>
+          </p:cNvPr>
+          <p:cNvSpPr>
+            <a:spLocks noGrp="1"/>
+          </p:cNvSpPr>
+          <p:nvPr>
+            <p:ph type="sldNum" sz="quarter" idx="12"/>
+          </p:nvPr>
+        </p:nvSpPr>
+        <p:spPr/>
+        <p:txBody>
+          <a:bodyPr/>
+          <a:lstStyle/>
+          <a:p>
+            <a:fld id="{BA219C19-895B-41AA-B189-1A480F8BE28A}" type="slidenum">
+              <a:rPr lang="en-US" smtClean="0"/>
+              <a:t>22</a:t>
+            </a:fld>
+            <a:endParaRPr lang="en-US"/>
+          </a:p>
+        </p:txBody>
+      </p:sp>
+    </p:spTree>
+    <p:extLst>
+      <p:ext uri="{BB962C8B-B14F-4D97-AF65-F5344CB8AC3E}">
+        <p14:creationId xmlns:p14="http://schemas.microsoft.com/office/powerpoint/2010/main" val="256857067"/>
+      </p:ext>
+    </p:extLst>
+  </p:cSld>
+  <p:clrMapOvr>
+    <a:masterClrMapping/>
+  </p:clrMapOvr>
+</p:sld>
+</file>
+
+<file path=ppt/slides/slide23.xml><?xml version="1.0" encoding="utf-8"?>
+<p:sld xmlns:a="http://schemas.openxmlformats.org/drawingml/2006/main" xmlns:r="http://schemas.openxmlformats.org/officeDocument/2006/relationships" xmlns:p="http://schemas.openxmlformats.org/presentationml/2006/main">
+  <p:cSld>
+    <p:spTree>
+      <p:nvGrpSpPr>
+        <p:cNvPr id="1" name=""/>
+        <p:cNvGrpSpPr/>
+        <p:nvPr/>
+      </p:nvGrpSpPr>
+      <p:grpSpPr>
+        <a:xfrm>
+          <a:off x="0" y="0"/>
+          <a:ext cx="0" cy="0"/>
+          <a:chOff x="0" y="0"/>
+          <a:chExt cx="0" cy="0"/>
+        </a:xfrm>
+      </p:grpSpPr>
+      <p:sp>
+        <p:nvSpPr>
+          <p:cNvPr id="2" name="Title 1">
+            <a:extLst>
+              <a:ext uri="{FF2B5EF4-FFF2-40B4-BE49-F238E27FC236}">
+                <a16:creationId xmlns:a16="http://schemas.microsoft.com/office/drawing/2014/main" id="{87187CCF-3EDE-FE1D-24BE-D982A535B7A9}"/>
+              </a:ext>
+            </a:extLst>
+          </p:cNvPr>
+          <p:cNvSpPr>
+            <a:spLocks noGrp="1"/>
+          </p:cNvSpPr>
+          <p:nvPr>
+            <p:ph type="title"/>
+          </p:nvPr>
+        </p:nvSpPr>
+        <p:spPr/>
+        <p:txBody>
+          <a:bodyPr/>
+          <a:lstStyle/>
+          <a:p>
+            <a:r>
+              <a:rPr lang="en-US" dirty="0"/>
+              <a:t>STIX Description Example 4</a:t>
+            </a:r>
+          </a:p>
+        </p:txBody>
+      </p:sp>
+      <p:sp>
+        <p:nvSpPr>
+          <p:cNvPr id="3" name="Content Placeholder 2">
+            <a:extLst>
+              <a:ext uri="{FF2B5EF4-FFF2-40B4-BE49-F238E27FC236}">
+                <a16:creationId xmlns:a16="http://schemas.microsoft.com/office/drawing/2014/main" id="{FB9CF954-5BD6-2425-CF31-0A58430A09BF}"/>
+              </a:ext>
+            </a:extLst>
+          </p:cNvPr>
+          <p:cNvSpPr>
+            <a:spLocks noGrp="1"/>
+          </p:cNvSpPr>
+          <p:nvPr>
+            <p:ph idx="1"/>
+          </p:nvPr>
+        </p:nvSpPr>
+        <p:spPr/>
+        <p:txBody>
+          <a:bodyPr>
+            <a:normAutofit/>
+          </a:bodyPr>
+          <a:lstStyle/>
+          <a:p>
+            <a:pPr marL="0" indent="0">
+              <a:buNone/>
+            </a:pPr>
+            <a:r>
+              <a:rPr lang="en-US" dirty="0">
+                <a:latin typeface="Aptos Mono" panose="020B0009020202020204" pitchFamily="49" charset="0"/>
+              </a:rPr>
+              <a:t>Tagged Text 4: A (DT) particular (JJ) form (NN) of (IN) spear (NN) phishing (VBG) where (</a:t>
+            </a:r>
+            <a:r>
+              <a:rPr lang="en-US" dirty="0" err="1">
+                <a:latin typeface="Aptos Mono" panose="020B0009020202020204" pitchFamily="49" charset="0"/>
+              </a:rPr>
+              <a:t>WRB</a:t>
+            </a:r>
+            <a:r>
+              <a:rPr lang="en-US" dirty="0">
+                <a:latin typeface="Aptos Mono" panose="020B0009020202020204" pitchFamily="49" charset="0"/>
+              </a:rPr>
+              <a:t>) the (DT) attacker (NN) claims (</a:t>
+            </a:r>
+            <a:r>
+              <a:rPr lang="en-US" dirty="0" err="1">
+                <a:latin typeface="Aptos Mono" panose="020B0009020202020204" pitchFamily="49" charset="0"/>
+              </a:rPr>
+              <a:t>VBZ</a:t>
+            </a:r>
+            <a:r>
+              <a:rPr lang="en-US" dirty="0">
+                <a:latin typeface="Aptos Mono" panose="020B0009020202020204" pitchFamily="49" charset="0"/>
+              </a:rPr>
+              <a:t>) that (IN) the (DT) target (NN) had (</a:t>
+            </a:r>
+            <a:r>
+              <a:rPr lang="en-US" dirty="0" err="1">
+                <a:latin typeface="Aptos Mono" panose="020B0009020202020204" pitchFamily="49" charset="0"/>
+              </a:rPr>
+              <a:t>VBD</a:t>
+            </a:r>
+            <a:r>
+              <a:rPr lang="en-US" dirty="0">
+                <a:latin typeface="Aptos Mono" panose="020B0009020202020204" pitchFamily="49" charset="0"/>
+              </a:rPr>
+              <a:t>) won (</a:t>
+            </a:r>
+            <a:r>
+              <a:rPr lang="en-US" dirty="0" err="1">
+                <a:latin typeface="Aptos Mono" panose="020B0009020202020204" pitchFamily="49" charset="0"/>
+              </a:rPr>
+              <a:t>VBN</a:t>
+            </a:r>
+            <a:r>
+              <a:rPr lang="en-US" dirty="0">
+                <a:latin typeface="Aptos Mono" panose="020B0009020202020204" pitchFamily="49" charset="0"/>
+              </a:rPr>
+              <a:t>) a (DT) contest (NN) , (,) including (VBG) personal (JJ) details (NNS) , (,) to (TO) get (VB) them (PRP) to (TO) click (VB) on (IN) a (DT) link (NN) . (.)</a:t>
+            </a:r>
+            <a:br>
+              <a:rPr lang="en-US" dirty="0">
+                <a:latin typeface="Aptos Mono" panose="020B0009020202020204" pitchFamily="49" charset="0"/>
+              </a:rPr>
+            </a:br>
+            <a:endParaRPr lang="en-US" dirty="0">
+              <a:latin typeface="Aptos Mono" panose="020B0009020202020204" pitchFamily="49" charset="0"/>
+            </a:endParaRPr>
+          </a:p>
+          <a:p>
+            <a:pPr marL="0" indent="0">
+              <a:buNone/>
+            </a:pPr>
+            <a:r>
+              <a:rPr lang="en-US" dirty="0">
+                <a:latin typeface="+mj-lt"/>
+              </a:rPr>
+              <a:t>Full output at link below</a:t>
+            </a:r>
+          </a:p>
+        </p:txBody>
+      </p:sp>
+      <p:sp>
+        <p:nvSpPr>
+          <p:cNvPr id="4" name="Date Placeholder 3">
+            <a:extLst>
+              <a:ext uri="{FF2B5EF4-FFF2-40B4-BE49-F238E27FC236}">
+                <a16:creationId xmlns:a16="http://schemas.microsoft.com/office/drawing/2014/main" id="{1ACDE567-E7B6-C440-DAAA-5BE1905DBB91}"/>
+              </a:ext>
+            </a:extLst>
+          </p:cNvPr>
+          <p:cNvSpPr>
+            <a:spLocks noGrp="1"/>
+          </p:cNvSpPr>
+          <p:nvPr>
+            <p:ph type="dt" sz="half" idx="10"/>
+          </p:nvPr>
+        </p:nvSpPr>
+        <p:spPr/>
+        <p:txBody>
+          <a:bodyPr/>
+          <a:lstStyle/>
+          <a:p>
+            <a:r>
+              <a:rPr lang="en-US"/>
+              <a:t>8/12/2024</a:t>
+            </a:r>
+          </a:p>
+        </p:txBody>
+      </p:sp>
+      <p:sp>
+        <p:nvSpPr>
+          <p:cNvPr id="5" name="Footer Placeholder 4">
+            <a:extLst>
+              <a:ext uri="{FF2B5EF4-FFF2-40B4-BE49-F238E27FC236}">
+                <a16:creationId xmlns:a16="http://schemas.microsoft.com/office/drawing/2014/main" id="{FC271603-985F-2862-39BD-821322311E77}"/>
+              </a:ext>
+            </a:extLst>
+          </p:cNvPr>
+          <p:cNvSpPr>
+            <a:spLocks noGrp="1"/>
+          </p:cNvSpPr>
+          <p:nvPr>
+            <p:ph type="ftr" sz="quarter" idx="11"/>
+          </p:nvPr>
+        </p:nvSpPr>
+        <p:spPr/>
+        <p:txBody>
+          <a:bodyPr/>
+          <a:lstStyle/>
+          <a:p>
+            <a:r>
+              <a:rPr lang="en-US" dirty="0"/>
+              <a:t>https://github.com/ciioprof0/stixd/blob/main/info523/src/stixd_examples_output.txt</a:t>
+            </a:r>
+          </a:p>
+        </p:txBody>
+      </p:sp>
+      <p:sp>
+        <p:nvSpPr>
+          <p:cNvPr id="6" name="Slide Number Placeholder 5">
+            <a:extLst>
+              <a:ext uri="{FF2B5EF4-FFF2-40B4-BE49-F238E27FC236}">
+                <a16:creationId xmlns:a16="http://schemas.microsoft.com/office/drawing/2014/main" id="{F562D1AD-5959-E5EE-E10E-3E6302D0C05A}"/>
+              </a:ext>
+            </a:extLst>
+          </p:cNvPr>
+          <p:cNvSpPr>
+            <a:spLocks noGrp="1"/>
+          </p:cNvSpPr>
+          <p:nvPr>
+            <p:ph type="sldNum" sz="quarter" idx="12"/>
+          </p:nvPr>
+        </p:nvSpPr>
+        <p:spPr/>
+        <p:txBody>
+          <a:bodyPr/>
+          <a:lstStyle/>
+          <a:p>
+            <a:fld id="{BA219C19-895B-41AA-B189-1A480F8BE28A}" type="slidenum">
+              <a:rPr lang="en-US" smtClean="0"/>
+              <a:t>23</a:t>
+            </a:fld>
+            <a:endParaRPr lang="en-US"/>
+          </a:p>
+        </p:txBody>
+      </p:sp>
+    </p:spTree>
+    <p:extLst>
+      <p:ext uri="{BB962C8B-B14F-4D97-AF65-F5344CB8AC3E}">
+        <p14:creationId xmlns:p14="http://schemas.microsoft.com/office/powerpoint/2010/main" val="1457451623"/>
+      </p:ext>
+    </p:extLst>
+  </p:cSld>
+  <p:clrMapOvr>
+    <a:masterClrMapping/>
+  </p:clrMapOvr>
+</p:sld>
+</file>
+
+<file path=ppt/slides/slide24.xml><?xml version="1.0" encoding="utf-8"?>
+<p:sld xmlns:a="http://schemas.openxmlformats.org/drawingml/2006/main" xmlns:r="http://schemas.openxmlformats.org/officeDocument/2006/relationships" xmlns:p="http://schemas.openxmlformats.org/presentationml/2006/main">
+  <p:cSld>
+    <p:spTree>
+      <p:nvGrpSpPr>
+        <p:cNvPr id="1" name=""/>
+        <p:cNvGrpSpPr/>
+        <p:nvPr/>
+      </p:nvGrpSpPr>
+      <p:grpSpPr>
+        <a:xfrm>
+          <a:off x="0" y="0"/>
+          <a:ext cx="0" cy="0"/>
+          <a:chOff x="0" y="0"/>
+          <a:chExt cx="0" cy="0"/>
+        </a:xfrm>
+      </p:grpSpPr>
+      <p:sp>
+        <p:nvSpPr>
+          <p:cNvPr id="2" name="Title 1">
+            <a:extLst>
+              <a:ext uri="{FF2B5EF4-FFF2-40B4-BE49-F238E27FC236}">
+                <a16:creationId xmlns:a16="http://schemas.microsoft.com/office/drawing/2014/main" id="{87187CCF-3EDE-FE1D-24BE-D982A535B7A9}"/>
+              </a:ext>
+            </a:extLst>
+          </p:cNvPr>
+          <p:cNvSpPr>
+            <a:spLocks noGrp="1"/>
+          </p:cNvSpPr>
+          <p:nvPr>
+            <p:ph type="title"/>
+          </p:nvPr>
+        </p:nvSpPr>
+        <p:spPr/>
+        <p:txBody>
+          <a:bodyPr/>
+          <a:lstStyle/>
+          <a:p>
+            <a:r>
+              <a:rPr lang="en-US" dirty="0"/>
+              <a:t>STIX Description Example 5</a:t>
+            </a:r>
+          </a:p>
+        </p:txBody>
+      </p:sp>
+      <p:sp>
+        <p:nvSpPr>
+          <p:cNvPr id="3" name="Content Placeholder 2">
+            <a:extLst>
+              <a:ext uri="{FF2B5EF4-FFF2-40B4-BE49-F238E27FC236}">
+                <a16:creationId xmlns:a16="http://schemas.microsoft.com/office/drawing/2014/main" id="{FB9CF954-5BD6-2425-CF31-0A58430A09BF}"/>
+              </a:ext>
+            </a:extLst>
+          </p:cNvPr>
+          <p:cNvSpPr>
+            <a:spLocks noGrp="1"/>
+          </p:cNvSpPr>
+          <p:nvPr>
+            <p:ph idx="1"/>
+          </p:nvPr>
+        </p:nvSpPr>
+        <p:spPr/>
+        <p:txBody>
+          <a:bodyPr>
+            <a:normAutofit/>
+          </a:bodyPr>
+          <a:lstStyle/>
+          <a:p>
+            <a:pPr marL="0" indent="0">
+              <a:buNone/>
+            </a:pPr>
+            <a:r>
+              <a:rPr lang="en-US" dirty="0">
+                <a:latin typeface="Aptos Mono" panose="020B0009020202020204" pitchFamily="49" charset="0"/>
+              </a:rPr>
+              <a:t>Tagged Text 5: Incidents (NNS) usually (RB) feature (</a:t>
+            </a:r>
+            <a:r>
+              <a:rPr lang="en-US" dirty="0" err="1">
+                <a:latin typeface="Aptos Mono" panose="020B0009020202020204" pitchFamily="49" charset="0"/>
+              </a:rPr>
+              <a:t>VBP</a:t>
+            </a:r>
+            <a:r>
+              <a:rPr lang="en-US" dirty="0">
+                <a:latin typeface="Aptos Mono" panose="020B0009020202020204" pitchFamily="49" charset="0"/>
+              </a:rPr>
+              <a:t>) a (DT) shared (</a:t>
+            </a:r>
+            <a:r>
+              <a:rPr lang="en-US" dirty="0" err="1">
+                <a:latin typeface="Aptos Mono" panose="020B0009020202020204" pitchFamily="49" charset="0"/>
+              </a:rPr>
+              <a:t>VBN</a:t>
+            </a:r>
+            <a:r>
+              <a:rPr lang="en-US" dirty="0">
+                <a:latin typeface="Aptos Mono" panose="020B0009020202020204" pitchFamily="49" charset="0"/>
+              </a:rPr>
+              <a:t>) TTP (NNP) of (IN) a (DT) wildcat (NN) being (VBG) released (</a:t>
+            </a:r>
+            <a:r>
+              <a:rPr lang="en-US" dirty="0" err="1">
+                <a:latin typeface="Aptos Mono" panose="020B0009020202020204" pitchFamily="49" charset="0"/>
+              </a:rPr>
+              <a:t>VBN</a:t>
+            </a:r>
+            <a:r>
+              <a:rPr lang="en-US" dirty="0">
+                <a:latin typeface="Aptos Mono" panose="020B0009020202020204" pitchFamily="49" charset="0"/>
+              </a:rPr>
+              <a:t>) within (IN) the (DT) building (NN) containing (VBG) network (NN) access (NN) , (,) scaring (VBG) users (NNS) to (TO) leave (VB) their (PRP$) computers (NNS) without (IN) locking (VBG) them (PRP) first (RB) . (.) Still (RB) determining (VBG) where (</a:t>
+            </a:r>
+            <a:r>
+              <a:rPr lang="en-US" dirty="0" err="1">
+                <a:latin typeface="Aptos Mono" panose="020B0009020202020204" pitchFamily="49" charset="0"/>
+              </a:rPr>
+              <a:t>WRB</a:t>
+            </a:r>
+            <a:r>
+              <a:rPr lang="en-US" dirty="0">
+                <a:latin typeface="Aptos Mono" panose="020B0009020202020204" pitchFamily="49" charset="0"/>
+              </a:rPr>
+              <a:t>) the (DT) threat (NN) actors (NNS) are (</a:t>
+            </a:r>
+            <a:r>
+              <a:rPr lang="en-US" dirty="0" err="1">
+                <a:latin typeface="Aptos Mono" panose="020B0009020202020204" pitchFamily="49" charset="0"/>
+              </a:rPr>
+              <a:t>VBP</a:t>
+            </a:r>
+            <a:r>
+              <a:rPr lang="en-US" dirty="0">
+                <a:latin typeface="Aptos Mono" panose="020B0009020202020204" pitchFamily="49" charset="0"/>
+              </a:rPr>
+              <a:t>) getting (VBG) the (DT) wildcats (NNS) . (.)</a:t>
+            </a:r>
+          </a:p>
+        </p:txBody>
+      </p:sp>
+      <p:sp>
+        <p:nvSpPr>
+          <p:cNvPr id="4" name="Date Placeholder 3">
+            <a:extLst>
+              <a:ext uri="{FF2B5EF4-FFF2-40B4-BE49-F238E27FC236}">
+                <a16:creationId xmlns:a16="http://schemas.microsoft.com/office/drawing/2014/main" id="{1ACDE567-E7B6-C440-DAAA-5BE1905DBB91}"/>
+              </a:ext>
+            </a:extLst>
+          </p:cNvPr>
+          <p:cNvSpPr>
+            <a:spLocks noGrp="1"/>
+          </p:cNvSpPr>
+          <p:nvPr>
+            <p:ph type="dt" sz="half" idx="10"/>
+          </p:nvPr>
+        </p:nvSpPr>
+        <p:spPr/>
+        <p:txBody>
+          <a:bodyPr/>
+          <a:lstStyle/>
+          <a:p>
+            <a:r>
+              <a:rPr lang="en-US"/>
+              <a:t>8/12/2024</a:t>
+            </a:r>
+          </a:p>
+        </p:txBody>
+      </p:sp>
+      <p:sp>
+        <p:nvSpPr>
+          <p:cNvPr id="5" name="Footer Placeholder 4">
+            <a:extLst>
+              <a:ext uri="{FF2B5EF4-FFF2-40B4-BE49-F238E27FC236}">
+                <a16:creationId xmlns:a16="http://schemas.microsoft.com/office/drawing/2014/main" id="{FC271603-985F-2862-39BD-821322311E77}"/>
+              </a:ext>
+            </a:extLst>
+          </p:cNvPr>
+          <p:cNvSpPr>
+            <a:spLocks noGrp="1"/>
+          </p:cNvSpPr>
+          <p:nvPr>
+            <p:ph type="ftr" sz="quarter" idx="11"/>
+          </p:nvPr>
+        </p:nvSpPr>
+        <p:spPr/>
+        <p:txBody>
+          <a:bodyPr/>
+          <a:lstStyle/>
+          <a:p>
+            <a:r>
+              <a:rPr lang="en-US" dirty="0"/>
+              <a:t>https://github.com/ciioprof0/stixd/blob/main/info523/src/stixd_examples_output.txt</a:t>
+            </a:r>
+          </a:p>
+        </p:txBody>
+      </p:sp>
+      <p:sp>
+        <p:nvSpPr>
+          <p:cNvPr id="6" name="Slide Number Placeholder 5">
+            <a:extLst>
+              <a:ext uri="{FF2B5EF4-FFF2-40B4-BE49-F238E27FC236}">
+                <a16:creationId xmlns:a16="http://schemas.microsoft.com/office/drawing/2014/main" id="{F562D1AD-5959-E5EE-E10E-3E6302D0C05A}"/>
+              </a:ext>
+            </a:extLst>
+          </p:cNvPr>
+          <p:cNvSpPr>
+            <a:spLocks noGrp="1"/>
+          </p:cNvSpPr>
+          <p:nvPr>
+            <p:ph type="sldNum" sz="quarter" idx="12"/>
+          </p:nvPr>
+        </p:nvSpPr>
+        <p:spPr/>
+        <p:txBody>
+          <a:bodyPr/>
+          <a:lstStyle/>
+          <a:p>
+            <a:fld id="{BA219C19-895B-41AA-B189-1A480F8BE28A}" type="slidenum">
+              <a:rPr lang="en-US" smtClean="0"/>
+              <a:t>24</a:t>
+            </a:fld>
+            <a:endParaRPr lang="en-US"/>
+          </a:p>
+        </p:txBody>
+      </p:sp>
+    </p:spTree>
+    <p:extLst>
+      <p:ext uri="{BB962C8B-B14F-4D97-AF65-F5344CB8AC3E}">
+        <p14:creationId xmlns:p14="http://schemas.microsoft.com/office/powerpoint/2010/main" val="5105157"/>
+      </p:ext>
+    </p:extLst>
+  </p:cSld>
+  <p:clrMapOvr>
+    <a:masterClrMapping/>
+  </p:clrMapOvr>
+</p:sld>
+</file>
+
+<file path=ppt/slides/slide25.xml><?xml version="1.0" encoding="utf-8"?>
+<p:sld xmlns:a="http://schemas.openxmlformats.org/drawingml/2006/main" xmlns:r="http://schemas.openxmlformats.org/officeDocument/2006/relationships" xmlns:p="http://schemas.openxmlformats.org/presentationml/2006/main">
+  <p:cSld>
+    <p:spTree>
+      <p:nvGrpSpPr>
+        <p:cNvPr id="1" name=""/>
+        <p:cNvGrpSpPr/>
+        <p:nvPr/>
+      </p:nvGrpSpPr>
+      <p:grpSpPr>
+        <a:xfrm>
+          <a:off x="0" y="0"/>
+          <a:ext cx="0" cy="0"/>
+          <a:chOff x="0" y="0"/>
+          <a:chExt cx="0" cy="0"/>
+        </a:xfrm>
+      </p:grpSpPr>
+      <p:sp>
+        <p:nvSpPr>
+          <p:cNvPr id="2" name="Title 1">
+            <a:extLst>
+              <a:ext uri="{FF2B5EF4-FFF2-40B4-BE49-F238E27FC236}">
+                <a16:creationId xmlns:a16="http://schemas.microsoft.com/office/drawing/2014/main" id="{C88770A4-A2E8-3DC3-AC37-EB2915061D3A}"/>
+              </a:ext>
+            </a:extLst>
+          </p:cNvPr>
+          <p:cNvSpPr>
+            <a:spLocks noGrp="1"/>
+          </p:cNvSpPr>
+          <p:nvPr>
+            <p:ph type="title"/>
+          </p:nvPr>
+        </p:nvSpPr>
+        <p:spPr/>
+        <p:txBody>
+          <a:bodyPr/>
+          <a:lstStyle/>
+          <a:p>
+            <a:endParaRPr lang="en-US" dirty="0"/>
+          </a:p>
+        </p:txBody>
+      </p:sp>
+      <p:sp>
+        <p:nvSpPr>
+          <p:cNvPr id="3" name="Content Placeholder 2">
+            <a:extLst>
+              <a:ext uri="{FF2B5EF4-FFF2-40B4-BE49-F238E27FC236}">
+                <a16:creationId xmlns:a16="http://schemas.microsoft.com/office/drawing/2014/main" id="{9DAE6151-DB31-A840-37AB-CCD9EA573A1F}"/>
+              </a:ext>
+            </a:extLst>
+          </p:cNvPr>
+          <p:cNvSpPr>
+            <a:spLocks noGrp="1"/>
+          </p:cNvSpPr>
+          <p:nvPr>
+            <p:ph idx="1"/>
+          </p:nvPr>
+        </p:nvSpPr>
+        <p:spPr/>
+        <p:txBody>
+          <a:bodyPr/>
+          <a:lstStyle/>
+          <a:p>
+            <a:endParaRPr lang="en-US"/>
+          </a:p>
+        </p:txBody>
+      </p:sp>
+      <p:sp>
+        <p:nvSpPr>
+          <p:cNvPr id="4" name="Date Placeholder 3">
+            <a:extLst>
+              <a:ext uri="{FF2B5EF4-FFF2-40B4-BE49-F238E27FC236}">
+                <a16:creationId xmlns:a16="http://schemas.microsoft.com/office/drawing/2014/main" id="{BF3BD434-9696-00FE-5CCB-D736215AAFEC}"/>
+              </a:ext>
+            </a:extLst>
+          </p:cNvPr>
+          <p:cNvSpPr>
+            <a:spLocks noGrp="1"/>
+          </p:cNvSpPr>
+          <p:nvPr>
+            <p:ph type="dt" sz="half" idx="10"/>
+          </p:nvPr>
+        </p:nvSpPr>
+        <p:spPr/>
+        <p:txBody>
+          <a:bodyPr/>
+          <a:lstStyle/>
+          <a:p>
+            <a:r>
+              <a:rPr lang="en-US"/>
+              <a:t>8/12/2024</a:t>
+            </a:r>
+          </a:p>
+        </p:txBody>
+      </p:sp>
+      <p:sp>
+        <p:nvSpPr>
+          <p:cNvPr id="5" name="Footer Placeholder 4">
+            <a:extLst>
+              <a:ext uri="{FF2B5EF4-FFF2-40B4-BE49-F238E27FC236}">
+                <a16:creationId xmlns:a16="http://schemas.microsoft.com/office/drawing/2014/main" id="{277B2655-623B-A414-59B7-1A6ADF00FBA9}"/>
+              </a:ext>
+            </a:extLst>
+          </p:cNvPr>
+          <p:cNvSpPr>
+            <a:spLocks noGrp="1"/>
+          </p:cNvSpPr>
+          <p:nvPr>
+            <p:ph type="ftr" sz="quarter" idx="11"/>
+          </p:nvPr>
+        </p:nvSpPr>
+        <p:spPr/>
+        <p:txBody>
+          <a:bodyPr/>
+          <a:lstStyle/>
+          <a:p>
+            <a:r>
+              <a:rPr lang="en-US"/>
+              <a:t>https://github.com/ciioprof0/stixd </a:t>
+            </a:r>
+          </a:p>
+        </p:txBody>
+      </p:sp>
+      <p:sp>
+        <p:nvSpPr>
+          <p:cNvPr id="6" name="Slide Number Placeholder 5">
+            <a:extLst>
+              <a:ext uri="{FF2B5EF4-FFF2-40B4-BE49-F238E27FC236}">
+                <a16:creationId xmlns:a16="http://schemas.microsoft.com/office/drawing/2014/main" id="{9C3FD512-6EDB-5271-B7A8-3033BA66C1A7}"/>
+              </a:ext>
+            </a:extLst>
+          </p:cNvPr>
+          <p:cNvSpPr>
+            <a:spLocks noGrp="1"/>
+          </p:cNvSpPr>
+          <p:nvPr>
+            <p:ph type="sldNum" sz="quarter" idx="12"/>
+          </p:nvPr>
+        </p:nvSpPr>
+        <p:spPr/>
+        <p:txBody>
+          <a:bodyPr/>
+          <a:lstStyle/>
+          <a:p>
+            <a:fld id="{BA219C19-895B-41AA-B189-1A480F8BE28A}" type="slidenum">
+              <a:rPr lang="en-US" smtClean="0"/>
+              <a:t>25</a:t>
             </a:fld>
             <a:endParaRPr lang="en-US"/>
           </a:p>
@@ -9872,7 +13162,178 @@
 </p:sld>
 </file>
 
-<file path=ppt/slides/slide21.xml><?xml version="1.0" encoding="utf-8"?>
+<file path=ppt/slides/slide26.xml><?xml version="1.0" encoding="utf-8"?>
+<p:sld xmlns:a="http://schemas.openxmlformats.org/drawingml/2006/main" xmlns:r="http://schemas.openxmlformats.org/officeDocument/2006/relationships" xmlns:p="http://schemas.openxmlformats.org/presentationml/2006/main">
+  <p:cSld>
+    <p:spTree>
+      <p:nvGrpSpPr>
+        <p:cNvPr id="1" name=""/>
+        <p:cNvGrpSpPr/>
+        <p:nvPr/>
+      </p:nvGrpSpPr>
+      <p:grpSpPr>
+        <a:xfrm>
+          <a:off x="0" y="0"/>
+          <a:ext cx="0" cy="0"/>
+          <a:chOff x="0" y="0"/>
+          <a:chExt cx="0" cy="0"/>
+        </a:xfrm>
+      </p:grpSpPr>
+      <p:sp>
+        <p:nvSpPr>
+          <p:cNvPr id="7" name="Title 6">
+            <a:extLst>
+              <a:ext uri="{FF2B5EF4-FFF2-40B4-BE49-F238E27FC236}">
+                <a16:creationId xmlns:a16="http://schemas.microsoft.com/office/drawing/2014/main" id="{5B449516-985D-A2BC-99FF-188F92E2B457}"/>
+              </a:ext>
+            </a:extLst>
+          </p:cNvPr>
+          <p:cNvSpPr>
+            <a:spLocks noGrp="1"/>
+          </p:cNvSpPr>
+          <p:nvPr>
+            <p:ph type="ctrTitle"/>
+          </p:nvPr>
+        </p:nvSpPr>
+        <p:spPr/>
+        <p:txBody>
+          <a:bodyPr/>
+          <a:lstStyle/>
+          <a:p>
+            <a:r>
+              <a:rPr lang="en-US" dirty="0"/>
+              <a:t>End of Presentation</a:t>
+            </a:r>
+          </a:p>
+        </p:txBody>
+      </p:sp>
+      <p:sp>
+        <p:nvSpPr>
+          <p:cNvPr id="8" name="Subtitle 7">
+            <a:extLst>
+              <a:ext uri="{FF2B5EF4-FFF2-40B4-BE49-F238E27FC236}">
+                <a16:creationId xmlns:a16="http://schemas.microsoft.com/office/drawing/2014/main" id="{93871D09-94FE-3CA6-5EB3-09214BAE4FC5}"/>
+              </a:ext>
+            </a:extLst>
+          </p:cNvPr>
+          <p:cNvSpPr>
+            <a:spLocks noGrp="1"/>
+          </p:cNvSpPr>
+          <p:nvPr>
+            <p:ph type="subTitle" idx="1"/>
+          </p:nvPr>
+        </p:nvSpPr>
+        <p:spPr/>
+        <p:txBody>
+          <a:bodyPr/>
+          <a:lstStyle/>
+          <a:p>
+            <a:r>
+              <a:rPr lang="en-US" dirty="0"/>
+              <a:t>Additional back matter slides follow</a:t>
+            </a:r>
+          </a:p>
+        </p:txBody>
+      </p:sp>
+      <p:sp>
+        <p:nvSpPr>
+          <p:cNvPr id="4" name="Date Placeholder 3">
+            <a:extLst>
+              <a:ext uri="{FF2B5EF4-FFF2-40B4-BE49-F238E27FC236}">
+                <a16:creationId xmlns:a16="http://schemas.microsoft.com/office/drawing/2014/main" id="{FDD36C5C-456E-A69D-9AF6-30A15A922581}"/>
+              </a:ext>
+            </a:extLst>
+          </p:cNvPr>
+          <p:cNvSpPr>
+            <a:spLocks noGrp="1"/>
+          </p:cNvSpPr>
+          <p:nvPr>
+            <p:ph type="dt" sz="half" idx="10"/>
+          </p:nvPr>
+        </p:nvSpPr>
+        <p:spPr/>
+        <p:txBody>
+          <a:bodyPr/>
+          <a:lstStyle/>
+          <a:p>
+            <a:r>
+              <a:rPr lang="en-US"/>
+              <a:t>8/12/2024</a:t>
+            </a:r>
+          </a:p>
+        </p:txBody>
+      </p:sp>
+      <p:sp>
+        <p:nvSpPr>
+          <p:cNvPr id="5" name="Footer Placeholder 4">
+            <a:extLst>
+              <a:ext uri="{FF2B5EF4-FFF2-40B4-BE49-F238E27FC236}">
+                <a16:creationId xmlns:a16="http://schemas.microsoft.com/office/drawing/2014/main" id="{6BE28A6C-D6CD-0967-7650-11202012022E}"/>
+              </a:ext>
+            </a:extLst>
+          </p:cNvPr>
+          <p:cNvSpPr>
+            <a:spLocks noGrp="1"/>
+          </p:cNvSpPr>
+          <p:nvPr>
+            <p:ph type="ftr" sz="quarter" idx="11"/>
+          </p:nvPr>
+        </p:nvSpPr>
+        <p:spPr/>
+        <p:txBody>
+          <a:bodyPr/>
+          <a:lstStyle/>
+          <a:p>
+            <a:r>
+              <a:rPr lang="en-US"/>
+              <a:t>https://github.com/ciioprof0/stixd </a:t>
+            </a:r>
+          </a:p>
+        </p:txBody>
+      </p:sp>
+      <p:sp>
+        <p:nvSpPr>
+          <p:cNvPr id="6" name="Slide Number Placeholder 5">
+            <a:extLst>
+              <a:ext uri="{FF2B5EF4-FFF2-40B4-BE49-F238E27FC236}">
+                <a16:creationId xmlns:a16="http://schemas.microsoft.com/office/drawing/2014/main" id="{18B93C15-26A3-90EA-9A39-851A823C2C64}"/>
+              </a:ext>
+            </a:extLst>
+          </p:cNvPr>
+          <p:cNvSpPr>
+            <a:spLocks noGrp="1"/>
+          </p:cNvSpPr>
+          <p:nvPr>
+            <p:ph type="sldNum" sz="quarter" idx="12"/>
+          </p:nvPr>
+        </p:nvSpPr>
+        <p:spPr/>
+        <p:txBody>
+          <a:bodyPr/>
+          <a:lstStyle/>
+          <a:p>
+            <a:fld id="{BA219C19-895B-41AA-B189-1A480F8BE28A}" type="slidenum">
+              <a:rPr lang="en-US" smtClean="0"/>
+              <a:t>26</a:t>
+            </a:fld>
+            <a:endParaRPr lang="en-US"/>
+          </a:p>
+        </p:txBody>
+      </p:sp>
+    </p:spTree>
+    <p:extLst>
+      <p:ext uri="{BB962C8B-B14F-4D97-AF65-F5344CB8AC3E}">
+        <p14:creationId xmlns:p14="http://schemas.microsoft.com/office/powerpoint/2010/main" val="1233399515"/>
+      </p:ext>
+    </p:extLst>
+  </p:cSld>
+  <p:clrMapOvr>
+    <a:masterClrMapping/>
+  </p:clrMapOvr>
+</p:sld>
+</file>
+
+<file path=ppt/slides/slide27.xml><?xml version="1.0" encoding="utf-8"?>
 <p:sld xmlns:a="http://schemas.openxmlformats.org/drawingml/2006/main" xmlns:r="http://schemas.openxmlformats.org/officeDocument/2006/relationships" xmlns:p="http://schemas.openxmlformats.org/presentationml/2006/main">
   <p:cSld>
     <p:spTree>
@@ -10525,7 +13986,7 @@
           <a:p>
             <a:fld id="{AF56F2E1-774A-4B12-AD76-893078A0F513}" type="slidenum">
               <a:rPr lang="en-US" smtClean="0"/>
-              <a:t>21</a:t>
+              <a:t>27</a:t>
             </a:fld>
             <a:endParaRPr lang="en-US"/>
           </a:p>
@@ -10544,7 +14005,7 @@
 </p:sld>
 </file>
 
-<file path=ppt/slides/slide22.xml><?xml version="1.0" encoding="utf-8"?>
+<file path=ppt/slides/slide28.xml><?xml version="1.0" encoding="utf-8"?>
 <p:sld xmlns:a="http://schemas.openxmlformats.org/drawingml/2006/main" xmlns:r="http://schemas.openxmlformats.org/officeDocument/2006/relationships" xmlns:p="http://schemas.openxmlformats.org/presentationml/2006/main">
   <p:cSld>
     <p:spTree>
@@ -11215,7 +14676,7 @@
           <a:p>
             <a:fld id="{AF56F2E1-774A-4B12-AD76-893078A0F513}" type="slidenum">
               <a:rPr lang="en-US" smtClean="0"/>
-              <a:t>22</a:t>
+              <a:t>28</a:t>
             </a:fld>
             <a:endParaRPr lang="en-US"/>
           </a:p>
@@ -11234,7 +14695,7 @@
 </p:sld>
 </file>
 
-<file path=ppt/slides/slide23.xml><?xml version="1.0" encoding="utf-8"?>
+<file path=ppt/slides/slide29.xml><?xml version="1.0" encoding="utf-8"?>
 <p:sld xmlns:a="http://schemas.openxmlformats.org/drawingml/2006/main" xmlns:r="http://schemas.openxmlformats.org/officeDocument/2006/relationships" xmlns:p="http://schemas.openxmlformats.org/presentationml/2006/main">
   <p:cSld>
     <p:spTree>
@@ -11625,7 +15086,7 @@
           <a:p>
             <a:fld id="{AF56F2E1-774A-4B12-AD76-893078A0F513}" type="slidenum">
               <a:rPr lang="en-US" smtClean="0"/>
-              <a:t>23</a:t>
+              <a:t>29</a:t>
             </a:fld>
             <a:endParaRPr lang="en-US" dirty="0"/>
           </a:p>
@@ -11868,269 +15329,6 @@
 </p:sld>
 </file>
 
-<file path=ppt/slides/slide24.xml><?xml version="1.0" encoding="utf-8"?>
-<p:sld xmlns:a="http://schemas.openxmlformats.org/drawingml/2006/main" xmlns:r="http://schemas.openxmlformats.org/officeDocument/2006/relationships" xmlns:p="http://schemas.openxmlformats.org/presentationml/2006/main">
-  <p:cSld>
-    <p:spTree>
-      <p:nvGrpSpPr>
-        <p:cNvPr id="1" name=""/>
-        <p:cNvGrpSpPr/>
-        <p:nvPr/>
-      </p:nvGrpSpPr>
-      <p:grpSpPr>
-        <a:xfrm>
-          <a:off x="0" y="0"/>
-          <a:ext cx="0" cy="0"/>
-          <a:chOff x="0" y="0"/>
-          <a:chExt cx="0" cy="0"/>
-        </a:xfrm>
-      </p:grpSpPr>
-      <p:sp>
-        <p:nvSpPr>
-          <p:cNvPr id="2" name="Title 1">
-            <a:extLst>
-              <a:ext uri="{FF2B5EF4-FFF2-40B4-BE49-F238E27FC236}">
-                <a16:creationId xmlns:a16="http://schemas.microsoft.com/office/drawing/2014/main" id="{E2634ED5-427D-A94E-1F69-7F8E20C179CB}"/>
-              </a:ext>
-            </a:extLst>
-          </p:cNvPr>
-          <p:cNvSpPr>
-            <a:spLocks noGrp="1"/>
-          </p:cNvSpPr>
-          <p:nvPr>
-            <p:ph type="title"/>
-          </p:nvPr>
-        </p:nvSpPr>
-        <p:spPr/>
-        <p:txBody>
-          <a:bodyPr>
-            <a:normAutofit/>
-          </a:bodyPr>
-          <a:lstStyle/>
-          <a:p>
-            <a:r>
-              <a:rPr lang="en-US" sz="4200" dirty="0"/>
-              <a:t>What are some existing English </a:t>
-            </a:r>
-            <a:r>
-              <a:rPr lang="en-US" sz="4200" dirty="0" err="1"/>
-              <a:t>CNLs</a:t>
-            </a:r>
-            <a:r>
-              <a:rPr lang="en-US" sz="4200" dirty="0"/>
-              <a:t>?</a:t>
-            </a:r>
-          </a:p>
-        </p:txBody>
-      </p:sp>
-      <p:sp>
-        <p:nvSpPr>
-          <p:cNvPr id="3" name="Content Placeholder 2">
-            <a:extLst>
-              <a:ext uri="{FF2B5EF4-FFF2-40B4-BE49-F238E27FC236}">
-                <a16:creationId xmlns:a16="http://schemas.microsoft.com/office/drawing/2014/main" id="{3F175E23-EAD1-96F9-66F4-B81B7C7DFBC1}"/>
-              </a:ext>
-            </a:extLst>
-          </p:cNvPr>
-          <p:cNvSpPr>
-            <a:spLocks noGrp="1"/>
-          </p:cNvSpPr>
-          <p:nvPr>
-            <p:ph idx="1"/>
-          </p:nvPr>
-        </p:nvSpPr>
-        <p:spPr/>
-        <p:txBody>
-          <a:bodyPr>
-            <a:normAutofit/>
-          </a:bodyPr>
-          <a:lstStyle/>
-          <a:p>
-            <a:r>
-              <a:rPr lang="en-US" dirty="0"/>
-              <a:t>BASIC English [</a:t>
-            </a:r>
-            <a:r>
-              <a:rPr lang="en-US" dirty="0">
-                <a:hlinkClick r:id="rId3"/>
-              </a:rPr>
-              <a:t>1</a:t>
-            </a:r>
-            <a:r>
-              <a:rPr lang="en-US" dirty="0"/>
-              <a:t>]</a:t>
-            </a:r>
-          </a:p>
-          <a:p>
-            <a:pPr lvl="1"/>
-            <a:r>
-              <a:rPr lang="en-US" dirty="0"/>
-              <a:t>e.g., Simple English Wikipedia</a:t>
-            </a:r>
-          </a:p>
-          <a:p>
-            <a:r>
-              <a:rPr lang="en-US" dirty="0"/>
-              <a:t>Caterpillar Fundamental English (</a:t>
-            </a:r>
-            <a:r>
-              <a:rPr lang="en-US" dirty="0" err="1"/>
-              <a:t>CFE</a:t>
-            </a:r>
-            <a:r>
-              <a:rPr lang="en-US" dirty="0"/>
-              <a:t>)</a:t>
-            </a:r>
-          </a:p>
-          <a:p>
-            <a:r>
-              <a:rPr lang="en-US" dirty="0"/>
-              <a:t>Simplified Technical English (</a:t>
-            </a:r>
-            <a:r>
-              <a:rPr lang="en-US" dirty="0">
-                <a:hlinkClick r:id="rId4"/>
-              </a:rPr>
-              <a:t>ASD-STE100</a:t>
-            </a:r>
-            <a:r>
-              <a:rPr lang="en-US" dirty="0"/>
-              <a:t>)</a:t>
-            </a:r>
-          </a:p>
-          <a:p>
-            <a:r>
-              <a:rPr lang="en-US" dirty="0"/>
-              <a:t>Attempto Controlled English (</a:t>
-            </a:r>
-            <a:r>
-              <a:rPr lang="en-US" dirty="0">
-                <a:hlinkClick r:id="rId5"/>
-              </a:rPr>
-              <a:t>ACE</a:t>
-            </a:r>
-            <a:r>
-              <a:rPr lang="en-US" dirty="0"/>
-              <a:t>)</a:t>
-            </a:r>
-          </a:p>
-        </p:txBody>
-      </p:sp>
-      <p:sp>
-        <p:nvSpPr>
-          <p:cNvPr id="4" name="Date Placeholder 4">
-            <a:extLst>
-              <a:ext uri="{FF2B5EF4-FFF2-40B4-BE49-F238E27FC236}">
-                <a16:creationId xmlns:a16="http://schemas.microsoft.com/office/drawing/2014/main" id="{4AD06DDA-5576-2355-85E5-18F232F88317}"/>
-              </a:ext>
-            </a:extLst>
-          </p:cNvPr>
-          <p:cNvSpPr>
-            <a:spLocks noGrp="1"/>
-          </p:cNvSpPr>
-          <p:nvPr>
-            <p:ph type="dt" sz="half" idx="10"/>
-          </p:nvPr>
-        </p:nvSpPr>
-        <p:spPr>
-          <a:xfrm>
-            <a:off x="838200" y="6356350"/>
-            <a:ext cx="1371600" cy="365125"/>
-          </a:xfrm>
-        </p:spPr>
-        <p:txBody>
-          <a:bodyPr/>
-          <a:lstStyle/>
-          <a:p>
-            <a:r>
-              <a:rPr lang="en-US"/>
-              <a:t>8/12/2024</a:t>
-            </a:r>
-            <a:endParaRPr lang="en-US" dirty="0"/>
-          </a:p>
-        </p:txBody>
-      </p:sp>
-      <p:sp>
-        <p:nvSpPr>
-          <p:cNvPr id="5" name="Slide Number Placeholder 5">
-            <a:extLst>
-              <a:ext uri="{FF2B5EF4-FFF2-40B4-BE49-F238E27FC236}">
-                <a16:creationId xmlns:a16="http://schemas.microsoft.com/office/drawing/2014/main" id="{D86D7729-EA13-5E29-083D-447C41FE0A50}"/>
-              </a:ext>
-            </a:extLst>
-          </p:cNvPr>
-          <p:cNvSpPr>
-            <a:spLocks noGrp="1"/>
-          </p:cNvSpPr>
-          <p:nvPr>
-            <p:ph type="sldNum" sz="quarter" idx="12"/>
-          </p:nvPr>
-        </p:nvSpPr>
-        <p:spPr>
-          <a:xfrm>
-            <a:off x="9982200" y="6356350"/>
-            <a:ext cx="1371600" cy="365125"/>
-          </a:xfrm>
-        </p:spPr>
-        <p:txBody>
-          <a:bodyPr/>
-          <a:lstStyle/>
-          <a:p>
-            <a:fld id="{AF56F2E1-774A-4B12-AD76-893078A0F513}" type="slidenum">
-              <a:rPr lang="en-US" smtClean="0"/>
-              <a:t>24</a:t>
-            </a:fld>
-            <a:endParaRPr lang="en-US"/>
-          </a:p>
-        </p:txBody>
-      </p:sp>
-      <p:sp>
-        <p:nvSpPr>
-          <p:cNvPr id="6" name="Footer Placeholder 3">
-            <a:extLst>
-              <a:ext uri="{FF2B5EF4-FFF2-40B4-BE49-F238E27FC236}">
-                <a16:creationId xmlns:a16="http://schemas.microsoft.com/office/drawing/2014/main" id="{4C062A97-E6F7-E860-CA1C-68636735BFFF}"/>
-              </a:ext>
-            </a:extLst>
-          </p:cNvPr>
-          <p:cNvSpPr>
-            <a:spLocks noGrp="1"/>
-          </p:cNvSpPr>
-          <p:nvPr>
-            <p:ph type="ftr" sz="quarter" idx="11"/>
-          </p:nvPr>
-        </p:nvSpPr>
-        <p:spPr>
-          <a:xfrm>
-            <a:off x="2209800" y="6356350"/>
-            <a:ext cx="7772400" cy="365125"/>
-          </a:xfrm>
-        </p:spPr>
-        <p:txBody>
-          <a:bodyPr/>
-          <a:lstStyle/>
-          <a:p>
-            <a:r>
-              <a:rPr lang="en-US"/>
-              <a:t>https://github.com/ciioprof0/stixd </a:t>
-            </a:r>
-            <a:endParaRPr lang="en-US" dirty="0"/>
-          </a:p>
-        </p:txBody>
-      </p:sp>
-    </p:spTree>
-    <p:extLst>
-      <p:ext uri="{BB962C8B-B14F-4D97-AF65-F5344CB8AC3E}">
-        <p14:creationId xmlns:p14="http://schemas.microsoft.com/office/powerpoint/2010/main" val="1483896101"/>
-      </p:ext>
-    </p:extLst>
-  </p:cSld>
-  <p:clrMapOvr>
-    <a:masterClrMapping/>
-  </p:clrMapOvr>
-</p:sld>
-</file>
-
 <file path=ppt/slides/slide3.xml><?xml version="1.0" encoding="utf-8"?>
 <p:sld xmlns:a="http://schemas.openxmlformats.org/drawingml/2006/main" xmlns:r="http://schemas.openxmlformats.org/officeDocument/2006/relationships" xmlns:p="http://schemas.openxmlformats.org/presentationml/2006/main">
   <p:cSld>
@@ -12293,6 +15491,269 @@
     <p:extLst>
       <p:ext uri="{BB962C8B-B14F-4D97-AF65-F5344CB8AC3E}">
         <p14:creationId xmlns:p14="http://schemas.microsoft.com/office/powerpoint/2010/main" val="2887926687"/>
+      </p:ext>
+    </p:extLst>
+  </p:cSld>
+  <p:clrMapOvr>
+    <a:masterClrMapping/>
+  </p:clrMapOvr>
+</p:sld>
+</file>
+
+<file path=ppt/slides/slide30.xml><?xml version="1.0" encoding="utf-8"?>
+<p:sld xmlns:a="http://schemas.openxmlformats.org/drawingml/2006/main" xmlns:r="http://schemas.openxmlformats.org/officeDocument/2006/relationships" xmlns:p="http://schemas.openxmlformats.org/presentationml/2006/main">
+  <p:cSld>
+    <p:spTree>
+      <p:nvGrpSpPr>
+        <p:cNvPr id="1" name=""/>
+        <p:cNvGrpSpPr/>
+        <p:nvPr/>
+      </p:nvGrpSpPr>
+      <p:grpSpPr>
+        <a:xfrm>
+          <a:off x="0" y="0"/>
+          <a:ext cx="0" cy="0"/>
+          <a:chOff x="0" y="0"/>
+          <a:chExt cx="0" cy="0"/>
+        </a:xfrm>
+      </p:grpSpPr>
+      <p:sp>
+        <p:nvSpPr>
+          <p:cNvPr id="2" name="Title 1">
+            <a:extLst>
+              <a:ext uri="{FF2B5EF4-FFF2-40B4-BE49-F238E27FC236}">
+                <a16:creationId xmlns:a16="http://schemas.microsoft.com/office/drawing/2014/main" id="{E2634ED5-427D-A94E-1F69-7F8E20C179CB}"/>
+              </a:ext>
+            </a:extLst>
+          </p:cNvPr>
+          <p:cNvSpPr>
+            <a:spLocks noGrp="1"/>
+          </p:cNvSpPr>
+          <p:nvPr>
+            <p:ph type="title"/>
+          </p:nvPr>
+        </p:nvSpPr>
+        <p:spPr/>
+        <p:txBody>
+          <a:bodyPr>
+            <a:normAutofit/>
+          </a:bodyPr>
+          <a:lstStyle/>
+          <a:p>
+            <a:r>
+              <a:rPr lang="en-US" sz="4200" dirty="0"/>
+              <a:t>What are some existing English </a:t>
+            </a:r>
+            <a:r>
+              <a:rPr lang="en-US" sz="4200" dirty="0" err="1"/>
+              <a:t>CNLs</a:t>
+            </a:r>
+            <a:r>
+              <a:rPr lang="en-US" sz="4200" dirty="0"/>
+              <a:t>?</a:t>
+            </a:r>
+          </a:p>
+        </p:txBody>
+      </p:sp>
+      <p:sp>
+        <p:nvSpPr>
+          <p:cNvPr id="3" name="Content Placeholder 2">
+            <a:extLst>
+              <a:ext uri="{FF2B5EF4-FFF2-40B4-BE49-F238E27FC236}">
+                <a16:creationId xmlns:a16="http://schemas.microsoft.com/office/drawing/2014/main" id="{3F175E23-EAD1-96F9-66F4-B81B7C7DFBC1}"/>
+              </a:ext>
+            </a:extLst>
+          </p:cNvPr>
+          <p:cNvSpPr>
+            <a:spLocks noGrp="1"/>
+          </p:cNvSpPr>
+          <p:nvPr>
+            <p:ph idx="1"/>
+          </p:nvPr>
+        </p:nvSpPr>
+        <p:spPr/>
+        <p:txBody>
+          <a:bodyPr>
+            <a:normAutofit/>
+          </a:bodyPr>
+          <a:lstStyle/>
+          <a:p>
+            <a:r>
+              <a:rPr lang="en-US" dirty="0"/>
+              <a:t>BASIC English [</a:t>
+            </a:r>
+            <a:r>
+              <a:rPr lang="en-US" dirty="0">
+                <a:hlinkClick r:id="rId3"/>
+              </a:rPr>
+              <a:t>1</a:t>
+            </a:r>
+            <a:r>
+              <a:rPr lang="en-US" dirty="0"/>
+              <a:t>]</a:t>
+            </a:r>
+          </a:p>
+          <a:p>
+            <a:pPr lvl="1"/>
+            <a:r>
+              <a:rPr lang="en-US" dirty="0"/>
+              <a:t>e.g., Simple English Wikipedia</a:t>
+            </a:r>
+          </a:p>
+          <a:p>
+            <a:r>
+              <a:rPr lang="en-US" dirty="0"/>
+              <a:t>Caterpillar Fundamental English (</a:t>
+            </a:r>
+            <a:r>
+              <a:rPr lang="en-US" dirty="0" err="1"/>
+              <a:t>CFE</a:t>
+            </a:r>
+            <a:r>
+              <a:rPr lang="en-US" dirty="0"/>
+              <a:t>)</a:t>
+            </a:r>
+          </a:p>
+          <a:p>
+            <a:r>
+              <a:rPr lang="en-US" dirty="0"/>
+              <a:t>Simplified Technical English (</a:t>
+            </a:r>
+            <a:r>
+              <a:rPr lang="en-US" dirty="0">
+                <a:hlinkClick r:id="rId4"/>
+              </a:rPr>
+              <a:t>ASD-STE100</a:t>
+            </a:r>
+            <a:r>
+              <a:rPr lang="en-US" dirty="0"/>
+              <a:t>)</a:t>
+            </a:r>
+          </a:p>
+          <a:p>
+            <a:r>
+              <a:rPr lang="en-US" dirty="0"/>
+              <a:t>Attempto Controlled English (</a:t>
+            </a:r>
+            <a:r>
+              <a:rPr lang="en-US" dirty="0">
+                <a:hlinkClick r:id="rId5"/>
+              </a:rPr>
+              <a:t>ACE</a:t>
+            </a:r>
+            <a:r>
+              <a:rPr lang="en-US" dirty="0"/>
+              <a:t>)</a:t>
+            </a:r>
+          </a:p>
+        </p:txBody>
+      </p:sp>
+      <p:sp>
+        <p:nvSpPr>
+          <p:cNvPr id="4" name="Date Placeholder 4">
+            <a:extLst>
+              <a:ext uri="{FF2B5EF4-FFF2-40B4-BE49-F238E27FC236}">
+                <a16:creationId xmlns:a16="http://schemas.microsoft.com/office/drawing/2014/main" id="{4AD06DDA-5576-2355-85E5-18F232F88317}"/>
+              </a:ext>
+            </a:extLst>
+          </p:cNvPr>
+          <p:cNvSpPr>
+            <a:spLocks noGrp="1"/>
+          </p:cNvSpPr>
+          <p:nvPr>
+            <p:ph type="dt" sz="half" idx="10"/>
+          </p:nvPr>
+        </p:nvSpPr>
+        <p:spPr>
+          <a:xfrm>
+            <a:off x="838200" y="6356350"/>
+            <a:ext cx="1371600" cy="365125"/>
+          </a:xfrm>
+        </p:spPr>
+        <p:txBody>
+          <a:bodyPr/>
+          <a:lstStyle/>
+          <a:p>
+            <a:r>
+              <a:rPr lang="en-US"/>
+              <a:t>8/12/2024</a:t>
+            </a:r>
+            <a:endParaRPr lang="en-US" dirty="0"/>
+          </a:p>
+        </p:txBody>
+      </p:sp>
+      <p:sp>
+        <p:nvSpPr>
+          <p:cNvPr id="5" name="Slide Number Placeholder 5">
+            <a:extLst>
+              <a:ext uri="{FF2B5EF4-FFF2-40B4-BE49-F238E27FC236}">
+                <a16:creationId xmlns:a16="http://schemas.microsoft.com/office/drawing/2014/main" id="{D86D7729-EA13-5E29-083D-447C41FE0A50}"/>
+              </a:ext>
+            </a:extLst>
+          </p:cNvPr>
+          <p:cNvSpPr>
+            <a:spLocks noGrp="1"/>
+          </p:cNvSpPr>
+          <p:nvPr>
+            <p:ph type="sldNum" sz="quarter" idx="12"/>
+          </p:nvPr>
+        </p:nvSpPr>
+        <p:spPr>
+          <a:xfrm>
+            <a:off x="9982200" y="6356350"/>
+            <a:ext cx="1371600" cy="365125"/>
+          </a:xfrm>
+        </p:spPr>
+        <p:txBody>
+          <a:bodyPr/>
+          <a:lstStyle/>
+          <a:p>
+            <a:fld id="{AF56F2E1-774A-4B12-AD76-893078A0F513}" type="slidenum">
+              <a:rPr lang="en-US" smtClean="0"/>
+              <a:t>30</a:t>
+            </a:fld>
+            <a:endParaRPr lang="en-US"/>
+          </a:p>
+        </p:txBody>
+      </p:sp>
+      <p:sp>
+        <p:nvSpPr>
+          <p:cNvPr id="6" name="Footer Placeholder 3">
+            <a:extLst>
+              <a:ext uri="{FF2B5EF4-FFF2-40B4-BE49-F238E27FC236}">
+                <a16:creationId xmlns:a16="http://schemas.microsoft.com/office/drawing/2014/main" id="{4C062A97-E6F7-E860-CA1C-68636735BFFF}"/>
+              </a:ext>
+            </a:extLst>
+          </p:cNvPr>
+          <p:cNvSpPr>
+            <a:spLocks noGrp="1"/>
+          </p:cNvSpPr>
+          <p:nvPr>
+            <p:ph type="ftr" sz="quarter" idx="11"/>
+          </p:nvPr>
+        </p:nvSpPr>
+        <p:spPr>
+          <a:xfrm>
+            <a:off x="2209800" y="6356350"/>
+            <a:ext cx="7772400" cy="365125"/>
+          </a:xfrm>
+        </p:spPr>
+        <p:txBody>
+          <a:bodyPr/>
+          <a:lstStyle/>
+          <a:p>
+            <a:r>
+              <a:rPr lang="en-US"/>
+              <a:t>https://github.com/ciioprof0/stixd </a:t>
+            </a:r>
+            <a:endParaRPr lang="en-US" dirty="0"/>
+          </a:p>
+        </p:txBody>
+      </p:sp>
+    </p:spTree>
+    <p:extLst>
+      <p:ext uri="{BB962C8B-B14F-4D97-AF65-F5344CB8AC3E}">
+        <p14:creationId xmlns:p14="http://schemas.microsoft.com/office/powerpoint/2010/main" val="1483896101"/>
       </p:ext>
     </p:extLst>
   </p:cSld>
@@ -13721,10 +17182,10 @@
       </p:grpSpPr>
       <p:sp>
         <p:nvSpPr>
-          <p:cNvPr id="4" name="Title 3">
-            <a:extLst>
-              <a:ext uri="{FF2B5EF4-FFF2-40B4-BE49-F238E27FC236}">
-                <a16:creationId xmlns:a16="http://schemas.microsoft.com/office/drawing/2014/main" id="{AEF577CA-86F4-6A6C-106D-E3C80E92B7B4}"/>
+          <p:cNvPr id="2" name="Title 1">
+            <a:extLst>
+              <a:ext uri="{FF2B5EF4-FFF2-40B4-BE49-F238E27FC236}">
+                <a16:creationId xmlns:a16="http://schemas.microsoft.com/office/drawing/2014/main" id="{7E7C266C-3935-24B4-1433-62199094B1F6}"/>
               </a:ext>
             </a:extLst>
           </p:cNvPr>
@@ -13742,45 +17203,132 @@
           <a:p>
             <a:r>
               <a:rPr lang="en-US" dirty="0"/>
-              <a:t>Data Mining in NLP</a:t>
-            </a:r>
-          </a:p>
-        </p:txBody>
-      </p:sp>
-      <p:sp>
-        <p:nvSpPr>
-          <p:cNvPr id="5" name="Text Placeholder 4">
-            <a:extLst>
-              <a:ext uri="{FF2B5EF4-FFF2-40B4-BE49-F238E27FC236}">
-                <a16:creationId xmlns:a16="http://schemas.microsoft.com/office/drawing/2014/main" id="{246F63FD-015C-E8F2-461F-E69542C3C805}"/>
-              </a:ext>
-            </a:extLst>
-          </p:cNvPr>
-          <p:cNvSpPr>
-            <a:spLocks noGrp="1"/>
-          </p:cNvSpPr>
-          <p:nvPr>
-            <p:ph type="body" idx="1"/>
-          </p:nvPr>
-        </p:nvSpPr>
-        <p:spPr/>
-        <p:txBody>
-          <a:bodyPr/>
-          <a:lstStyle/>
-          <a:p>
-            <a:r>
-              <a:rPr lang="en-US" dirty="0"/>
-              <a:t>Relating NLP to INFO 523</a:t>
-            </a:r>
-          </a:p>
-        </p:txBody>
-      </p:sp>
-      <p:sp>
-        <p:nvSpPr>
-          <p:cNvPr id="6" name="Date Placeholder 5">
-            <a:extLst>
-              <a:ext uri="{FF2B5EF4-FFF2-40B4-BE49-F238E27FC236}">
-                <a16:creationId xmlns:a16="http://schemas.microsoft.com/office/drawing/2014/main" id="{4008FFF6-6519-CE53-9095-74BAADB6A7DC}"/>
+              <a:t>How to Develop a CNL?</a:t>
+            </a:r>
+          </a:p>
+        </p:txBody>
+      </p:sp>
+      <p:sp>
+        <p:nvSpPr>
+          <p:cNvPr id="3" name="Content Placeholder 2">
+            <a:extLst>
+              <a:ext uri="{FF2B5EF4-FFF2-40B4-BE49-F238E27FC236}">
+                <a16:creationId xmlns:a16="http://schemas.microsoft.com/office/drawing/2014/main" id="{4A491DB5-07F0-22B2-2073-A1E632A4DC58}"/>
+              </a:ext>
+            </a:extLst>
+          </p:cNvPr>
+          <p:cNvSpPr>
+            <a:spLocks noGrp="1"/>
+          </p:cNvSpPr>
+          <p:nvPr>
+            <p:ph idx="1"/>
+          </p:nvPr>
+        </p:nvSpPr>
+        <p:spPr>
+          <a:xfrm>
+            <a:off x="737937" y="1825625"/>
+            <a:ext cx="10716126" cy="4351338"/>
+          </a:xfrm>
+        </p:spPr>
+        <p:txBody>
+          <a:bodyPr>
+            <a:normAutofit/>
+          </a:bodyPr>
+          <a:lstStyle/>
+          <a:p>
+            <a:pPr marL="514350" indent="-514350">
+              <a:buFont typeface="+mj-lt"/>
+              <a:buAutoNum type="arabicPeriod"/>
+            </a:pPr>
+            <a:r>
+              <a:rPr lang="en-US" dirty="0"/>
+              <a:t>Decide on a domain and base NL:  (e.g., CTI, </a:t>
+            </a:r>
+            <a:r>
+              <a:rPr lang="en-US" dirty="0" err="1"/>
+              <a:t>en</a:t>
+            </a:r>
+            <a:r>
+              <a:rPr lang="en-US" dirty="0"/>
+              <a:t>-US)</a:t>
+            </a:r>
+          </a:p>
+          <a:p>
+            <a:pPr marL="514350" indent="-514350">
+              <a:buFont typeface="+mj-lt"/>
+              <a:buAutoNum type="arabicPeriod"/>
+            </a:pPr>
+            <a:r>
+              <a:rPr lang="en-US" dirty="0"/>
+              <a:t>Assemble a corpus for processing and data mining (STIX objects)</a:t>
+            </a:r>
+          </a:p>
+          <a:p>
+            <a:pPr marL="514350" indent="-514350">
+              <a:buFont typeface="+mj-lt"/>
+              <a:buAutoNum type="arabicPeriod"/>
+            </a:pPr>
+            <a:r>
+              <a:rPr lang="en-US" dirty="0"/>
+              <a:t>Use NLP to deconstruct raw text  into structured data</a:t>
+            </a:r>
+          </a:p>
+          <a:p>
+            <a:pPr marL="514350" indent="-514350">
+              <a:buFont typeface="+mj-lt"/>
+              <a:buAutoNum type="arabicPeriod"/>
+            </a:pPr>
+            <a:r>
+              <a:rPr lang="en-US" b="1" dirty="0">
+                <a:sym typeface="Wingdings" panose="05000000000000000000" pitchFamily="2" charset="2"/>
+              </a:rPr>
+              <a:t>Use data mining to extract key insights and features from data</a:t>
+            </a:r>
+          </a:p>
+          <a:p>
+            <a:pPr marL="514350" indent="-514350">
+              <a:buFont typeface="+mj-lt"/>
+              <a:buAutoNum type="arabicPeriod"/>
+            </a:pPr>
+            <a:r>
+              <a:rPr lang="en-US" dirty="0">
+                <a:sym typeface="Wingdings" panose="05000000000000000000" pitchFamily="2" charset="2"/>
+              </a:rPr>
+              <a:t>Distill prescriptive grammar rules and type characteristics</a:t>
+            </a:r>
+          </a:p>
+          <a:p>
+            <a:pPr marL="514350" indent="-514350">
+              <a:buFont typeface="+mj-lt"/>
+              <a:buAutoNum type="arabicPeriod"/>
+            </a:pPr>
+            <a:r>
+              <a:rPr lang="en-US" dirty="0">
+                <a:sym typeface="Wingdings" panose="05000000000000000000" pitchFamily="2" charset="2"/>
+              </a:rPr>
+              <a:t>Determine which existing CNL to use as starting point (e.g., ACE)</a:t>
+            </a:r>
+          </a:p>
+          <a:p>
+            <a:pPr marL="514350" indent="-514350">
+              <a:buFont typeface="+mj-lt"/>
+              <a:buAutoNum type="arabicPeriod"/>
+            </a:pPr>
+            <a:r>
+              <a:rPr lang="en-US" dirty="0">
+                <a:sym typeface="Wingdings" panose="05000000000000000000" pitchFamily="2" charset="2"/>
+              </a:rPr>
+              <a:t>Customize existing CNL with grammar rules</a:t>
+            </a:r>
+          </a:p>
+        </p:txBody>
+      </p:sp>
+      <p:sp>
+        <p:nvSpPr>
+          <p:cNvPr id="4" name="Date Placeholder 3">
+            <a:extLst>
+              <a:ext uri="{FF2B5EF4-FFF2-40B4-BE49-F238E27FC236}">
+                <a16:creationId xmlns:a16="http://schemas.microsoft.com/office/drawing/2014/main" id="{C95FFCF6-E2BA-BCBD-99D1-89B0CF42C6D0}"/>
               </a:ext>
             </a:extLst>
           </p:cNvPr>
@@ -13805,10 +17353,10 @@
       </p:sp>
       <p:sp>
         <p:nvSpPr>
-          <p:cNvPr id="7" name="Footer Placeholder 6">
-            <a:extLst>
-              <a:ext uri="{FF2B5EF4-FFF2-40B4-BE49-F238E27FC236}">
-                <a16:creationId xmlns:a16="http://schemas.microsoft.com/office/drawing/2014/main" id="{79DBF0D8-617A-B71C-7A36-55C343534055}"/>
+          <p:cNvPr id="5" name="Footer Placeholder 4">
+            <a:extLst>
+              <a:ext uri="{FF2B5EF4-FFF2-40B4-BE49-F238E27FC236}">
+                <a16:creationId xmlns:a16="http://schemas.microsoft.com/office/drawing/2014/main" id="{45BD8DD1-A64E-4B77-3573-DBE7F8AF45E7}"/>
               </a:ext>
             </a:extLst>
           </p:cNvPr>
@@ -13833,10 +17381,10 @@
       </p:sp>
       <p:sp>
         <p:nvSpPr>
-          <p:cNvPr id="8" name="Slide Number Placeholder 7">
-            <a:extLst>
-              <a:ext uri="{FF2B5EF4-FFF2-40B4-BE49-F238E27FC236}">
-                <a16:creationId xmlns:a16="http://schemas.microsoft.com/office/drawing/2014/main" id="{F518D0D4-09DC-D204-7B99-CB48AA818E1E}"/>
+          <p:cNvPr id="6" name="Slide Number Placeholder 5">
+            <a:extLst>
+              <a:ext uri="{FF2B5EF4-FFF2-40B4-BE49-F238E27FC236}">
+                <a16:creationId xmlns:a16="http://schemas.microsoft.com/office/drawing/2014/main" id="{68010679-7FE0-1639-D030-0934A6A90C1A}"/>
               </a:ext>
             </a:extLst>
           </p:cNvPr>
@@ -13863,7 +17411,7 @@
     </p:spTree>
     <p:extLst>
       <p:ext uri="{BB962C8B-B14F-4D97-AF65-F5344CB8AC3E}">
-        <p14:creationId xmlns:p14="http://schemas.microsoft.com/office/powerpoint/2010/main" val="1877965146"/>
+        <p14:creationId xmlns:p14="http://schemas.microsoft.com/office/powerpoint/2010/main" val="2895154069"/>
       </p:ext>
     </p:extLst>
   </p:cSld>

--- a/info523/slides/stixd_demo.pptx
+++ b/info523/slides/stixd_demo.pptx
@@ -210,11 +210,18 @@
 <pc:chgInfo xmlns:a="http://schemas.openxmlformats.org/drawingml/2006/main" xmlns:r="http://schemas.openxmlformats.org/officeDocument/2006/relationships" xmlns:ac="http://schemas.microsoft.com/office/drawing/2013/main/command" xmlns:pc="http://schemas.microsoft.com/office/powerpoint/2013/main/command">
   <pc:docChgLst>
     <pc:chgData name="mike b" userId="41a76ed36495dfc0" providerId="LiveId" clId="{1526470A-66A9-4E36-BC23-79802B2E7D0A}"/>
-    <pc:docChg chg="undo custSel addSld delSld modSld sldOrd modSection">
-      <pc:chgData name="mike b" userId="41a76ed36495dfc0" providerId="LiveId" clId="{1526470A-66A9-4E36-BC23-79802B2E7D0A}" dt="2024-08-12T22:24:30.902" v="782" actId="20577"/>
+    <pc:docChg chg="undo custSel addSld delSld modSld sldOrd modMainMaster modSection">
+      <pc:chgData name="mike b" userId="41a76ed36495dfc0" providerId="LiveId" clId="{1526470A-66A9-4E36-BC23-79802B2E7D0A}" dt="2024-08-12T22:45:50.424" v="923" actId="478"/>
       <pc:docMkLst>
         <pc:docMk/>
       </pc:docMkLst>
+      <pc:sldChg chg="modNotesTx">
+        <pc:chgData name="mike b" userId="41a76ed36495dfc0" providerId="LiveId" clId="{1526470A-66A9-4E36-BC23-79802B2E7D0A}" dt="2024-08-12T22:38:34.950" v="807" actId="6549"/>
+        <pc:sldMkLst>
+          <pc:docMk/>
+          <pc:sldMk cId="408318667" sldId="256"/>
+        </pc:sldMkLst>
+      </pc:sldChg>
       <pc:sldChg chg="del">
         <pc:chgData name="mike b" userId="41a76ed36495dfc0" providerId="LiveId" clId="{1526470A-66A9-4E36-BC23-79802B2E7D0A}" dt="2024-08-12T20:57:09.173" v="64" actId="47"/>
         <pc:sldMkLst>
@@ -242,6 +249,44 @@
             <pc:docMk/>
             <pc:sldMk cId="4003301164" sldId="260"/>
             <ac:spMk id="3" creationId="{FB9CF954-5BD6-2425-CF31-0A58430A09BF}"/>
+          </ac:spMkLst>
+        </pc:spChg>
+      </pc:sldChg>
+      <pc:sldChg chg="modSp mod modNotesTx">
+        <pc:chgData name="mike b" userId="41a76ed36495dfc0" providerId="LiveId" clId="{1526470A-66A9-4E36-BC23-79802B2E7D0A}" dt="2024-08-12T22:42:50.073" v="902" actId="20577"/>
+        <pc:sldMkLst>
+          <pc:docMk/>
+          <pc:sldMk cId="643369765" sldId="261"/>
+        </pc:sldMkLst>
+        <pc:spChg chg="mod">
+          <ac:chgData name="mike b" userId="41a76ed36495dfc0" providerId="LiveId" clId="{1526470A-66A9-4E36-BC23-79802B2E7D0A}" dt="2024-08-12T22:35:14.681" v="794" actId="20577"/>
+          <ac:spMkLst>
+            <pc:docMk/>
+            <pc:sldMk cId="643369765" sldId="261"/>
+            <ac:spMk id="2" creationId="{C88770A4-A2E8-3DC3-AC37-EB2915061D3A}"/>
+          </ac:spMkLst>
+        </pc:spChg>
+        <pc:spChg chg="mod">
+          <ac:chgData name="mike b" userId="41a76ed36495dfc0" providerId="LiveId" clId="{1526470A-66A9-4E36-BC23-79802B2E7D0A}" dt="2024-08-12T22:42:09.334" v="882" actId="20577"/>
+          <ac:spMkLst>
+            <pc:docMk/>
+            <pc:sldMk cId="643369765" sldId="261"/>
+            <ac:spMk id="3" creationId="{9DAE6151-DB31-A840-37AB-CCD9EA573A1F}"/>
+          </ac:spMkLst>
+        </pc:spChg>
+      </pc:sldChg>
+      <pc:sldChg chg="modSp mod">
+        <pc:chgData name="mike b" userId="41a76ed36495dfc0" providerId="LiveId" clId="{1526470A-66A9-4E36-BC23-79802B2E7D0A}" dt="2024-08-12T22:43:30.111" v="918" actId="5793"/>
+        <pc:sldMkLst>
+          <pc:docMk/>
+          <pc:sldMk cId="830445251" sldId="267"/>
+        </pc:sldMkLst>
+        <pc:spChg chg="mod">
+          <ac:chgData name="mike b" userId="41a76ed36495dfc0" providerId="LiveId" clId="{1526470A-66A9-4E36-BC23-79802B2E7D0A}" dt="2024-08-12T22:43:30.111" v="918" actId="5793"/>
+          <ac:spMkLst>
+            <pc:docMk/>
+            <pc:sldMk cId="830445251" sldId="267"/>
+            <ac:spMk id="5" creationId="{DB113668-A492-5F7A-95A1-6F99A094EE75}"/>
           </ac:spMkLst>
         </pc:spChg>
       </pc:sldChg>
@@ -627,6 +672,47 @@
           </ac:spMkLst>
         </pc:spChg>
       </pc:sldChg>
+      <pc:sldMasterChg chg="delSp mod modSldLayout">
+        <pc:chgData name="mike b" userId="41a76ed36495dfc0" providerId="LiveId" clId="{1526470A-66A9-4E36-BC23-79802B2E7D0A}" dt="2024-08-12T22:45:50.424" v="923" actId="478"/>
+        <pc:sldMasterMkLst>
+          <pc:docMk/>
+          <pc:sldMasterMk cId="1475297780" sldId="2147483648"/>
+        </pc:sldMasterMkLst>
+        <pc:spChg chg="del">
+          <ac:chgData name="mike b" userId="41a76ed36495dfc0" providerId="LiveId" clId="{1526470A-66A9-4E36-BC23-79802B2E7D0A}" dt="2024-08-12T22:45:50.424" v="923" actId="478"/>
+          <ac:spMkLst>
+            <pc:docMk/>
+            <pc:sldMasterMk cId="1475297780" sldId="2147483648"/>
+            <ac:spMk id="7" creationId="{F06518A8-EEEA-E5AB-999B-F1BE7FE3CBAB}"/>
+          </ac:spMkLst>
+        </pc:spChg>
+        <pc:sldLayoutChg chg="addSp delSp modSp mod">
+          <pc:chgData name="mike b" userId="41a76ed36495dfc0" providerId="LiveId" clId="{1526470A-66A9-4E36-BC23-79802B2E7D0A}" dt="2024-08-12T22:45:41.996" v="922" actId="21"/>
+          <pc:sldLayoutMkLst>
+            <pc:docMk/>
+            <pc:sldMasterMk cId="1475297780" sldId="2147483648"/>
+            <pc:sldLayoutMk cId="4229949425" sldId="2147483651"/>
+          </pc:sldLayoutMkLst>
+          <pc:spChg chg="ord">
+            <ac:chgData name="mike b" userId="41a76ed36495dfc0" providerId="LiveId" clId="{1526470A-66A9-4E36-BC23-79802B2E7D0A}" dt="2024-08-12T22:45:28.546" v="920" actId="167"/>
+            <ac:spMkLst>
+              <pc:docMk/>
+              <pc:sldMasterMk cId="1475297780" sldId="2147483648"/>
+              <pc:sldLayoutMk cId="4229949425" sldId="2147483651"/>
+              <ac:spMk id="2" creationId="{868AE5F7-ADF0-3F0B-421B-107DA4032877}"/>
+            </ac:spMkLst>
+          </pc:spChg>
+          <pc:spChg chg="add del">
+            <ac:chgData name="mike b" userId="41a76ed36495dfc0" providerId="LiveId" clId="{1526470A-66A9-4E36-BC23-79802B2E7D0A}" dt="2024-08-12T22:45:41.996" v="922" actId="21"/>
+            <ac:spMkLst>
+              <pc:docMk/>
+              <pc:sldMasterMk cId="1475297780" sldId="2147483648"/>
+              <pc:sldLayoutMk cId="4229949425" sldId="2147483651"/>
+              <ac:spMk id="3" creationId="{CB606368-8697-7AA0-D3FC-D7F13A28375A}"/>
+            </ac:spMkLst>
+          </pc:spChg>
+        </pc:sldLayoutChg>
+      </pc:sldMasterChg>
     </pc:docChg>
   </pc:docChgLst>
 </pc:chgInfo>
@@ -2644,25 +2730,36 @@
           <a:bodyPr/>
           <a:lstStyle/>
           <a:p>
-            <a:r>
-              <a:rPr lang="en-US" dirty="0"/>
-              <a:t>Derive a CNL {Type-2) from the corpus of natural language {Type-0} STIX object `description` fields with the goals of being user-friendly for humans and computationally efficient for machines.</a:t>
-            </a:r>
-          </a:p>
-          <a:p>
-            <a:pPr marL="228600" indent="-228600">
-              <a:buAutoNum type="arabicPeriod"/>
+            <a:pPr marL="0" indent="0">
+              <a:buNone/>
             </a:pPr>
             <a:r>
               <a:rPr lang="en-US" dirty="0"/>
-              <a:t>Improve clarity and reduce ambiguity</a:t>
-            </a:r>
-          </a:p>
-          <a:p>
-            <a:pPr marL="228600" indent="-228600">
-              <a:buAutoNum type="arabicPeriod"/>
+              <a:t>Today, we'll walk through the application of Natural Language Processing (NLP) within the context of Controlled Natural Languages (</a:t>
+            </a:r>
+            <a:r>
+              <a:rPr lang="en-US" dirty="0" err="1"/>
+              <a:t>CNLs</a:t>
+            </a:r>
+            <a:r>
+              <a:rPr lang="en-US" dirty="0"/>
+              <a:t>) in the STIX-D project. </a:t>
+            </a:r>
+          </a:p>
+          <a:p>
+            <a:pPr marL="0" indent="0">
+              <a:buNone/>
             </a:pPr>
             <a:endParaRPr lang="en-US" dirty="0"/>
+          </a:p>
+          <a:p>
+            <a:pPr marL="0" indent="0">
+              <a:buNone/>
+            </a:pPr>
+            <a:r>
+              <a:rPr lang="en-US" dirty="0"/>
+              <a:t>We will start with some background information, then relate our work to the topics we've covered in class. I'll also demonstrate a real-world application, provide a detailed example, and conclude with a summary.</a:t>
+            </a:r>
           </a:p>
         </p:txBody>
       </p:sp>
@@ -2959,7 +3056,37 @@
           <a:bodyPr/>
           <a:lstStyle/>
           <a:p>
+            <a:r>
+              <a:rPr lang="en-US" dirty="0"/>
+              <a:t>In conclusion, this project has shown that applying NLP techniques within the STIX-D framework can significantly improve the clarity and consistency of threat descriptions. </a:t>
+            </a:r>
+          </a:p>
+          <a:p>
             <a:endParaRPr lang="en-US" dirty="0"/>
+          </a:p>
+          <a:p>
+            <a:r>
+              <a:rPr lang="en-US" dirty="0"/>
+              <a:t>The model results, which we’ve reviewed through various examples, clearly support the conclusion that a controlled natural language can enhance the accuracy of cybersecurity intelligence. </a:t>
+            </a:r>
+          </a:p>
+          <a:p>
+            <a:endParaRPr lang="en-US" dirty="0"/>
+          </a:p>
+          <a:p>
+            <a:r>
+              <a:rPr lang="en-US" dirty="0"/>
+              <a:t>These findings not only demonstrate the practical utility of the CNL but also pave the way for future enhancements, including the integration of more advanced models. </a:t>
+            </a:r>
+          </a:p>
+          <a:p>
+            <a:endParaRPr lang="en-US" dirty="0"/>
+          </a:p>
+          <a:p>
+            <a:r>
+              <a:rPr lang="en-US" dirty="0"/>
+              <a:t>Thank you for your attention, and I look forward to your feedback.</a:t>
+            </a:r>
           </a:p>
         </p:txBody>
       </p:sp>
@@ -2980,7 +3107,7 @@
           <a:p>
             <a:fld id="{D27B3C88-B723-4E6F-A988-B61BCF239A4C}" type="slidenum">
               <a:rPr lang="en-US" smtClean="0"/>
-              <a:t>27</a:t>
+              <a:t>25</a:t>
             </a:fld>
             <a:endParaRPr lang="en-US"/>
           </a:p>
@@ -2989,7 +3116,7 @@
     </p:spTree>
     <p:extLst>
       <p:ext uri="{BB962C8B-B14F-4D97-AF65-F5344CB8AC3E}">
-        <p14:creationId xmlns:p14="http://schemas.microsoft.com/office/powerpoint/2010/main" val="2992214464"/>
+        <p14:creationId xmlns:p14="http://schemas.microsoft.com/office/powerpoint/2010/main" val="1816327024"/>
       </p:ext>
     </p:extLst>
   </p:cSld>
@@ -3064,7 +3191,7 @@
           <a:p>
             <a:fld id="{D27B3C88-B723-4E6F-A988-B61BCF239A4C}" type="slidenum">
               <a:rPr lang="en-US" smtClean="0"/>
-              <a:t>28</a:t>
+              <a:t>27</a:t>
             </a:fld>
             <a:endParaRPr lang="en-US"/>
           </a:p>
@@ -3073,7 +3200,7 @@
     </p:spTree>
     <p:extLst>
       <p:ext uri="{BB962C8B-B14F-4D97-AF65-F5344CB8AC3E}">
-        <p14:creationId xmlns:p14="http://schemas.microsoft.com/office/powerpoint/2010/main" val="3103157497"/>
+        <p14:creationId xmlns:p14="http://schemas.microsoft.com/office/powerpoint/2010/main" val="2992214464"/>
       </p:ext>
     </p:extLst>
   </p:cSld>
@@ -3148,6 +3275,90 @@
           <a:p>
             <a:fld id="{D27B3C88-B723-4E6F-A988-B61BCF239A4C}" type="slidenum">
               <a:rPr lang="en-US" smtClean="0"/>
+              <a:t>28</a:t>
+            </a:fld>
+            <a:endParaRPr lang="en-US"/>
+          </a:p>
+        </p:txBody>
+      </p:sp>
+    </p:spTree>
+    <p:extLst>
+      <p:ext uri="{BB962C8B-B14F-4D97-AF65-F5344CB8AC3E}">
+        <p14:creationId xmlns:p14="http://schemas.microsoft.com/office/powerpoint/2010/main" val="3103157497"/>
+      </p:ext>
+    </p:extLst>
+  </p:cSld>
+  <p:clrMapOvr>
+    <a:masterClrMapping/>
+  </p:clrMapOvr>
+</p:notes>
+</file>
+
+<file path=ppt/notesSlides/notesSlide25.xml><?xml version="1.0" encoding="utf-8"?>
+<p:notes xmlns:a="http://schemas.openxmlformats.org/drawingml/2006/main" xmlns:r="http://schemas.openxmlformats.org/officeDocument/2006/relationships" xmlns:p="http://schemas.openxmlformats.org/presentationml/2006/main">
+  <p:cSld>
+    <p:spTree>
+      <p:nvGrpSpPr>
+        <p:cNvPr id="1" name=""/>
+        <p:cNvGrpSpPr/>
+        <p:nvPr/>
+      </p:nvGrpSpPr>
+      <p:grpSpPr>
+        <a:xfrm>
+          <a:off x="0" y="0"/>
+          <a:ext cx="0" cy="0"/>
+          <a:chOff x="0" y="0"/>
+          <a:chExt cx="0" cy="0"/>
+        </a:xfrm>
+      </p:grpSpPr>
+      <p:sp>
+        <p:nvSpPr>
+          <p:cNvPr id="2" name="Slide Image Placeholder 1"/>
+          <p:cNvSpPr>
+            <a:spLocks noGrp="1" noRot="1" noChangeAspect="1"/>
+          </p:cNvSpPr>
+          <p:nvPr>
+            <p:ph type="sldImg"/>
+          </p:nvPr>
+        </p:nvSpPr>
+        <p:spPr/>
+      </p:sp>
+      <p:sp>
+        <p:nvSpPr>
+          <p:cNvPr id="3" name="Notes Placeholder 2"/>
+          <p:cNvSpPr>
+            <a:spLocks noGrp="1"/>
+          </p:cNvSpPr>
+          <p:nvPr>
+            <p:ph type="body" idx="1"/>
+          </p:nvPr>
+        </p:nvSpPr>
+        <p:spPr/>
+        <p:txBody>
+          <a:bodyPr/>
+          <a:lstStyle/>
+          <a:p>
+            <a:endParaRPr lang="en-US" dirty="0"/>
+          </a:p>
+        </p:txBody>
+      </p:sp>
+      <p:sp>
+        <p:nvSpPr>
+          <p:cNvPr id="4" name="Slide Number Placeholder 3"/>
+          <p:cNvSpPr>
+            <a:spLocks noGrp="1"/>
+          </p:cNvSpPr>
+          <p:nvPr>
+            <p:ph type="sldNum" sz="quarter" idx="5"/>
+          </p:nvPr>
+        </p:nvSpPr>
+        <p:spPr/>
+        <p:txBody>
+          <a:bodyPr/>
+          <a:lstStyle/>
+          <a:p>
+            <a:fld id="{D27B3C88-B723-4E6F-A988-B61BCF239A4C}" type="slidenum">
+              <a:rPr lang="en-US" smtClean="0"/>
               <a:t>29</a:t>
             </a:fld>
             <a:endParaRPr lang="en-US"/>
@@ -3167,7 +3378,7 @@
 </p:notes>
 </file>
 
-<file path=ppt/notesSlides/notesSlide25.xml><?xml version="1.0" encoding="utf-8"?>
+<file path=ppt/notesSlides/notesSlide26.xml><?xml version="1.0" encoding="utf-8"?>
 <p:notes xmlns:a="http://schemas.openxmlformats.org/drawingml/2006/main" xmlns:r="http://schemas.openxmlformats.org/officeDocument/2006/relationships" xmlns:p="http://schemas.openxmlformats.org/presentationml/2006/main">
   <p:cSld>
     <p:spTree>
@@ -5018,7 +5229,7 @@
 </file>
 
 <file path=ppt/slideLayouts/slideLayout3.xml><?xml version="1.0" encoding="utf-8"?>
-<p:sldLayout xmlns:a="http://schemas.openxmlformats.org/drawingml/2006/main" xmlns:r="http://schemas.openxmlformats.org/officeDocument/2006/relationships" xmlns:p="http://schemas.openxmlformats.org/presentationml/2006/main" type="secHead" preserve="1">
+<p:sldLayout xmlns:a="http://schemas.openxmlformats.org/drawingml/2006/main" xmlns:r="http://schemas.openxmlformats.org/officeDocument/2006/relationships" xmlns:p="http://schemas.openxmlformats.org/presentationml/2006/main" preserve="1" userDrawn="1">
   <p:cSld name="Section Header">
     <p:spTree>
       <p:nvGrpSpPr>
@@ -6858,50 +7069,6 @@
           <a:chExt cx="0" cy="0"/>
         </a:xfrm>
       </p:grpSpPr>
-      <p:sp>
-        <p:nvSpPr>
-          <p:cNvPr id="7" name="TextBox 6">
-            <a:extLst>
-              <a:ext uri="{FF2B5EF4-FFF2-40B4-BE49-F238E27FC236}">
-                <a16:creationId xmlns:a16="http://schemas.microsoft.com/office/drawing/2014/main" id="{F06518A8-EEEA-E5AB-999B-F1BE7FE3CBAB}"/>
-              </a:ext>
-            </a:extLst>
-          </p:cNvPr>
-          <p:cNvSpPr txBox="1"/>
-          <p:nvPr userDrawn="1"/>
-        </p:nvSpPr>
-        <p:spPr>
-          <a:xfrm rot="18943377">
-            <a:off x="3339829" y="2817403"/>
-            <a:ext cx="5512343" cy="2215991"/>
-          </a:xfrm>
-          <a:prstGeom prst="rect">
-            <a:avLst/>
-          </a:prstGeom>
-          <a:noFill/>
-        </p:spPr>
-        <p:txBody>
-          <a:bodyPr wrap="none" rtlCol="0">
-            <a:spAutoFit/>
-          </a:bodyPr>
-          <a:lstStyle/>
-          <a:p>
-            <a:r>
-              <a:rPr lang="en-US" sz="13800" b="1" dirty="0">
-                <a:solidFill>
-                  <a:schemeClr val="bg2"/>
-                </a:solidFill>
-              </a:rPr>
-              <a:t>DRAFT</a:t>
-            </a:r>
-            <a:endParaRPr lang="en-US" sz="11500" b="1" dirty="0">
-              <a:solidFill>
-                <a:schemeClr val="bg2"/>
-              </a:solidFill>
-            </a:endParaRPr>
-          </a:p>
-        </p:txBody>
-      </p:sp>
       <p:sp>
         <p:nvSpPr>
           <p:cNvPr id="2" name="Title Placeholder 1">
@@ -7520,7 +7687,10 @@
           <a:bodyPr/>
           <a:lstStyle/>
           <a:p>
-            <a:endParaRPr lang="en-US" dirty="0"/>
+            <a:r>
+              <a:rPr lang="en-US" dirty="0"/>
+              <a:t>by Mike Benson</a:t>
+            </a:r>
           </a:p>
         </p:txBody>
       </p:sp>
@@ -7685,10 +7855,15 @@
             <a:spLocks noGrp="1"/>
           </p:cNvSpPr>
           <p:nvPr>
-            <p:ph type="body" idx="1"/>
-          </p:nvPr>
-        </p:nvSpPr>
-        <p:spPr/>
+            <p:ph type="body" idx="4294967295"/>
+          </p:nvPr>
+        </p:nvSpPr>
+        <p:spPr>
+          <a:xfrm>
+            <a:off x="831850" y="4589463"/>
+            <a:ext cx="10515600" cy="1500187"/>
+          </a:xfrm>
+        </p:spPr>
         <p:txBody>
           <a:bodyPr/>
           <a:lstStyle/>
@@ -9162,10 +9337,15 @@
             <a:spLocks noGrp="1"/>
           </p:cNvSpPr>
           <p:nvPr>
-            <p:ph type="body" idx="1"/>
-          </p:nvPr>
-        </p:nvSpPr>
-        <p:spPr/>
+            <p:ph type="body" idx="4294967295"/>
+          </p:nvPr>
+        </p:nvSpPr>
+        <p:spPr>
+          <a:xfrm>
+            <a:off x="831850" y="4589463"/>
+            <a:ext cx="10515600" cy="1500187"/>
+          </a:xfrm>
+        </p:spPr>
         <p:txBody>
           <a:bodyPr/>
           <a:lstStyle/>
@@ -10652,10 +10832,15 @@
             <a:spLocks noGrp="1"/>
           </p:cNvSpPr>
           <p:nvPr>
-            <p:ph type="body" idx="1"/>
-          </p:nvPr>
-        </p:nvSpPr>
-        <p:spPr/>
+            <p:ph type="body" idx="4294967295"/>
+          </p:nvPr>
+        </p:nvSpPr>
+        <p:spPr>
+          <a:xfrm>
+            <a:off x="831850" y="4589463"/>
+            <a:ext cx="10515600" cy="1500187"/>
+          </a:xfrm>
+        </p:spPr>
         <p:txBody>
           <a:bodyPr/>
           <a:lstStyle/>
@@ -13035,6 +13220,10 @@
           <a:bodyPr/>
           <a:lstStyle/>
           <a:p>
+            <a:r>
+              <a:rPr lang="en-US"/>
+              <a:t>Conclusion</a:t>
+            </a:r>
             <a:endParaRPr lang="en-US" dirty="0"/>
           </a:p>
         </p:txBody>
@@ -13060,7 +13249,28 @@
           <a:bodyPr/>
           <a:lstStyle/>
           <a:p>
-            <a:endParaRPr lang="en-US"/>
+            <a:r>
+              <a:rPr lang="en-US" dirty="0"/>
+              <a:t>Summary of Findings</a:t>
+            </a:r>
+          </a:p>
+          <a:p>
+            <a:r>
+              <a:rPr lang="en-US" dirty="0"/>
+              <a:t>Model Results</a:t>
+            </a:r>
+          </a:p>
+          <a:p>
+            <a:r>
+              <a:rPr lang="en-US" dirty="0"/>
+              <a:t>Practical Implications</a:t>
+            </a:r>
+          </a:p>
+          <a:p>
+            <a:r>
+              <a:rPr lang="en-US" dirty="0"/>
+              <a:t>Next Steps</a:t>
+            </a:r>
           </a:p>
         </p:txBody>
       </p:sp>
@@ -15387,10 +15597,15 @@
             <a:spLocks noGrp="1"/>
           </p:cNvSpPr>
           <p:nvPr>
-            <p:ph type="body" idx="1"/>
-          </p:nvPr>
-        </p:nvSpPr>
-        <p:spPr/>
+            <p:ph type="body" idx="4294967295"/>
+          </p:nvPr>
+        </p:nvSpPr>
+        <p:spPr>
+          <a:xfrm>
+            <a:off x="831850" y="4589463"/>
+            <a:ext cx="10515600" cy="1500187"/>
+          </a:xfrm>
+        </p:spPr>
         <p:txBody>
           <a:bodyPr/>
           <a:lstStyle/>
